--- a/0PPT/界面设计.pptx
+++ b/0PPT/界面设计.pptx
@@ -4,6 +4,9 @@
   <p:sldMasterIdLst>
     <p:sldMasterId id="2147483648" r:id="rId1"/>
   </p:sldMasterIdLst>
+  <p:notesMasterIdLst>
+    <p:notesMasterId r:id="rId27"/>
+  </p:notesMasterIdLst>
   <p:sldIdLst>
     <p:sldId id="256" r:id="rId2"/>
     <p:sldId id="257" r:id="rId3"/>
@@ -19,8 +22,17 @@
     <p:sldId id="310" r:id="rId13"/>
     <p:sldId id="311" r:id="rId14"/>
     <p:sldId id="312" r:id="rId15"/>
-    <p:sldId id="309" r:id="rId16"/>
-    <p:sldId id="307" r:id="rId17"/>
+    <p:sldId id="319" r:id="rId16"/>
+    <p:sldId id="320" r:id="rId17"/>
+    <p:sldId id="321" r:id="rId18"/>
+    <p:sldId id="322" r:id="rId19"/>
+    <p:sldId id="323" r:id="rId20"/>
+    <p:sldId id="324" r:id="rId21"/>
+    <p:sldId id="325" r:id="rId22"/>
+    <p:sldId id="326" r:id="rId23"/>
+    <p:sldId id="327" r:id="rId24"/>
+    <p:sldId id="309" r:id="rId25"/>
+    <p:sldId id="307" r:id="rId26"/>
   </p:sldIdLst>
   <p:sldSz cx="12192000" cy="6858000"/>
   <p:notesSz cx="6858000" cy="9144000"/>
@@ -237,6 +249,855 @@
 </p:presentation>
 </file>
 
+<file path=ppt/notesMasters/notesMaster1.xml><?xml version="1.0" encoding="utf-8"?>
+<p:notesMaster xmlns:a="http://schemas.openxmlformats.org/drawingml/2006/main" xmlns:r="http://schemas.openxmlformats.org/officeDocument/2006/relationships" xmlns:p="http://schemas.openxmlformats.org/presentationml/2006/main">
+  <p:cSld>
+    <p:bg>
+      <p:bgRef idx="1001">
+        <a:schemeClr val="bg1"/>
+      </p:bgRef>
+    </p:bg>
+    <p:spTree>
+      <p:nvGrpSpPr>
+        <p:cNvPr id="1" name=""/>
+        <p:cNvGrpSpPr/>
+        <p:nvPr/>
+      </p:nvGrpSpPr>
+      <p:grpSpPr>
+        <a:xfrm>
+          <a:off x="0" y="0"/>
+          <a:ext cx="0" cy="0"/>
+          <a:chOff x="0" y="0"/>
+          <a:chExt cx="0" cy="0"/>
+        </a:xfrm>
+      </p:grpSpPr>
+      <p:sp>
+        <p:nvSpPr>
+          <p:cNvPr id="2" name="页眉占位符 1"/>
+          <p:cNvSpPr>
+            <a:spLocks noGrp="1"/>
+          </p:cNvSpPr>
+          <p:nvPr>
+            <p:ph type="hdr" sz="quarter"/>
+          </p:nvPr>
+        </p:nvSpPr>
+        <p:spPr>
+          <a:xfrm>
+            <a:off x="0" y="0"/>
+            <a:ext cx="2971800" cy="458788"/>
+          </a:xfrm>
+          <a:prstGeom prst="rect">
+            <a:avLst/>
+          </a:prstGeom>
+        </p:spPr>
+        <p:txBody>
+          <a:bodyPr vert="horz" lIns="91440" tIns="45720" rIns="91440" bIns="45720" rtlCol="0"/>
+          <a:lstStyle>
+            <a:lvl1pPr algn="l">
+              <a:defRPr sz="1200"/>
+            </a:lvl1pPr>
+          </a:lstStyle>
+          <a:p>
+            <a:endParaRPr lang="zh-CN" altLang="en-US"/>
+          </a:p>
+        </p:txBody>
+      </p:sp>
+      <p:sp>
+        <p:nvSpPr>
+          <p:cNvPr id="3" name="日期占位符 2"/>
+          <p:cNvSpPr>
+            <a:spLocks noGrp="1"/>
+          </p:cNvSpPr>
+          <p:nvPr>
+            <p:ph type="dt" idx="1"/>
+          </p:nvPr>
+        </p:nvSpPr>
+        <p:spPr>
+          <a:xfrm>
+            <a:off x="3884613" y="0"/>
+            <a:ext cx="2971800" cy="458788"/>
+          </a:xfrm>
+          <a:prstGeom prst="rect">
+            <a:avLst/>
+          </a:prstGeom>
+        </p:spPr>
+        <p:txBody>
+          <a:bodyPr vert="horz" lIns="91440" tIns="45720" rIns="91440" bIns="45720" rtlCol="0"/>
+          <a:lstStyle>
+            <a:lvl1pPr algn="r">
+              <a:defRPr sz="1200"/>
+            </a:lvl1pPr>
+          </a:lstStyle>
+          <a:p>
+            <a:fld id="{D2A48B96-639E-45A3-A0BA-2464DFDB1FAA}" type="datetimeFigureOut">
+              <a:rPr lang="zh-CN" altLang="en-US" smtClean="0"/>
+              <a:t>2017/11/21</a:t>
+            </a:fld>
+            <a:endParaRPr lang="zh-CN" altLang="en-US"/>
+          </a:p>
+        </p:txBody>
+      </p:sp>
+      <p:sp>
+        <p:nvSpPr>
+          <p:cNvPr id="4" name="幻灯片图像占位符 3"/>
+          <p:cNvSpPr>
+            <a:spLocks noGrp="1" noRot="1" noChangeAspect="1"/>
+          </p:cNvSpPr>
+          <p:nvPr>
+            <p:ph type="sldImg" idx="2"/>
+          </p:nvPr>
+        </p:nvSpPr>
+        <p:spPr>
+          <a:xfrm>
+            <a:off x="685800" y="1143000"/>
+            <a:ext cx="5486400" cy="3086100"/>
+          </a:xfrm>
+          <a:prstGeom prst="rect">
+            <a:avLst/>
+          </a:prstGeom>
+          <a:noFill/>
+          <a:ln w="12700">
+            <a:solidFill>
+              <a:prstClr val="black"/>
+            </a:solidFill>
+          </a:ln>
+        </p:spPr>
+        <p:txBody>
+          <a:bodyPr vert="horz" lIns="91440" tIns="45720" rIns="91440" bIns="45720" rtlCol="0" anchor="ctr"/>
+          <a:lstStyle/>
+          <a:p>
+            <a:endParaRPr lang="zh-CN" altLang="en-US"/>
+          </a:p>
+        </p:txBody>
+      </p:sp>
+      <p:sp>
+        <p:nvSpPr>
+          <p:cNvPr id="5" name="备注占位符 4"/>
+          <p:cNvSpPr>
+            <a:spLocks noGrp="1"/>
+          </p:cNvSpPr>
+          <p:nvPr>
+            <p:ph type="body" sz="quarter" idx="3"/>
+          </p:nvPr>
+        </p:nvSpPr>
+        <p:spPr>
+          <a:xfrm>
+            <a:off x="685800" y="4400550"/>
+            <a:ext cx="5486400" cy="3600450"/>
+          </a:xfrm>
+          <a:prstGeom prst="rect">
+            <a:avLst/>
+          </a:prstGeom>
+        </p:spPr>
+        <p:txBody>
+          <a:bodyPr vert="horz" lIns="91440" tIns="45720" rIns="91440" bIns="45720" rtlCol="0"/>
+          <a:lstStyle/>
+          <a:p>
+            <a:pPr lvl="0"/>
+            <a:r>
+              <a:rPr lang="zh-CN" altLang="en-US" smtClean="0"/>
+              <a:t>单击此处编辑母版文本样式</a:t>
+            </a:r>
+          </a:p>
+          <a:p>
+            <a:pPr lvl="1"/>
+            <a:r>
+              <a:rPr lang="zh-CN" altLang="en-US" smtClean="0"/>
+              <a:t>第二级</a:t>
+            </a:r>
+          </a:p>
+          <a:p>
+            <a:pPr lvl="2"/>
+            <a:r>
+              <a:rPr lang="zh-CN" altLang="en-US" smtClean="0"/>
+              <a:t>第三级</a:t>
+            </a:r>
+          </a:p>
+          <a:p>
+            <a:pPr lvl="3"/>
+            <a:r>
+              <a:rPr lang="zh-CN" altLang="en-US" smtClean="0"/>
+              <a:t>第四级</a:t>
+            </a:r>
+          </a:p>
+          <a:p>
+            <a:pPr lvl="4"/>
+            <a:r>
+              <a:rPr lang="zh-CN" altLang="en-US" smtClean="0"/>
+              <a:t>第五级</a:t>
+            </a:r>
+            <a:endParaRPr lang="zh-CN" altLang="en-US"/>
+          </a:p>
+        </p:txBody>
+      </p:sp>
+      <p:sp>
+        <p:nvSpPr>
+          <p:cNvPr id="6" name="页脚占位符 5"/>
+          <p:cNvSpPr>
+            <a:spLocks noGrp="1"/>
+          </p:cNvSpPr>
+          <p:nvPr>
+            <p:ph type="ftr" sz="quarter" idx="4"/>
+          </p:nvPr>
+        </p:nvSpPr>
+        <p:spPr>
+          <a:xfrm>
+            <a:off x="0" y="8685213"/>
+            <a:ext cx="2971800" cy="458787"/>
+          </a:xfrm>
+          <a:prstGeom prst="rect">
+            <a:avLst/>
+          </a:prstGeom>
+        </p:spPr>
+        <p:txBody>
+          <a:bodyPr vert="horz" lIns="91440" tIns="45720" rIns="91440" bIns="45720" rtlCol="0" anchor="b"/>
+          <a:lstStyle>
+            <a:lvl1pPr algn="l">
+              <a:defRPr sz="1200"/>
+            </a:lvl1pPr>
+          </a:lstStyle>
+          <a:p>
+            <a:endParaRPr lang="zh-CN" altLang="en-US"/>
+          </a:p>
+        </p:txBody>
+      </p:sp>
+      <p:sp>
+        <p:nvSpPr>
+          <p:cNvPr id="7" name="灯片编号占位符 6"/>
+          <p:cNvSpPr>
+            <a:spLocks noGrp="1"/>
+          </p:cNvSpPr>
+          <p:nvPr>
+            <p:ph type="sldNum" sz="quarter" idx="5"/>
+          </p:nvPr>
+        </p:nvSpPr>
+        <p:spPr>
+          <a:xfrm>
+            <a:off x="3884613" y="8685213"/>
+            <a:ext cx="2971800" cy="458787"/>
+          </a:xfrm>
+          <a:prstGeom prst="rect">
+            <a:avLst/>
+          </a:prstGeom>
+        </p:spPr>
+        <p:txBody>
+          <a:bodyPr vert="horz" lIns="91440" tIns="45720" rIns="91440" bIns="45720" rtlCol="0" anchor="b"/>
+          <a:lstStyle>
+            <a:lvl1pPr algn="r">
+              <a:defRPr sz="1200"/>
+            </a:lvl1pPr>
+          </a:lstStyle>
+          <a:p>
+            <a:fld id="{A6837353-30EB-4A48-80EB-173D804AEFBD}" type="slidenum">
+              <a:rPr lang="zh-CN" altLang="en-US" smtClean="0"/>
+              <a:t>‹#›</a:t>
+            </a:fld>
+            <a:endParaRPr lang="zh-CN" altLang="en-US"/>
+          </a:p>
+        </p:txBody>
+      </p:sp>
+    </p:spTree>
+  </p:cSld>
+  <p:clrMap bg1="lt1" tx1="dk1" bg2="lt2" tx2="dk2" accent1="accent1" accent2="accent2" accent3="accent3" accent4="accent4" accent5="accent5" accent6="accent6" hlink="hlink" folHlink="folHlink"/>
+  <p:notesStyle>
+    <a:lvl1pPr marL="0" algn="l" defTabSz="914400" rtl="0" eaLnBrk="1" latinLnBrk="0" hangingPunct="1">
+      <a:defRPr sz="1200" kern="1200">
+        <a:solidFill>
+          <a:schemeClr val="tx1"/>
+        </a:solidFill>
+        <a:latin typeface="+mn-lt"/>
+        <a:ea typeface="+mn-ea"/>
+        <a:cs typeface="+mn-cs"/>
+      </a:defRPr>
+    </a:lvl1pPr>
+    <a:lvl2pPr marL="457200" algn="l" defTabSz="914400" rtl="0" eaLnBrk="1" latinLnBrk="0" hangingPunct="1">
+      <a:defRPr sz="1200" kern="1200">
+        <a:solidFill>
+          <a:schemeClr val="tx1"/>
+        </a:solidFill>
+        <a:latin typeface="+mn-lt"/>
+        <a:ea typeface="+mn-ea"/>
+        <a:cs typeface="+mn-cs"/>
+      </a:defRPr>
+    </a:lvl2pPr>
+    <a:lvl3pPr marL="914400" algn="l" defTabSz="914400" rtl="0" eaLnBrk="1" latinLnBrk="0" hangingPunct="1">
+      <a:defRPr sz="1200" kern="1200">
+        <a:solidFill>
+          <a:schemeClr val="tx1"/>
+        </a:solidFill>
+        <a:latin typeface="+mn-lt"/>
+        <a:ea typeface="+mn-ea"/>
+        <a:cs typeface="+mn-cs"/>
+      </a:defRPr>
+    </a:lvl3pPr>
+    <a:lvl4pPr marL="1371600" algn="l" defTabSz="914400" rtl="0" eaLnBrk="1" latinLnBrk="0" hangingPunct="1">
+      <a:defRPr sz="1200" kern="1200">
+        <a:solidFill>
+          <a:schemeClr val="tx1"/>
+        </a:solidFill>
+        <a:latin typeface="+mn-lt"/>
+        <a:ea typeface="+mn-ea"/>
+        <a:cs typeface="+mn-cs"/>
+      </a:defRPr>
+    </a:lvl4pPr>
+    <a:lvl5pPr marL="1828800" algn="l" defTabSz="914400" rtl="0" eaLnBrk="1" latinLnBrk="0" hangingPunct="1">
+      <a:defRPr sz="1200" kern="1200">
+        <a:solidFill>
+          <a:schemeClr val="tx1"/>
+        </a:solidFill>
+        <a:latin typeface="+mn-lt"/>
+        <a:ea typeface="+mn-ea"/>
+        <a:cs typeface="+mn-cs"/>
+      </a:defRPr>
+    </a:lvl5pPr>
+    <a:lvl6pPr marL="2286000" algn="l" defTabSz="914400" rtl="0" eaLnBrk="1" latinLnBrk="0" hangingPunct="1">
+      <a:defRPr sz="1200" kern="1200">
+        <a:solidFill>
+          <a:schemeClr val="tx1"/>
+        </a:solidFill>
+        <a:latin typeface="+mn-lt"/>
+        <a:ea typeface="+mn-ea"/>
+        <a:cs typeface="+mn-cs"/>
+      </a:defRPr>
+    </a:lvl6pPr>
+    <a:lvl7pPr marL="2743200" algn="l" defTabSz="914400" rtl="0" eaLnBrk="1" latinLnBrk="0" hangingPunct="1">
+      <a:defRPr sz="1200" kern="1200">
+        <a:solidFill>
+          <a:schemeClr val="tx1"/>
+        </a:solidFill>
+        <a:latin typeface="+mn-lt"/>
+        <a:ea typeface="+mn-ea"/>
+        <a:cs typeface="+mn-cs"/>
+      </a:defRPr>
+    </a:lvl7pPr>
+    <a:lvl8pPr marL="3200400" algn="l" defTabSz="914400" rtl="0" eaLnBrk="1" latinLnBrk="0" hangingPunct="1">
+      <a:defRPr sz="1200" kern="1200">
+        <a:solidFill>
+          <a:schemeClr val="tx1"/>
+        </a:solidFill>
+        <a:latin typeface="+mn-lt"/>
+        <a:ea typeface="+mn-ea"/>
+        <a:cs typeface="+mn-cs"/>
+      </a:defRPr>
+    </a:lvl8pPr>
+    <a:lvl9pPr marL="3657600" algn="l" defTabSz="914400" rtl="0" eaLnBrk="1" latinLnBrk="0" hangingPunct="1">
+      <a:defRPr sz="1200" kern="1200">
+        <a:solidFill>
+          <a:schemeClr val="tx1"/>
+        </a:solidFill>
+        <a:latin typeface="+mn-lt"/>
+        <a:ea typeface="+mn-ea"/>
+        <a:cs typeface="+mn-cs"/>
+      </a:defRPr>
+    </a:lvl9pPr>
+  </p:notesStyle>
+</p:notesMaster>
+</file>
+
+<file path=ppt/notesSlides/notesSlide1.xml><?xml version="1.0" encoding="utf-8"?>
+<p:notes xmlns:a="http://schemas.openxmlformats.org/drawingml/2006/main" xmlns:r="http://schemas.openxmlformats.org/officeDocument/2006/relationships" xmlns:p="http://schemas.openxmlformats.org/presentationml/2006/main">
+  <p:cSld>
+    <p:spTree>
+      <p:nvGrpSpPr>
+        <p:cNvPr id="1" name=""/>
+        <p:cNvGrpSpPr/>
+        <p:nvPr/>
+      </p:nvGrpSpPr>
+      <p:grpSpPr>
+        <a:xfrm>
+          <a:off x="0" y="0"/>
+          <a:ext cx="0" cy="0"/>
+          <a:chOff x="0" y="0"/>
+          <a:chExt cx="0" cy="0"/>
+        </a:xfrm>
+      </p:grpSpPr>
+      <p:sp>
+        <p:nvSpPr>
+          <p:cNvPr id="2" name="幻灯片图像占位符 1"/>
+          <p:cNvSpPr>
+            <a:spLocks noGrp="1" noRot="1" noChangeAspect="1"/>
+          </p:cNvSpPr>
+          <p:nvPr>
+            <p:ph type="sldImg" idx="2"/>
+          </p:nvPr>
+        </p:nvSpPr>
+        <p:spPr/>
+      </p:sp>
+      <p:sp>
+        <p:nvSpPr>
+          <p:cNvPr id="3" name="文本占位符 2"/>
+          <p:cNvSpPr>
+            <a:spLocks noGrp="1"/>
+          </p:cNvSpPr>
+          <p:nvPr>
+            <p:ph type="body" idx="3"/>
+          </p:nvPr>
+        </p:nvSpPr>
+        <p:spPr/>
+        <p:txBody>
+          <a:bodyPr/>
+          <a:lstStyle/>
+          <a:p>
+            <a:endParaRPr lang="zh-CN" altLang="en-US"/>
+          </a:p>
+        </p:txBody>
+      </p:sp>
+    </p:spTree>
+  </p:cSld>
+  <p:clrMapOvr>
+    <a:masterClrMapping/>
+  </p:clrMapOvr>
+</p:notes>
+</file>
+
+<file path=ppt/notesSlides/notesSlide2.xml><?xml version="1.0" encoding="utf-8"?>
+<p:notes xmlns:a="http://schemas.openxmlformats.org/drawingml/2006/main" xmlns:r="http://schemas.openxmlformats.org/officeDocument/2006/relationships" xmlns:p="http://schemas.openxmlformats.org/presentationml/2006/main">
+  <p:cSld>
+    <p:spTree>
+      <p:nvGrpSpPr>
+        <p:cNvPr id="1" name=""/>
+        <p:cNvGrpSpPr/>
+        <p:nvPr/>
+      </p:nvGrpSpPr>
+      <p:grpSpPr>
+        <a:xfrm>
+          <a:off x="0" y="0"/>
+          <a:ext cx="0" cy="0"/>
+          <a:chOff x="0" y="0"/>
+          <a:chExt cx="0" cy="0"/>
+        </a:xfrm>
+      </p:grpSpPr>
+      <p:sp>
+        <p:nvSpPr>
+          <p:cNvPr id="2" name="幻灯片图像占位符 1"/>
+          <p:cNvSpPr>
+            <a:spLocks noGrp="1" noRot="1" noChangeAspect="1"/>
+          </p:cNvSpPr>
+          <p:nvPr>
+            <p:ph type="sldImg" idx="2"/>
+          </p:nvPr>
+        </p:nvSpPr>
+        <p:spPr/>
+      </p:sp>
+      <p:sp>
+        <p:nvSpPr>
+          <p:cNvPr id="3" name="文本占位符 2"/>
+          <p:cNvSpPr>
+            <a:spLocks noGrp="1"/>
+          </p:cNvSpPr>
+          <p:nvPr>
+            <p:ph type="body" idx="3"/>
+          </p:nvPr>
+        </p:nvSpPr>
+        <p:spPr/>
+        <p:txBody>
+          <a:bodyPr/>
+          <a:lstStyle/>
+          <a:p>
+            <a:endParaRPr lang="zh-CN" altLang="en-US"/>
+          </a:p>
+        </p:txBody>
+      </p:sp>
+    </p:spTree>
+  </p:cSld>
+  <p:clrMapOvr>
+    <a:masterClrMapping/>
+  </p:clrMapOvr>
+</p:notes>
+</file>
+
+<file path=ppt/notesSlides/notesSlide3.xml><?xml version="1.0" encoding="utf-8"?>
+<p:notes xmlns:a="http://schemas.openxmlformats.org/drawingml/2006/main" xmlns:r="http://schemas.openxmlformats.org/officeDocument/2006/relationships" xmlns:p="http://schemas.openxmlformats.org/presentationml/2006/main">
+  <p:cSld>
+    <p:spTree>
+      <p:nvGrpSpPr>
+        <p:cNvPr id="1" name=""/>
+        <p:cNvGrpSpPr/>
+        <p:nvPr/>
+      </p:nvGrpSpPr>
+      <p:grpSpPr>
+        <a:xfrm>
+          <a:off x="0" y="0"/>
+          <a:ext cx="0" cy="0"/>
+          <a:chOff x="0" y="0"/>
+          <a:chExt cx="0" cy="0"/>
+        </a:xfrm>
+      </p:grpSpPr>
+      <p:sp>
+        <p:nvSpPr>
+          <p:cNvPr id="2" name="幻灯片图像占位符 1"/>
+          <p:cNvSpPr>
+            <a:spLocks noGrp="1" noRot="1" noChangeAspect="1"/>
+          </p:cNvSpPr>
+          <p:nvPr>
+            <p:ph type="sldImg" idx="2"/>
+          </p:nvPr>
+        </p:nvSpPr>
+        <p:spPr/>
+      </p:sp>
+      <p:sp>
+        <p:nvSpPr>
+          <p:cNvPr id="3" name="文本占位符 2"/>
+          <p:cNvSpPr>
+            <a:spLocks noGrp="1"/>
+          </p:cNvSpPr>
+          <p:nvPr>
+            <p:ph type="body" idx="3"/>
+          </p:nvPr>
+        </p:nvSpPr>
+        <p:spPr/>
+        <p:txBody>
+          <a:bodyPr/>
+          <a:lstStyle/>
+          <a:p>
+            <a:endParaRPr lang="zh-CN" altLang="en-US"/>
+          </a:p>
+        </p:txBody>
+      </p:sp>
+    </p:spTree>
+  </p:cSld>
+  <p:clrMapOvr>
+    <a:masterClrMapping/>
+  </p:clrMapOvr>
+</p:notes>
+</file>
+
+<file path=ppt/notesSlides/notesSlide4.xml><?xml version="1.0" encoding="utf-8"?>
+<p:notes xmlns:a="http://schemas.openxmlformats.org/drawingml/2006/main" xmlns:r="http://schemas.openxmlformats.org/officeDocument/2006/relationships" xmlns:p="http://schemas.openxmlformats.org/presentationml/2006/main">
+  <p:cSld>
+    <p:spTree>
+      <p:nvGrpSpPr>
+        <p:cNvPr id="1" name=""/>
+        <p:cNvGrpSpPr/>
+        <p:nvPr/>
+      </p:nvGrpSpPr>
+      <p:grpSpPr>
+        <a:xfrm>
+          <a:off x="0" y="0"/>
+          <a:ext cx="0" cy="0"/>
+          <a:chOff x="0" y="0"/>
+          <a:chExt cx="0" cy="0"/>
+        </a:xfrm>
+      </p:grpSpPr>
+      <p:sp>
+        <p:nvSpPr>
+          <p:cNvPr id="2" name="幻灯片图像占位符 1"/>
+          <p:cNvSpPr>
+            <a:spLocks noGrp="1" noRot="1" noChangeAspect="1"/>
+          </p:cNvSpPr>
+          <p:nvPr>
+            <p:ph type="sldImg" idx="2"/>
+          </p:nvPr>
+        </p:nvSpPr>
+        <p:spPr/>
+      </p:sp>
+      <p:sp>
+        <p:nvSpPr>
+          <p:cNvPr id="3" name="文本占位符 2"/>
+          <p:cNvSpPr>
+            <a:spLocks noGrp="1"/>
+          </p:cNvSpPr>
+          <p:nvPr>
+            <p:ph type="body" idx="3"/>
+          </p:nvPr>
+        </p:nvSpPr>
+        <p:spPr/>
+        <p:txBody>
+          <a:bodyPr/>
+          <a:lstStyle/>
+          <a:p>
+            <a:endParaRPr lang="zh-CN" altLang="en-US"/>
+          </a:p>
+        </p:txBody>
+      </p:sp>
+    </p:spTree>
+  </p:cSld>
+  <p:clrMapOvr>
+    <a:masterClrMapping/>
+  </p:clrMapOvr>
+</p:notes>
+</file>
+
+<file path=ppt/notesSlides/notesSlide5.xml><?xml version="1.0" encoding="utf-8"?>
+<p:notes xmlns:a="http://schemas.openxmlformats.org/drawingml/2006/main" xmlns:r="http://schemas.openxmlformats.org/officeDocument/2006/relationships" xmlns:p="http://schemas.openxmlformats.org/presentationml/2006/main">
+  <p:cSld>
+    <p:spTree>
+      <p:nvGrpSpPr>
+        <p:cNvPr id="1" name=""/>
+        <p:cNvGrpSpPr/>
+        <p:nvPr/>
+      </p:nvGrpSpPr>
+      <p:grpSpPr>
+        <a:xfrm>
+          <a:off x="0" y="0"/>
+          <a:ext cx="0" cy="0"/>
+          <a:chOff x="0" y="0"/>
+          <a:chExt cx="0" cy="0"/>
+        </a:xfrm>
+      </p:grpSpPr>
+      <p:sp>
+        <p:nvSpPr>
+          <p:cNvPr id="2" name="幻灯片图像占位符 1"/>
+          <p:cNvSpPr>
+            <a:spLocks noGrp="1" noRot="1" noChangeAspect="1"/>
+          </p:cNvSpPr>
+          <p:nvPr>
+            <p:ph type="sldImg" idx="2"/>
+          </p:nvPr>
+        </p:nvSpPr>
+        <p:spPr/>
+      </p:sp>
+      <p:sp>
+        <p:nvSpPr>
+          <p:cNvPr id="3" name="文本占位符 2"/>
+          <p:cNvSpPr>
+            <a:spLocks noGrp="1"/>
+          </p:cNvSpPr>
+          <p:nvPr>
+            <p:ph type="body" idx="3"/>
+          </p:nvPr>
+        </p:nvSpPr>
+        <p:spPr/>
+        <p:txBody>
+          <a:bodyPr/>
+          <a:lstStyle/>
+          <a:p>
+            <a:endParaRPr lang="zh-CN" altLang="en-US"/>
+          </a:p>
+        </p:txBody>
+      </p:sp>
+    </p:spTree>
+  </p:cSld>
+  <p:clrMapOvr>
+    <a:masterClrMapping/>
+  </p:clrMapOvr>
+</p:notes>
+</file>
+
+<file path=ppt/notesSlides/notesSlide6.xml><?xml version="1.0" encoding="utf-8"?>
+<p:notes xmlns:a="http://schemas.openxmlformats.org/drawingml/2006/main" xmlns:r="http://schemas.openxmlformats.org/officeDocument/2006/relationships" xmlns:p="http://schemas.openxmlformats.org/presentationml/2006/main">
+  <p:cSld>
+    <p:spTree>
+      <p:nvGrpSpPr>
+        <p:cNvPr id="1" name=""/>
+        <p:cNvGrpSpPr/>
+        <p:nvPr/>
+      </p:nvGrpSpPr>
+      <p:grpSpPr>
+        <a:xfrm>
+          <a:off x="0" y="0"/>
+          <a:ext cx="0" cy="0"/>
+          <a:chOff x="0" y="0"/>
+          <a:chExt cx="0" cy="0"/>
+        </a:xfrm>
+      </p:grpSpPr>
+      <p:sp>
+        <p:nvSpPr>
+          <p:cNvPr id="2" name="幻灯片图像占位符 1"/>
+          <p:cNvSpPr>
+            <a:spLocks noGrp="1" noRot="1" noChangeAspect="1"/>
+          </p:cNvSpPr>
+          <p:nvPr>
+            <p:ph type="sldImg" idx="2"/>
+          </p:nvPr>
+        </p:nvSpPr>
+        <p:spPr/>
+      </p:sp>
+      <p:sp>
+        <p:nvSpPr>
+          <p:cNvPr id="3" name="文本占位符 2"/>
+          <p:cNvSpPr>
+            <a:spLocks noGrp="1"/>
+          </p:cNvSpPr>
+          <p:nvPr>
+            <p:ph type="body" idx="3"/>
+          </p:nvPr>
+        </p:nvSpPr>
+        <p:spPr/>
+        <p:txBody>
+          <a:bodyPr/>
+          <a:lstStyle/>
+          <a:p>
+            <a:endParaRPr lang="zh-CN" altLang="en-US"/>
+          </a:p>
+        </p:txBody>
+      </p:sp>
+    </p:spTree>
+  </p:cSld>
+  <p:clrMapOvr>
+    <a:masterClrMapping/>
+  </p:clrMapOvr>
+</p:notes>
+</file>
+
+<file path=ppt/notesSlides/notesSlide7.xml><?xml version="1.0" encoding="utf-8"?>
+<p:notes xmlns:a="http://schemas.openxmlformats.org/drawingml/2006/main" xmlns:r="http://schemas.openxmlformats.org/officeDocument/2006/relationships" xmlns:p="http://schemas.openxmlformats.org/presentationml/2006/main">
+  <p:cSld>
+    <p:spTree>
+      <p:nvGrpSpPr>
+        <p:cNvPr id="1" name=""/>
+        <p:cNvGrpSpPr/>
+        <p:nvPr/>
+      </p:nvGrpSpPr>
+      <p:grpSpPr>
+        <a:xfrm>
+          <a:off x="0" y="0"/>
+          <a:ext cx="0" cy="0"/>
+          <a:chOff x="0" y="0"/>
+          <a:chExt cx="0" cy="0"/>
+        </a:xfrm>
+      </p:grpSpPr>
+      <p:sp>
+        <p:nvSpPr>
+          <p:cNvPr id="2" name="幻灯片图像占位符 1"/>
+          <p:cNvSpPr>
+            <a:spLocks noGrp="1" noRot="1" noChangeAspect="1"/>
+          </p:cNvSpPr>
+          <p:nvPr>
+            <p:ph type="sldImg" idx="2"/>
+          </p:nvPr>
+        </p:nvSpPr>
+        <p:spPr/>
+      </p:sp>
+      <p:sp>
+        <p:nvSpPr>
+          <p:cNvPr id="3" name="文本占位符 2"/>
+          <p:cNvSpPr>
+            <a:spLocks noGrp="1"/>
+          </p:cNvSpPr>
+          <p:nvPr>
+            <p:ph type="body" idx="3"/>
+          </p:nvPr>
+        </p:nvSpPr>
+        <p:spPr/>
+        <p:txBody>
+          <a:bodyPr/>
+          <a:lstStyle/>
+          <a:p>
+            <a:endParaRPr lang="zh-CN" altLang="en-US"/>
+          </a:p>
+        </p:txBody>
+      </p:sp>
+    </p:spTree>
+  </p:cSld>
+  <p:clrMapOvr>
+    <a:masterClrMapping/>
+  </p:clrMapOvr>
+</p:notes>
+</file>
+
+<file path=ppt/notesSlides/notesSlide8.xml><?xml version="1.0" encoding="utf-8"?>
+<p:notes xmlns:a="http://schemas.openxmlformats.org/drawingml/2006/main" xmlns:r="http://schemas.openxmlformats.org/officeDocument/2006/relationships" xmlns:p="http://schemas.openxmlformats.org/presentationml/2006/main">
+  <p:cSld>
+    <p:spTree>
+      <p:nvGrpSpPr>
+        <p:cNvPr id="1" name=""/>
+        <p:cNvGrpSpPr/>
+        <p:nvPr/>
+      </p:nvGrpSpPr>
+      <p:grpSpPr>
+        <a:xfrm>
+          <a:off x="0" y="0"/>
+          <a:ext cx="0" cy="0"/>
+          <a:chOff x="0" y="0"/>
+          <a:chExt cx="0" cy="0"/>
+        </a:xfrm>
+      </p:grpSpPr>
+      <p:sp>
+        <p:nvSpPr>
+          <p:cNvPr id="2" name="幻灯片图像占位符 1"/>
+          <p:cNvSpPr>
+            <a:spLocks noGrp="1" noRot="1" noChangeAspect="1"/>
+          </p:cNvSpPr>
+          <p:nvPr>
+            <p:ph type="sldImg" idx="2"/>
+          </p:nvPr>
+        </p:nvSpPr>
+        <p:spPr/>
+      </p:sp>
+      <p:sp>
+        <p:nvSpPr>
+          <p:cNvPr id="3" name="文本占位符 2"/>
+          <p:cNvSpPr>
+            <a:spLocks noGrp="1"/>
+          </p:cNvSpPr>
+          <p:nvPr>
+            <p:ph type="body" idx="3"/>
+          </p:nvPr>
+        </p:nvSpPr>
+        <p:spPr/>
+        <p:txBody>
+          <a:bodyPr/>
+          <a:lstStyle/>
+          <a:p>
+            <a:endParaRPr lang="zh-CN" altLang="en-US"/>
+          </a:p>
+        </p:txBody>
+      </p:sp>
+    </p:spTree>
+  </p:cSld>
+  <p:clrMapOvr>
+    <a:masterClrMapping/>
+  </p:clrMapOvr>
+</p:notes>
+</file>
+
+<file path=ppt/notesSlides/notesSlide9.xml><?xml version="1.0" encoding="utf-8"?>
+<p:notes xmlns:a="http://schemas.openxmlformats.org/drawingml/2006/main" xmlns:r="http://schemas.openxmlformats.org/officeDocument/2006/relationships" xmlns:p="http://schemas.openxmlformats.org/presentationml/2006/main">
+  <p:cSld>
+    <p:spTree>
+      <p:nvGrpSpPr>
+        <p:cNvPr id="1" name=""/>
+        <p:cNvGrpSpPr/>
+        <p:nvPr/>
+      </p:nvGrpSpPr>
+      <p:grpSpPr>
+        <a:xfrm>
+          <a:off x="0" y="0"/>
+          <a:ext cx="0" cy="0"/>
+          <a:chOff x="0" y="0"/>
+          <a:chExt cx="0" cy="0"/>
+        </a:xfrm>
+      </p:grpSpPr>
+      <p:sp>
+        <p:nvSpPr>
+          <p:cNvPr id="2" name="幻灯片图像占位符 1"/>
+          <p:cNvSpPr>
+            <a:spLocks noGrp="1" noRot="1" noChangeAspect="1"/>
+          </p:cNvSpPr>
+          <p:nvPr>
+            <p:ph type="sldImg" idx="2"/>
+          </p:nvPr>
+        </p:nvSpPr>
+        <p:spPr/>
+      </p:sp>
+      <p:sp>
+        <p:nvSpPr>
+          <p:cNvPr id="3" name="文本占位符 2"/>
+          <p:cNvSpPr>
+            <a:spLocks noGrp="1"/>
+          </p:cNvSpPr>
+          <p:nvPr>
+            <p:ph type="body" idx="3"/>
+          </p:nvPr>
+        </p:nvSpPr>
+        <p:spPr/>
+        <p:txBody>
+          <a:bodyPr/>
+          <a:lstStyle/>
+          <a:p>
+            <a:endParaRPr lang="zh-CN" altLang="en-US"/>
+          </a:p>
+        </p:txBody>
+      </p:sp>
+    </p:spTree>
+  </p:cSld>
+  <p:clrMapOvr>
+    <a:masterClrMapping/>
+  </p:clrMapOvr>
+</p:notes>
+</file>
+
 <file path=ppt/slideLayouts/slideLayout1.xml><?xml version="1.0" encoding="utf-8"?>
 <p:sldLayout xmlns:a="http://schemas.openxmlformats.org/drawingml/2006/main" xmlns:r="http://schemas.openxmlformats.org/officeDocument/2006/relationships" xmlns:p="http://schemas.openxmlformats.org/presentationml/2006/main" type="title" preserve="1">
   <p:cSld name="标题幻灯片">
@@ -371,7 +1232,7 @@
               <a:rPr lang="zh-CN" altLang="en-US" dirty="0">
                 <a:latin typeface="Calibri" panose="020F0502020204030204" pitchFamily="2" charset="0"/>
               </a:rPr>
-              <a:t>2017/11/19</a:t>
+              <a:t>2017/11/21</a:t>
             </a:fld>
             <a:endParaRPr lang="zh-CN" altLang="en-US" dirty="0">
               <a:latin typeface="Calibri" panose="020F0502020204030204" pitchFamily="2" charset="0"/>
@@ -549,7 +1410,7 @@
               <a:rPr lang="zh-CN" altLang="en-US" dirty="0">
                 <a:latin typeface="Calibri" panose="020F0502020204030204" pitchFamily="2" charset="0"/>
               </a:rPr>
-              <a:t>2017/11/19</a:t>
+              <a:t>2017/11/21</a:t>
             </a:fld>
             <a:endParaRPr lang="zh-CN" altLang="en-US" dirty="0">
               <a:latin typeface="Calibri" panose="020F0502020204030204" pitchFamily="2" charset="0"/>
@@ -737,7 +1598,7 @@
               <a:rPr lang="zh-CN" altLang="en-US" dirty="0">
                 <a:latin typeface="Calibri" panose="020F0502020204030204" pitchFamily="2" charset="0"/>
               </a:rPr>
-              <a:t>2017/11/19</a:t>
+              <a:t>2017/11/21</a:t>
             </a:fld>
             <a:endParaRPr lang="zh-CN" altLang="en-US" dirty="0">
               <a:latin typeface="Calibri" panose="020F0502020204030204" pitchFamily="2" charset="0"/>
@@ -915,7 +1776,7 @@
               <a:rPr lang="zh-CN" altLang="en-US" dirty="0">
                 <a:latin typeface="Calibri" panose="020F0502020204030204" pitchFamily="2" charset="0"/>
               </a:rPr>
-              <a:t>2017/11/19</a:t>
+              <a:t>2017/11/21</a:t>
             </a:fld>
             <a:endParaRPr lang="zh-CN" altLang="en-US" dirty="0">
               <a:latin typeface="Calibri" panose="020F0502020204030204" pitchFamily="2" charset="0"/>
@@ -1169,7 +2030,7 @@
               <a:rPr lang="zh-CN" altLang="en-US" dirty="0">
                 <a:latin typeface="Calibri" panose="020F0502020204030204" pitchFamily="2" charset="0"/>
               </a:rPr>
-              <a:t>2017/11/19</a:t>
+              <a:t>2017/11/21</a:t>
             </a:fld>
             <a:endParaRPr lang="zh-CN" altLang="en-US" dirty="0">
               <a:latin typeface="Calibri" panose="020F0502020204030204" pitchFamily="2" charset="0"/>
@@ -1409,7 +2270,7 @@
               <a:rPr lang="zh-CN" altLang="en-US" dirty="0">
                 <a:latin typeface="Calibri" panose="020F0502020204030204" pitchFamily="2" charset="0"/>
               </a:rPr>
-              <a:t>2017/11/19</a:t>
+              <a:t>2017/11/21</a:t>
             </a:fld>
             <a:endParaRPr lang="zh-CN" altLang="en-US" dirty="0">
               <a:latin typeface="Calibri" panose="020F0502020204030204" pitchFamily="2" charset="0"/>
@@ -1784,7 +2645,7 @@
               <a:rPr lang="zh-CN" altLang="en-US" dirty="0">
                 <a:latin typeface="Calibri" panose="020F0502020204030204" pitchFamily="2" charset="0"/>
               </a:rPr>
-              <a:t>2017/11/19</a:t>
+              <a:t>2017/11/21</a:t>
             </a:fld>
             <a:endParaRPr lang="zh-CN" altLang="en-US" dirty="0">
               <a:latin typeface="Calibri" panose="020F0502020204030204" pitchFamily="2" charset="0"/>
@@ -1910,7 +2771,7 @@
               <a:rPr lang="zh-CN" altLang="en-US" dirty="0">
                 <a:latin typeface="Calibri" panose="020F0502020204030204" pitchFamily="2" charset="0"/>
               </a:rPr>
-              <a:t>2017/11/19</a:t>
+              <a:t>2017/11/21</a:t>
             </a:fld>
             <a:endParaRPr lang="zh-CN" altLang="en-US" dirty="0">
               <a:latin typeface="Calibri" panose="020F0502020204030204" pitchFamily="2" charset="0"/>
@@ -2013,7 +2874,7 @@
               <a:rPr lang="zh-CN" altLang="en-US" dirty="0">
                 <a:latin typeface="Calibri" panose="020F0502020204030204" pitchFamily="2" charset="0"/>
               </a:rPr>
-              <a:t>2017/11/19</a:t>
+              <a:t>2017/11/21</a:t>
             </a:fld>
             <a:endParaRPr lang="zh-CN" altLang="en-US" dirty="0">
               <a:latin typeface="Calibri" panose="020F0502020204030204" pitchFamily="2" charset="0"/>
@@ -2298,7 +3159,7 @@
               <a:rPr lang="zh-CN" altLang="en-US" dirty="0">
                 <a:latin typeface="Calibri" panose="020F0502020204030204" pitchFamily="2" charset="0"/>
               </a:rPr>
-              <a:t>2017/11/19</a:t>
+              <a:t>2017/11/21</a:t>
             </a:fld>
             <a:endParaRPr lang="zh-CN" altLang="en-US" dirty="0">
               <a:latin typeface="Calibri" panose="020F0502020204030204" pitchFamily="2" charset="0"/>
@@ -2559,7 +3420,7 @@
               <a:rPr lang="zh-CN" altLang="en-US" dirty="0">
                 <a:latin typeface="Calibri" panose="020F0502020204030204" pitchFamily="2" charset="0"/>
               </a:rPr>
-              <a:t>2017/11/19</a:t>
+              <a:t>2017/11/21</a:t>
             </a:fld>
             <a:endParaRPr lang="zh-CN" altLang="en-US" dirty="0">
               <a:latin typeface="Calibri" panose="020F0502020204030204" pitchFamily="2" charset="0"/>
@@ -2790,7 +3651,7 @@
               <a:rPr lang="zh-CN" altLang="en-US" dirty="0">
                 <a:latin typeface="Calibri" panose="020F0502020204030204" pitchFamily="2" charset="0"/>
               </a:rPr>
-              <a:t>2017/11/19</a:t>
+              <a:t>2017/11/21</a:t>
             </a:fld>
             <a:endParaRPr lang="zh-CN" altLang="en-US" dirty="0">
               <a:latin typeface="Calibri" panose="020F0502020204030204" pitchFamily="2" charset="0"/>
@@ -10189,24 +11050,19 @@
       </p:grpSpPr>
       <p:sp>
         <p:nvSpPr>
-          <p:cNvPr id="10" name="文本框 9"/>
+          <p:cNvPr id="3" name="文本框 2"/>
           <p:cNvSpPr txBox="1"/>
           <p:nvPr/>
         </p:nvSpPr>
         <p:spPr>
           <a:xfrm>
-            <a:off x="1107440" y="1057910"/>
-            <a:ext cx="9976485" cy="4742815"/>
+            <a:off x="756285" y="692785"/>
+            <a:ext cx="1325880" cy="706755"/>
           </a:xfrm>
           <a:prstGeom prst="rect">
             <a:avLst/>
           </a:prstGeom>
           <a:noFill/>
-          <a:ln w="25400">
-            <a:solidFill>
-              <a:srgbClr val="FFC000"/>
-            </a:solidFill>
-          </a:ln>
         </p:spPr>
         <p:txBody>
           <a:bodyPr wrap="square" rtlCol="0">
@@ -10214,927 +11070,113 @@
           </a:bodyPr>
           <a:lstStyle/>
           <a:p>
-            <a:pPr algn="ctr">
-              <a:lnSpc>
-                <a:spcPct val="120000"/>
-              </a:lnSpc>
-            </a:pPr>
-            <a:endParaRPr lang="zh-CN" altLang="en-US" sz="2800" b="1" dirty="0">
-              <a:solidFill>
-                <a:schemeClr val="bg1"/>
-              </a:solidFill>
-            </a:endParaRPr>
-          </a:p>
-          <a:p>
-            <a:pPr algn="ctr">
-              <a:lnSpc>
-                <a:spcPct val="120000"/>
-              </a:lnSpc>
-            </a:pPr>
-            <a:endParaRPr lang="zh-CN" altLang="en-US" sz="2800" b="1" dirty="0">
-              <a:solidFill>
-                <a:schemeClr val="bg1"/>
-              </a:solidFill>
-            </a:endParaRPr>
-          </a:p>
-          <a:p>
-            <a:pPr algn="ctr">
-              <a:lnSpc>
-                <a:spcPct val="120000"/>
-              </a:lnSpc>
-            </a:pPr>
-            <a:endParaRPr lang="zh-CN" altLang="en-US" sz="2800" b="1" dirty="0">
-              <a:solidFill>
-                <a:schemeClr val="bg1"/>
-              </a:solidFill>
-            </a:endParaRPr>
-          </a:p>
-          <a:p>
-            <a:pPr algn="ctr">
-              <a:lnSpc>
-                <a:spcPct val="120000"/>
-              </a:lnSpc>
-            </a:pPr>
-            <a:endParaRPr lang="zh-CN" altLang="en-US" sz="2800" b="1" dirty="0">
-              <a:solidFill>
-                <a:srgbClr val="FFC000"/>
-              </a:solidFill>
-            </a:endParaRPr>
-          </a:p>
-          <a:p>
-            <a:pPr algn="ctr">
-              <a:lnSpc>
-                <a:spcPct val="120000"/>
-              </a:lnSpc>
-            </a:pPr>
-            <a:endParaRPr lang="zh-CN" altLang="en-US" sz="2800" b="1" dirty="0">
-              <a:solidFill>
-                <a:srgbClr val="FFC000"/>
-              </a:solidFill>
-            </a:endParaRPr>
-          </a:p>
-          <a:p>
-            <a:pPr algn="ctr">
-              <a:lnSpc>
-                <a:spcPct val="120000"/>
-              </a:lnSpc>
-            </a:pPr>
-            <a:endParaRPr lang="zh-CN" altLang="en-US" sz="2800" b="1" dirty="0">
-              <a:solidFill>
-                <a:schemeClr val="bg1"/>
-              </a:solidFill>
-            </a:endParaRPr>
-          </a:p>
-          <a:p>
-            <a:pPr algn="ctr">
-              <a:lnSpc>
-                <a:spcPct val="120000"/>
-              </a:lnSpc>
-            </a:pPr>
-            <a:endParaRPr lang="zh-CN" altLang="en-US" sz="2800" b="1" dirty="0">
-              <a:solidFill>
-                <a:schemeClr val="bg1"/>
-              </a:solidFill>
-            </a:endParaRPr>
-          </a:p>
-          <a:p>
-            <a:pPr algn="ctr">
-              <a:lnSpc>
-                <a:spcPct val="120000"/>
-              </a:lnSpc>
-            </a:pPr>
-            <a:endParaRPr lang="zh-CN" altLang="en-US" sz="2800" b="1" dirty="0">
-              <a:solidFill>
-                <a:schemeClr val="bg1"/>
-              </a:solidFill>
-            </a:endParaRPr>
-          </a:p>
-          <a:p>
-            <a:pPr algn="ctr">
-              <a:lnSpc>
-                <a:spcPct val="120000"/>
-              </a:lnSpc>
-            </a:pPr>
-            <a:endParaRPr lang="zh-CN" altLang="en-US" sz="2800" b="1" dirty="0">
-              <a:solidFill>
-                <a:schemeClr val="bg1"/>
-              </a:solidFill>
-            </a:endParaRPr>
+            <a:pPr algn="ctr"/>
+            <a:r>
+              <a:rPr lang="zh-CN" altLang="en-US" sz="4000" b="1" u="sng">
+                <a:solidFill>
+                  <a:srgbClr val="FFC000"/>
+                </a:solidFill>
+              </a:rPr>
+              <a:t>分享</a:t>
+            </a:r>
           </a:p>
         </p:txBody>
       </p:sp>
+      <p:pic>
+        <p:nvPicPr>
+          <p:cNvPr id="6" name="图片 5"/>
+          <p:cNvPicPr>
+            <a:picLocks noChangeAspect="1"/>
+          </p:cNvPicPr>
+          <p:nvPr/>
+        </p:nvPicPr>
+        <p:blipFill>
+          <a:blip r:embed="rId3"/>
+          <a:stretch>
+            <a:fillRect/>
+          </a:stretch>
+        </p:blipFill>
+        <p:spPr>
+          <a:xfrm>
+            <a:off x="638810" y="2351405"/>
+            <a:ext cx="10915015" cy="4022090"/>
+          </a:xfrm>
+          <a:prstGeom prst="rect">
+            <a:avLst/>
+          </a:prstGeom>
+        </p:spPr>
+      </p:pic>
       <p:sp>
         <p:nvSpPr>
-          <p:cNvPr id="202" name=" 202"/>
-          <p:cNvSpPr/>
-          <p:nvPr/>
-        </p:nvSpPr>
-        <p:spPr>
-          <a:xfrm>
-            <a:off x="756006" y="692980"/>
-            <a:ext cx="720005" cy="720005"/>
-          </a:xfrm>
-          <a:custGeom>
-            <a:avLst/>
-            <a:gdLst>
-              <a:gd name="connsiteX0" fmla="*/ 0 w 1584176"/>
-              <a:gd name="connsiteY0" fmla="*/ 0 h 1584176"/>
-              <a:gd name="connsiteX1" fmla="*/ 1584176 w 1584176"/>
-              <a:gd name="connsiteY1" fmla="*/ 0 h 1584176"/>
-              <a:gd name="connsiteX2" fmla="*/ 1584176 w 1584176"/>
-              <a:gd name="connsiteY2" fmla="*/ 187449 h 1584176"/>
-              <a:gd name="connsiteX3" fmla="*/ 189611 w 1584176"/>
-              <a:gd name="connsiteY3" fmla="*/ 187449 h 1584176"/>
-              <a:gd name="connsiteX4" fmla="*/ 189611 w 1584176"/>
-              <a:gd name="connsiteY4" fmla="*/ 1584176 h 1584176"/>
-              <a:gd name="connsiteX5" fmla="*/ 0 w 1584176"/>
-              <a:gd name="connsiteY5" fmla="*/ 1584176 h 1584176"/>
-            </a:gdLst>
-            <a:ahLst/>
-            <a:cxnLst>
-              <a:cxn ang="0">
-                <a:pos x="connsiteX0" y="connsiteY0"/>
-              </a:cxn>
-              <a:cxn ang="0">
-                <a:pos x="connsiteX1" y="connsiteY1"/>
-              </a:cxn>
-              <a:cxn ang="0">
-                <a:pos x="connsiteX2" y="connsiteY2"/>
-              </a:cxn>
-              <a:cxn ang="0">
-                <a:pos x="connsiteX3" y="connsiteY3"/>
-              </a:cxn>
-              <a:cxn ang="0">
-                <a:pos x="connsiteX4" y="connsiteY4"/>
-              </a:cxn>
-              <a:cxn ang="0">
-                <a:pos x="connsiteX5" y="connsiteY5"/>
-              </a:cxn>
-            </a:cxnLst>
-            <a:rect l="l" t="t" r="r" b="b"/>
-            <a:pathLst>
-              <a:path w="1584176" h="1584176">
-                <a:moveTo>
-                  <a:pt x="0" y="0"/>
-                </a:moveTo>
-                <a:lnTo>
-                  <a:pt x="1584176" y="0"/>
-                </a:lnTo>
-                <a:lnTo>
-                  <a:pt x="1584176" y="187449"/>
-                </a:lnTo>
-                <a:lnTo>
-                  <a:pt x="189611" y="187449"/>
-                </a:lnTo>
-                <a:lnTo>
-                  <a:pt x="189611" y="1584176"/>
-                </a:lnTo>
-                <a:lnTo>
-                  <a:pt x="0" y="1584176"/>
-                </a:lnTo>
-                <a:close/>
-              </a:path>
-            </a:pathLst>
-          </a:custGeom>
-          <a:solidFill>
-            <a:srgbClr val="FFC000"/>
-          </a:solidFill>
-          <a:ln>
-            <a:noFill/>
-          </a:ln>
-        </p:spPr>
-        <p:style>
-          <a:lnRef idx="2">
-            <a:schemeClr val="accent1">
-              <a:shade val="50000"/>
-            </a:schemeClr>
-          </a:lnRef>
-          <a:fillRef idx="1">
-            <a:schemeClr val="accent1"/>
-          </a:fillRef>
-          <a:effectRef idx="0">
-            <a:schemeClr val="accent1"/>
-          </a:effectRef>
-          <a:fontRef idx="minor">
-            <a:schemeClr val="lt1"/>
-          </a:fontRef>
-        </p:style>
-        <p:txBody>
-          <a:bodyPr anchor="ctr">
-            <a:scene3d>
-              <a:camera prst="orthographicFront"/>
-              <a:lightRig rig="threePt" dir="t"/>
-            </a:scene3d>
-            <a:sp3d>
-              <a:contourClr>
-                <a:srgbClr val="FFFFFF"/>
-              </a:contourClr>
-            </a:sp3d>
-          </a:bodyPr>
-          <a:lstStyle>
-            <a:defPPr>
-              <a:defRPr lang="zh-CN"/>
-            </a:defPPr>
-            <a:lvl1pPr algn="l" rtl="0" eaLnBrk="0" fontAlgn="base" hangingPunct="0">
-              <a:spcBef>
-                <a:spcPct val="0"/>
-              </a:spcBef>
-              <a:spcAft>
-                <a:spcPct val="0"/>
-              </a:spcAft>
-              <a:defRPr kern="1200">
-                <a:solidFill>
-                  <a:schemeClr val="lt1"/>
-                </a:solidFill>
-                <a:latin typeface="+mn-lt"/>
-                <a:ea typeface="+mn-ea"/>
-                <a:cs typeface="+mn-cs"/>
-              </a:defRPr>
-            </a:lvl1pPr>
-            <a:lvl2pPr marL="457200" algn="l" rtl="0" eaLnBrk="0" fontAlgn="base" hangingPunct="0">
-              <a:spcBef>
-                <a:spcPct val="0"/>
-              </a:spcBef>
-              <a:spcAft>
-                <a:spcPct val="0"/>
-              </a:spcAft>
-              <a:defRPr kern="1200">
-                <a:solidFill>
-                  <a:schemeClr val="lt1"/>
-                </a:solidFill>
-                <a:latin typeface="+mn-lt"/>
-                <a:ea typeface="+mn-ea"/>
-                <a:cs typeface="+mn-cs"/>
-              </a:defRPr>
-            </a:lvl2pPr>
-            <a:lvl3pPr marL="914400" algn="l" rtl="0" eaLnBrk="0" fontAlgn="base" hangingPunct="0">
-              <a:spcBef>
-                <a:spcPct val="0"/>
-              </a:spcBef>
-              <a:spcAft>
-                <a:spcPct val="0"/>
-              </a:spcAft>
-              <a:defRPr kern="1200">
-                <a:solidFill>
-                  <a:schemeClr val="lt1"/>
-                </a:solidFill>
-                <a:latin typeface="+mn-lt"/>
-                <a:ea typeface="+mn-ea"/>
-                <a:cs typeface="+mn-cs"/>
-              </a:defRPr>
-            </a:lvl3pPr>
-            <a:lvl4pPr marL="1371600" algn="l" rtl="0" eaLnBrk="0" fontAlgn="base" hangingPunct="0">
-              <a:spcBef>
-                <a:spcPct val="0"/>
-              </a:spcBef>
-              <a:spcAft>
-                <a:spcPct val="0"/>
-              </a:spcAft>
-              <a:defRPr kern="1200">
-                <a:solidFill>
-                  <a:schemeClr val="lt1"/>
-                </a:solidFill>
-                <a:latin typeface="+mn-lt"/>
-                <a:ea typeface="+mn-ea"/>
-                <a:cs typeface="+mn-cs"/>
-              </a:defRPr>
-            </a:lvl4pPr>
-            <a:lvl5pPr marL="1828800" algn="l" rtl="0" eaLnBrk="0" fontAlgn="base" hangingPunct="0">
-              <a:spcBef>
-                <a:spcPct val="0"/>
-              </a:spcBef>
-              <a:spcAft>
-                <a:spcPct val="0"/>
-              </a:spcAft>
-              <a:defRPr kern="1200">
-                <a:solidFill>
-                  <a:schemeClr val="lt1"/>
-                </a:solidFill>
-                <a:latin typeface="+mn-lt"/>
-                <a:ea typeface="+mn-ea"/>
-                <a:cs typeface="+mn-cs"/>
-              </a:defRPr>
-            </a:lvl5pPr>
-            <a:lvl6pPr marL="2286000" algn="l" defTabSz="914400" rtl="0" eaLnBrk="1" latinLnBrk="0" hangingPunct="1">
-              <a:defRPr kern="1200">
-                <a:solidFill>
-                  <a:schemeClr val="lt1"/>
-                </a:solidFill>
-                <a:latin typeface="+mn-lt"/>
-                <a:ea typeface="+mn-ea"/>
-                <a:cs typeface="+mn-cs"/>
-              </a:defRPr>
-            </a:lvl6pPr>
-            <a:lvl7pPr marL="2743200" algn="l" defTabSz="914400" rtl="0" eaLnBrk="1" latinLnBrk="0" hangingPunct="1">
-              <a:defRPr kern="1200">
-                <a:solidFill>
-                  <a:schemeClr val="lt1"/>
-                </a:solidFill>
-                <a:latin typeface="+mn-lt"/>
-                <a:ea typeface="+mn-ea"/>
-                <a:cs typeface="+mn-cs"/>
-              </a:defRPr>
-            </a:lvl7pPr>
-            <a:lvl8pPr marL="3200400" algn="l" defTabSz="914400" rtl="0" eaLnBrk="1" latinLnBrk="0" hangingPunct="1">
-              <a:defRPr kern="1200">
-                <a:solidFill>
-                  <a:schemeClr val="lt1"/>
-                </a:solidFill>
-                <a:latin typeface="+mn-lt"/>
-                <a:ea typeface="+mn-ea"/>
-                <a:cs typeface="+mn-cs"/>
-              </a:defRPr>
-            </a:lvl8pPr>
-            <a:lvl9pPr marL="3657600" algn="l" defTabSz="914400" rtl="0" eaLnBrk="1" latinLnBrk="0" hangingPunct="1">
-              <a:defRPr kern="1200">
-                <a:solidFill>
-                  <a:schemeClr val="lt1"/>
-                </a:solidFill>
-                <a:latin typeface="+mn-lt"/>
-                <a:ea typeface="+mn-ea"/>
-                <a:cs typeface="+mn-cs"/>
-              </a:defRPr>
-            </a:lvl9pPr>
-          </a:lstStyle>
-          <a:p>
-            <a:pPr algn="ctr" eaLnBrk="1" fontAlgn="auto" hangingPunct="1">
-              <a:spcBef>
-                <a:spcPts val="0"/>
-              </a:spcBef>
-              <a:spcAft>
-                <a:spcPts val="0"/>
-              </a:spcAft>
-              <a:defRPr/>
-            </a:pPr>
-            <a:endParaRPr lang="zh-CN" altLang="en-US">
-              <a:solidFill>
-                <a:srgbClr val="FFFFFF"/>
-              </a:solidFill>
-            </a:endParaRPr>
-          </a:p>
-        </p:txBody>
-      </p:sp>
-      <p:sp>
-        <p:nvSpPr>
-          <p:cNvPr id="2" name=" 202"/>
-          <p:cNvSpPr/>
-          <p:nvPr/>
-        </p:nvSpPr>
-        <p:spPr>
-          <a:xfrm rot="10800000">
-            <a:off x="10728079" y="5445015"/>
-            <a:ext cx="720005" cy="720005"/>
-          </a:xfrm>
-          <a:custGeom>
-            <a:avLst/>
-            <a:gdLst>
-              <a:gd name="connsiteX0" fmla="*/ 0 w 1584176"/>
-              <a:gd name="connsiteY0" fmla="*/ 0 h 1584176"/>
-              <a:gd name="connsiteX1" fmla="*/ 1584176 w 1584176"/>
-              <a:gd name="connsiteY1" fmla="*/ 0 h 1584176"/>
-              <a:gd name="connsiteX2" fmla="*/ 1584176 w 1584176"/>
-              <a:gd name="connsiteY2" fmla="*/ 187449 h 1584176"/>
-              <a:gd name="connsiteX3" fmla="*/ 189611 w 1584176"/>
-              <a:gd name="connsiteY3" fmla="*/ 187449 h 1584176"/>
-              <a:gd name="connsiteX4" fmla="*/ 189611 w 1584176"/>
-              <a:gd name="connsiteY4" fmla="*/ 1584176 h 1584176"/>
-              <a:gd name="connsiteX5" fmla="*/ 0 w 1584176"/>
-              <a:gd name="connsiteY5" fmla="*/ 1584176 h 1584176"/>
-            </a:gdLst>
-            <a:ahLst/>
-            <a:cxnLst>
-              <a:cxn ang="0">
-                <a:pos x="connsiteX0" y="connsiteY0"/>
-              </a:cxn>
-              <a:cxn ang="0">
-                <a:pos x="connsiteX1" y="connsiteY1"/>
-              </a:cxn>
-              <a:cxn ang="0">
-                <a:pos x="connsiteX2" y="connsiteY2"/>
-              </a:cxn>
-              <a:cxn ang="0">
-                <a:pos x="connsiteX3" y="connsiteY3"/>
-              </a:cxn>
-              <a:cxn ang="0">
-                <a:pos x="connsiteX4" y="connsiteY4"/>
-              </a:cxn>
-              <a:cxn ang="0">
-                <a:pos x="connsiteX5" y="connsiteY5"/>
-              </a:cxn>
-            </a:cxnLst>
-            <a:rect l="l" t="t" r="r" b="b"/>
-            <a:pathLst>
-              <a:path w="1584176" h="1584176">
-                <a:moveTo>
-                  <a:pt x="0" y="0"/>
-                </a:moveTo>
-                <a:lnTo>
-                  <a:pt x="1584176" y="0"/>
-                </a:lnTo>
-                <a:lnTo>
-                  <a:pt x="1584176" y="187449"/>
-                </a:lnTo>
-                <a:lnTo>
-                  <a:pt x="189611" y="187449"/>
-                </a:lnTo>
-                <a:lnTo>
-                  <a:pt x="189611" y="1584176"/>
-                </a:lnTo>
-                <a:lnTo>
-                  <a:pt x="0" y="1584176"/>
-                </a:lnTo>
-                <a:close/>
-              </a:path>
-            </a:pathLst>
-          </a:custGeom>
-          <a:solidFill>
-            <a:srgbClr val="FFC000"/>
-          </a:solidFill>
-          <a:ln>
-            <a:noFill/>
-          </a:ln>
-        </p:spPr>
-        <p:style>
-          <a:lnRef idx="2">
-            <a:schemeClr val="accent1">
-              <a:shade val="50000"/>
-            </a:schemeClr>
-          </a:lnRef>
-          <a:fillRef idx="1">
-            <a:schemeClr val="accent1"/>
-          </a:fillRef>
-          <a:effectRef idx="0">
-            <a:schemeClr val="accent1"/>
-          </a:effectRef>
-          <a:fontRef idx="minor">
-            <a:schemeClr val="lt1"/>
-          </a:fontRef>
-        </p:style>
-        <p:txBody>
-          <a:bodyPr anchor="ctr">
-            <a:scene3d>
-              <a:camera prst="orthographicFront"/>
-              <a:lightRig rig="threePt" dir="t"/>
-            </a:scene3d>
-            <a:sp3d>
-              <a:contourClr>
-                <a:srgbClr val="FFFFFF"/>
-              </a:contourClr>
-            </a:sp3d>
-          </a:bodyPr>
-          <a:lstStyle>
-            <a:defPPr>
-              <a:defRPr lang="zh-CN"/>
-            </a:defPPr>
-            <a:lvl1pPr algn="l" rtl="0" eaLnBrk="0" fontAlgn="base" hangingPunct="0">
-              <a:spcBef>
-                <a:spcPct val="0"/>
-              </a:spcBef>
-              <a:spcAft>
-                <a:spcPct val="0"/>
-              </a:spcAft>
-              <a:defRPr kern="1200">
-                <a:solidFill>
-                  <a:schemeClr val="lt1"/>
-                </a:solidFill>
-                <a:latin typeface="+mn-lt"/>
-                <a:ea typeface="+mn-ea"/>
-                <a:cs typeface="+mn-cs"/>
-              </a:defRPr>
-            </a:lvl1pPr>
-            <a:lvl2pPr marL="457200" algn="l" rtl="0" eaLnBrk="0" fontAlgn="base" hangingPunct="0">
-              <a:spcBef>
-                <a:spcPct val="0"/>
-              </a:spcBef>
-              <a:spcAft>
-                <a:spcPct val="0"/>
-              </a:spcAft>
-              <a:defRPr kern="1200">
-                <a:solidFill>
-                  <a:schemeClr val="lt1"/>
-                </a:solidFill>
-                <a:latin typeface="+mn-lt"/>
-                <a:ea typeface="+mn-ea"/>
-                <a:cs typeface="+mn-cs"/>
-              </a:defRPr>
-            </a:lvl2pPr>
-            <a:lvl3pPr marL="914400" algn="l" rtl="0" eaLnBrk="0" fontAlgn="base" hangingPunct="0">
-              <a:spcBef>
-                <a:spcPct val="0"/>
-              </a:spcBef>
-              <a:spcAft>
-                <a:spcPct val="0"/>
-              </a:spcAft>
-              <a:defRPr kern="1200">
-                <a:solidFill>
-                  <a:schemeClr val="lt1"/>
-                </a:solidFill>
-                <a:latin typeface="+mn-lt"/>
-                <a:ea typeface="+mn-ea"/>
-                <a:cs typeface="+mn-cs"/>
-              </a:defRPr>
-            </a:lvl3pPr>
-            <a:lvl4pPr marL="1371600" algn="l" rtl="0" eaLnBrk="0" fontAlgn="base" hangingPunct="0">
-              <a:spcBef>
-                <a:spcPct val="0"/>
-              </a:spcBef>
-              <a:spcAft>
-                <a:spcPct val="0"/>
-              </a:spcAft>
-              <a:defRPr kern="1200">
-                <a:solidFill>
-                  <a:schemeClr val="lt1"/>
-                </a:solidFill>
-                <a:latin typeface="+mn-lt"/>
-                <a:ea typeface="+mn-ea"/>
-                <a:cs typeface="+mn-cs"/>
-              </a:defRPr>
-            </a:lvl4pPr>
-            <a:lvl5pPr marL="1828800" algn="l" rtl="0" eaLnBrk="0" fontAlgn="base" hangingPunct="0">
-              <a:spcBef>
-                <a:spcPct val="0"/>
-              </a:spcBef>
-              <a:spcAft>
-                <a:spcPct val="0"/>
-              </a:spcAft>
-              <a:defRPr kern="1200">
-                <a:solidFill>
-                  <a:schemeClr val="lt1"/>
-                </a:solidFill>
-                <a:latin typeface="+mn-lt"/>
-                <a:ea typeface="+mn-ea"/>
-                <a:cs typeface="+mn-cs"/>
-              </a:defRPr>
-            </a:lvl5pPr>
-            <a:lvl6pPr marL="2286000" algn="l" defTabSz="914400" rtl="0" eaLnBrk="1" latinLnBrk="0" hangingPunct="1">
-              <a:defRPr kern="1200">
-                <a:solidFill>
-                  <a:schemeClr val="lt1"/>
-                </a:solidFill>
-                <a:latin typeface="+mn-lt"/>
-                <a:ea typeface="+mn-ea"/>
-                <a:cs typeface="+mn-cs"/>
-              </a:defRPr>
-            </a:lvl6pPr>
-            <a:lvl7pPr marL="2743200" algn="l" defTabSz="914400" rtl="0" eaLnBrk="1" latinLnBrk="0" hangingPunct="1">
-              <a:defRPr kern="1200">
-                <a:solidFill>
-                  <a:schemeClr val="lt1"/>
-                </a:solidFill>
-                <a:latin typeface="+mn-lt"/>
-                <a:ea typeface="+mn-ea"/>
-                <a:cs typeface="+mn-cs"/>
-              </a:defRPr>
-            </a:lvl7pPr>
-            <a:lvl8pPr marL="3200400" algn="l" defTabSz="914400" rtl="0" eaLnBrk="1" latinLnBrk="0" hangingPunct="1">
-              <a:defRPr kern="1200">
-                <a:solidFill>
-                  <a:schemeClr val="lt1"/>
-                </a:solidFill>
-                <a:latin typeface="+mn-lt"/>
-                <a:ea typeface="+mn-ea"/>
-                <a:cs typeface="+mn-cs"/>
-              </a:defRPr>
-            </a:lvl8pPr>
-            <a:lvl9pPr marL="3657600" algn="l" defTabSz="914400" rtl="0" eaLnBrk="1" latinLnBrk="0" hangingPunct="1">
-              <a:defRPr kern="1200">
-                <a:solidFill>
-                  <a:schemeClr val="lt1"/>
-                </a:solidFill>
-                <a:latin typeface="+mn-lt"/>
-                <a:ea typeface="+mn-ea"/>
-                <a:cs typeface="+mn-cs"/>
-              </a:defRPr>
-            </a:lvl9pPr>
-          </a:lstStyle>
-          <a:p>
-            <a:pPr algn="ctr" eaLnBrk="1" fontAlgn="auto" hangingPunct="1">
-              <a:spcBef>
-                <a:spcPts val="0"/>
-              </a:spcBef>
-              <a:spcAft>
-                <a:spcPts val="0"/>
-              </a:spcAft>
-              <a:defRPr/>
-            </a:pPr>
-            <a:endParaRPr lang="zh-CN" altLang="en-US">
-              <a:solidFill>
-                <a:srgbClr val="FFFFFF"/>
-              </a:solidFill>
-            </a:endParaRPr>
-          </a:p>
-        </p:txBody>
-      </p:sp>
-      <p:sp>
-        <p:nvSpPr>
-          <p:cNvPr id="4112" name="文本框 32"/>
+          <p:cNvPr id="7" name="文本框 6"/>
           <p:cNvSpPr txBox="1"/>
           <p:nvPr/>
         </p:nvSpPr>
         <p:spPr>
           <a:xfrm>
-            <a:off x="4520248" y="1412558"/>
-            <a:ext cx="3151187" cy="645160"/>
+            <a:off x="2148840" y="692785"/>
+            <a:ext cx="7894320" cy="583565"/>
           </a:xfrm>
           <a:prstGeom prst="rect">
             <a:avLst/>
           </a:prstGeom>
           <a:noFill/>
-          <a:ln w="9525">
-            <a:noFill/>
-          </a:ln>
         </p:spPr>
         <p:txBody>
-          <a:bodyPr>
+          <a:bodyPr wrap="square" rtlCol="0">
             <a:spAutoFit/>
           </a:bodyPr>
-          <a:lstStyle>
-            <a:lvl1pPr marL="228600" lvl="0" indent="-228600" algn="l" defTabSz="914400" eaLnBrk="0" fontAlgn="base" latinLnBrk="0" hangingPunct="0">
-              <a:lnSpc>
-                <a:spcPct val="90000"/>
-              </a:lnSpc>
-              <a:spcBef>
-                <a:spcPts val="1000"/>
-              </a:spcBef>
-              <a:spcAft>
-                <a:spcPct val="0"/>
-              </a:spcAft>
-              <a:buFont typeface="Arial" panose="020B0604020202020204" pitchFamily="34" charset="0"/>
-              <a:buChar char="•"/>
-              <a:defRPr sz="2800" u="none" kern="1200" baseline="0">
-                <a:solidFill>
-                  <a:schemeClr val="tx1"/>
-                </a:solidFill>
-                <a:latin typeface="Calibri" panose="020F0502020204030204" pitchFamily="2" charset="0"/>
-                <a:ea typeface="宋体" panose="02010600030101010101" pitchFamily="2" charset="-122"/>
-              </a:defRPr>
-            </a:lvl1pPr>
-            <a:lvl2pPr marL="685800" lvl="1" indent="-228600" algn="l" defTabSz="914400" eaLnBrk="0" fontAlgn="base" latinLnBrk="0" hangingPunct="0">
-              <a:lnSpc>
-                <a:spcPct val="90000"/>
-              </a:lnSpc>
-              <a:spcBef>
-                <a:spcPts val="500"/>
-              </a:spcBef>
-              <a:spcAft>
-                <a:spcPct val="0"/>
-              </a:spcAft>
-              <a:buFont typeface="Arial" panose="020B0604020202020204" pitchFamily="34" charset="0"/>
-              <a:buChar char="•"/>
-              <a:defRPr sz="2400" u="none" kern="1200" baseline="0">
-                <a:solidFill>
-                  <a:schemeClr val="tx1"/>
-                </a:solidFill>
-                <a:latin typeface="Calibri" panose="020F0502020204030204" pitchFamily="2" charset="0"/>
-                <a:ea typeface="宋体" panose="02010600030101010101" pitchFamily="2" charset="-122"/>
-              </a:defRPr>
-            </a:lvl2pPr>
-            <a:lvl3pPr marL="1143000" lvl="2" indent="-228600" algn="l" defTabSz="914400" eaLnBrk="0" fontAlgn="base" latinLnBrk="0" hangingPunct="0">
-              <a:lnSpc>
-                <a:spcPct val="90000"/>
-              </a:lnSpc>
-              <a:spcBef>
-                <a:spcPts val="500"/>
-              </a:spcBef>
-              <a:spcAft>
-                <a:spcPct val="0"/>
-              </a:spcAft>
-              <a:buFont typeface="Arial" panose="020B0604020202020204" pitchFamily="34" charset="0"/>
-              <a:buChar char="•"/>
-              <a:defRPr sz="2000" u="none" kern="1200" baseline="0">
-                <a:solidFill>
-                  <a:schemeClr val="tx1"/>
-                </a:solidFill>
-                <a:latin typeface="Calibri" panose="020F0502020204030204" pitchFamily="2" charset="0"/>
-                <a:ea typeface="宋体" panose="02010600030101010101" pitchFamily="2" charset="-122"/>
-              </a:defRPr>
-            </a:lvl3pPr>
-            <a:lvl4pPr marL="1600200" lvl="3" indent="-228600" algn="l" defTabSz="914400" eaLnBrk="0" fontAlgn="base" latinLnBrk="0" hangingPunct="0">
-              <a:lnSpc>
-                <a:spcPct val="90000"/>
-              </a:lnSpc>
-              <a:spcBef>
-                <a:spcPts val="500"/>
-              </a:spcBef>
-              <a:spcAft>
-                <a:spcPct val="0"/>
-              </a:spcAft>
-              <a:buFont typeface="Arial" panose="020B0604020202020204" pitchFamily="34" charset="0"/>
-              <a:buChar char="•"/>
-              <a:defRPr sz="1800" u="none" kern="1200" baseline="0">
-                <a:solidFill>
-                  <a:schemeClr val="tx1"/>
-                </a:solidFill>
-                <a:latin typeface="Calibri" panose="020F0502020204030204" pitchFamily="2" charset="0"/>
-                <a:ea typeface="宋体" panose="02010600030101010101" pitchFamily="2" charset="-122"/>
-              </a:defRPr>
-            </a:lvl4pPr>
-            <a:lvl5pPr marL="2057400" lvl="4" indent="-228600" algn="l" defTabSz="914400" eaLnBrk="0" fontAlgn="base" latinLnBrk="0" hangingPunct="0">
-              <a:lnSpc>
-                <a:spcPct val="90000"/>
-              </a:lnSpc>
-              <a:spcBef>
-                <a:spcPts val="500"/>
-              </a:spcBef>
-              <a:spcAft>
-                <a:spcPct val="0"/>
-              </a:spcAft>
-              <a:buFont typeface="Arial" panose="020B0604020202020204" pitchFamily="34" charset="0"/>
-              <a:buChar char="•"/>
-              <a:defRPr sz="1800" u="none" kern="1200" baseline="0">
-                <a:solidFill>
-                  <a:schemeClr val="tx1"/>
-                </a:solidFill>
-                <a:latin typeface="Calibri" panose="020F0502020204030204" pitchFamily="2" charset="0"/>
-                <a:ea typeface="宋体" panose="02010600030101010101" pitchFamily="2" charset="-122"/>
-              </a:defRPr>
-            </a:lvl5pPr>
-          </a:lstStyle>
-          <a:p>
-            <a:pPr marL="0" lvl="0" indent="0" algn="ctr" eaLnBrk="1" hangingPunct="1">
-              <a:lnSpc>
-                <a:spcPct val="100000"/>
-              </a:lnSpc>
-              <a:spcBef>
-                <a:spcPct val="0"/>
-              </a:spcBef>
-              <a:buNone/>
-            </a:pPr>
-            <a:r>
-              <a:rPr lang="zh-CN" sz="3600" dirty="0">
+          <a:lstStyle/>
+          <a:p>
+            <a:pPr algn="ctr"/>
+            <a:r>
+              <a:rPr lang="zh-CN" altLang="en-US" sz="3200" b="1">
                 <a:solidFill>
                   <a:schemeClr val="bg1"/>
                 </a:solidFill>
-                <a:sym typeface="+mn-ea"/>
-              </a:rPr>
-              <a:t>参考文献</a:t>
-            </a:r>
-            <a:endParaRPr lang="zh-CN" sz="3600" dirty="0">
-              <a:solidFill>
-                <a:schemeClr val="bg1"/>
-              </a:solidFill>
-            </a:endParaRPr>
+              </a:rPr>
+              <a:t>给出撤销操作来代替确定操作</a:t>
+            </a:r>
           </a:p>
         </p:txBody>
       </p:sp>
       <p:sp>
         <p:nvSpPr>
-          <p:cNvPr id="6" name="文本框 32"/>
+          <p:cNvPr id="8" name="文本框 7"/>
           <p:cNvSpPr txBox="1"/>
           <p:nvPr/>
         </p:nvSpPr>
         <p:spPr>
           <a:xfrm>
-            <a:off x="1476375" y="3136900"/>
-            <a:ext cx="9251950" cy="583565"/>
+            <a:off x="637540" y="1399540"/>
+            <a:ext cx="10916285" cy="829945"/>
           </a:xfrm>
           <a:prstGeom prst="rect">
             <a:avLst/>
           </a:prstGeom>
           <a:noFill/>
-          <a:ln w="9525">
-            <a:noFill/>
-          </a:ln>
         </p:spPr>
         <p:txBody>
-          <a:bodyPr wrap="square">
+          <a:bodyPr wrap="square" rtlCol="0">
             <a:spAutoFit/>
           </a:bodyPr>
-          <a:lstStyle>
-            <a:lvl1pPr marL="228600" lvl="0" indent="-228600" algn="l" defTabSz="914400" eaLnBrk="0" fontAlgn="base" latinLnBrk="0" hangingPunct="0">
-              <a:lnSpc>
-                <a:spcPct val="90000"/>
-              </a:lnSpc>
-              <a:spcBef>
-                <a:spcPts val="1000"/>
-              </a:spcBef>
-              <a:spcAft>
-                <a:spcPct val="0"/>
-              </a:spcAft>
-              <a:buFont typeface="Arial" panose="020B0604020202020204" pitchFamily="34" charset="0"/>
-              <a:buChar char="•"/>
-              <a:defRPr sz="2800" u="none" kern="1200" baseline="0">
-                <a:solidFill>
-                  <a:schemeClr val="tx1"/>
-                </a:solidFill>
-                <a:latin typeface="Calibri" panose="020F0502020204030204" pitchFamily="2" charset="0"/>
-                <a:ea typeface="宋体" panose="02010600030101010101" pitchFamily="2" charset="-122"/>
-              </a:defRPr>
-            </a:lvl1pPr>
-            <a:lvl2pPr marL="685800" lvl="1" indent="-228600" algn="l" defTabSz="914400" eaLnBrk="0" fontAlgn="base" latinLnBrk="0" hangingPunct="0">
-              <a:lnSpc>
-                <a:spcPct val="90000"/>
-              </a:lnSpc>
-              <a:spcBef>
-                <a:spcPts val="500"/>
-              </a:spcBef>
-              <a:spcAft>
-                <a:spcPct val="0"/>
-              </a:spcAft>
-              <a:buFont typeface="Arial" panose="020B0604020202020204" pitchFamily="34" charset="0"/>
-              <a:buChar char="•"/>
-              <a:defRPr sz="2400" u="none" kern="1200" baseline="0">
-                <a:solidFill>
-                  <a:schemeClr val="tx1"/>
-                </a:solidFill>
-                <a:latin typeface="Calibri" panose="020F0502020204030204" pitchFamily="2" charset="0"/>
-                <a:ea typeface="宋体" panose="02010600030101010101" pitchFamily="2" charset="-122"/>
-              </a:defRPr>
-            </a:lvl2pPr>
-            <a:lvl3pPr marL="1143000" lvl="2" indent="-228600" algn="l" defTabSz="914400" eaLnBrk="0" fontAlgn="base" latinLnBrk="0" hangingPunct="0">
-              <a:lnSpc>
-                <a:spcPct val="90000"/>
-              </a:lnSpc>
-              <a:spcBef>
-                <a:spcPts val="500"/>
-              </a:spcBef>
-              <a:spcAft>
-                <a:spcPct val="0"/>
-              </a:spcAft>
-              <a:buFont typeface="Arial" panose="020B0604020202020204" pitchFamily="34" charset="0"/>
-              <a:buChar char="•"/>
-              <a:defRPr sz="2000" u="none" kern="1200" baseline="0">
-                <a:solidFill>
-                  <a:schemeClr val="tx1"/>
-                </a:solidFill>
-                <a:latin typeface="Calibri" panose="020F0502020204030204" pitchFamily="2" charset="0"/>
-                <a:ea typeface="宋体" panose="02010600030101010101" pitchFamily="2" charset="-122"/>
-              </a:defRPr>
-            </a:lvl3pPr>
-            <a:lvl4pPr marL="1600200" lvl="3" indent="-228600" algn="l" defTabSz="914400" eaLnBrk="0" fontAlgn="base" latinLnBrk="0" hangingPunct="0">
-              <a:lnSpc>
-                <a:spcPct val="90000"/>
-              </a:lnSpc>
-              <a:spcBef>
-                <a:spcPts val="500"/>
-              </a:spcBef>
-              <a:spcAft>
-                <a:spcPct val="0"/>
-              </a:spcAft>
-              <a:buFont typeface="Arial" panose="020B0604020202020204" pitchFamily="34" charset="0"/>
-              <a:buChar char="•"/>
-              <a:defRPr sz="1800" u="none" kern="1200" baseline="0">
-                <a:solidFill>
-                  <a:schemeClr val="tx1"/>
-                </a:solidFill>
-                <a:latin typeface="Calibri" panose="020F0502020204030204" pitchFamily="2" charset="0"/>
-                <a:ea typeface="宋体" panose="02010600030101010101" pitchFamily="2" charset="-122"/>
-              </a:defRPr>
-            </a:lvl4pPr>
-            <a:lvl5pPr marL="2057400" lvl="4" indent="-228600" algn="l" defTabSz="914400" eaLnBrk="0" fontAlgn="base" latinLnBrk="0" hangingPunct="0">
-              <a:lnSpc>
-                <a:spcPct val="90000"/>
-              </a:lnSpc>
-              <a:spcBef>
-                <a:spcPts val="500"/>
-              </a:spcBef>
-              <a:spcAft>
-                <a:spcPct val="0"/>
-              </a:spcAft>
-              <a:buFont typeface="Arial" panose="020B0604020202020204" pitchFamily="34" charset="0"/>
-              <a:buChar char="•"/>
-              <a:defRPr sz="1800" u="none" kern="1200" baseline="0">
-                <a:solidFill>
-                  <a:schemeClr val="tx1"/>
-                </a:solidFill>
-                <a:latin typeface="Calibri" panose="020F0502020204030204" pitchFamily="2" charset="0"/>
-                <a:ea typeface="宋体" panose="02010600030101010101" pitchFamily="2" charset="-122"/>
-              </a:defRPr>
-            </a:lvl5pPr>
-          </a:lstStyle>
-          <a:p>
-            <a:pPr marL="0" lvl="0" indent="0" algn="ctr" eaLnBrk="1" hangingPunct="1">
-              <a:lnSpc>
-                <a:spcPct val="100000"/>
-              </a:lnSpc>
-              <a:spcBef>
-                <a:spcPct val="0"/>
-              </a:spcBef>
-              <a:buNone/>
-            </a:pPr>
-            <a:r>
-              <a:rPr lang="zh-CN" sz="3200" dirty="0">
+          <a:lstStyle/>
+          <a:p>
+            <a:r>
+              <a:rPr lang="en-US" altLang="zh-CN" sz="2400">
                 <a:solidFill>
                   <a:schemeClr val="bg1"/>
                 </a:solidFill>
               </a:rPr>
-              <a:t>界面设计包括哪些细节、如何深入？</a:t>
-            </a:r>
-            <a:r>
-              <a:rPr lang="en-US" altLang="zh-CN" sz="3200" dirty="0">
+              <a:t>	</a:t>
+            </a:r>
+            <a:r>
+              <a:rPr lang="zh-CN" altLang="en-US" sz="2400">
                 <a:solidFill>
                   <a:schemeClr val="bg1"/>
                 </a:solidFill>
               </a:rPr>
-              <a:t>——</a:t>
-            </a:r>
-            <a:r>
-              <a:rPr lang="zh-CN" altLang="en-US" sz="3200" dirty="0">
-                <a:solidFill>
-                  <a:schemeClr val="bg1"/>
-                </a:solidFill>
-              </a:rPr>
-              <a:t>知乎</a:t>
+              <a:t>假设用户每次操作都是正确的，只有极少数情况下才会发生误操作。避免用户每次操作都需要进行毫无意义的确定。</a:t>
             </a:r>
           </a:p>
         </p:txBody>
@@ -11173,24 +11215,19 @@
       </p:grpSpPr>
       <p:sp>
         <p:nvSpPr>
-          <p:cNvPr id="10" name="文本框 9"/>
+          <p:cNvPr id="3" name="文本框 2"/>
           <p:cNvSpPr txBox="1"/>
           <p:nvPr/>
         </p:nvSpPr>
         <p:spPr>
           <a:xfrm>
-            <a:off x="1107440" y="1057910"/>
-            <a:ext cx="9976485" cy="4742815"/>
+            <a:off x="756285" y="692785"/>
+            <a:ext cx="1325880" cy="706755"/>
           </a:xfrm>
           <a:prstGeom prst="rect">
             <a:avLst/>
           </a:prstGeom>
           <a:noFill/>
-          <a:ln w="25400">
-            <a:solidFill>
-              <a:srgbClr val="FFC000"/>
-            </a:solidFill>
-          </a:ln>
         </p:spPr>
         <p:txBody>
           <a:bodyPr wrap="square" rtlCol="0">
@@ -11198,1125 +11235,612 @@
           </a:bodyPr>
           <a:lstStyle/>
           <a:p>
-            <a:pPr algn="ctr">
-              <a:lnSpc>
-                <a:spcPct val="120000"/>
-              </a:lnSpc>
-            </a:pPr>
-            <a:endParaRPr lang="zh-CN" altLang="en-US" sz="2800" b="1" dirty="0">
-              <a:solidFill>
-                <a:schemeClr val="bg1"/>
-              </a:solidFill>
-            </a:endParaRPr>
-          </a:p>
-          <a:p>
-            <a:pPr algn="ctr">
-              <a:lnSpc>
-                <a:spcPct val="120000"/>
-              </a:lnSpc>
-            </a:pPr>
-            <a:endParaRPr lang="zh-CN" altLang="en-US" sz="2800" b="1" dirty="0">
-              <a:solidFill>
-                <a:schemeClr val="bg1"/>
-              </a:solidFill>
-            </a:endParaRPr>
-          </a:p>
-          <a:p>
-            <a:pPr algn="ctr">
-              <a:lnSpc>
-                <a:spcPct val="120000"/>
-              </a:lnSpc>
-            </a:pPr>
-            <a:endParaRPr lang="zh-CN" altLang="en-US" sz="2800" b="1" dirty="0">
-              <a:solidFill>
-                <a:schemeClr val="bg1"/>
-              </a:solidFill>
-            </a:endParaRPr>
-          </a:p>
-          <a:p>
-            <a:pPr algn="ctr">
-              <a:lnSpc>
-                <a:spcPct val="120000"/>
-              </a:lnSpc>
-            </a:pPr>
-            <a:endParaRPr lang="zh-CN" altLang="en-US" sz="2800" b="1" dirty="0">
-              <a:solidFill>
-                <a:srgbClr val="FFC000"/>
-              </a:solidFill>
-            </a:endParaRPr>
-          </a:p>
-          <a:p>
-            <a:pPr algn="ctr">
-              <a:lnSpc>
-                <a:spcPct val="120000"/>
-              </a:lnSpc>
-            </a:pPr>
-            <a:endParaRPr lang="zh-CN" altLang="en-US" sz="2800" b="1" dirty="0">
-              <a:solidFill>
-                <a:srgbClr val="FFC000"/>
-              </a:solidFill>
-            </a:endParaRPr>
-          </a:p>
-          <a:p>
-            <a:pPr algn="ctr">
-              <a:lnSpc>
-                <a:spcPct val="120000"/>
-              </a:lnSpc>
-            </a:pPr>
-            <a:endParaRPr lang="zh-CN" altLang="en-US" sz="2800" b="1" dirty="0">
-              <a:solidFill>
-                <a:schemeClr val="bg1"/>
-              </a:solidFill>
-            </a:endParaRPr>
-          </a:p>
-          <a:p>
-            <a:pPr algn="ctr">
-              <a:lnSpc>
-                <a:spcPct val="120000"/>
-              </a:lnSpc>
-            </a:pPr>
-            <a:endParaRPr lang="zh-CN" altLang="en-US" sz="2800" b="1" dirty="0">
-              <a:solidFill>
-                <a:schemeClr val="bg1"/>
-              </a:solidFill>
-            </a:endParaRPr>
-          </a:p>
-          <a:p>
-            <a:pPr algn="ctr">
-              <a:lnSpc>
-                <a:spcPct val="120000"/>
-              </a:lnSpc>
-            </a:pPr>
-            <a:endParaRPr lang="zh-CN" altLang="en-US" sz="2800" b="1" dirty="0">
-              <a:solidFill>
-                <a:schemeClr val="bg1"/>
-              </a:solidFill>
-            </a:endParaRPr>
-          </a:p>
-          <a:p>
-            <a:pPr algn="ctr">
-              <a:lnSpc>
-                <a:spcPct val="120000"/>
-              </a:lnSpc>
-            </a:pPr>
-            <a:endParaRPr lang="zh-CN" altLang="en-US" sz="2800" b="1" dirty="0">
-              <a:solidFill>
-                <a:schemeClr val="bg1"/>
-              </a:solidFill>
-            </a:endParaRPr>
+            <a:pPr algn="ctr"/>
+            <a:r>
+              <a:rPr lang="zh-CN" altLang="en-US" sz="4000" b="1" u="sng">
+                <a:solidFill>
+                  <a:srgbClr val="FFC000"/>
+                </a:solidFill>
+              </a:rPr>
+              <a:t>分享</a:t>
+            </a:r>
           </a:p>
         </p:txBody>
       </p:sp>
       <p:sp>
         <p:nvSpPr>
-          <p:cNvPr id="202" name=" 202"/>
-          <p:cNvSpPr/>
-          <p:nvPr/>
-        </p:nvSpPr>
-        <p:spPr>
-          <a:xfrm>
-            <a:off x="756006" y="692980"/>
-            <a:ext cx="720005" cy="720005"/>
-          </a:xfrm>
-          <a:custGeom>
-            <a:avLst/>
-            <a:gdLst>
-              <a:gd name="connsiteX0" fmla="*/ 0 w 1584176"/>
-              <a:gd name="connsiteY0" fmla="*/ 0 h 1584176"/>
-              <a:gd name="connsiteX1" fmla="*/ 1584176 w 1584176"/>
-              <a:gd name="connsiteY1" fmla="*/ 0 h 1584176"/>
-              <a:gd name="connsiteX2" fmla="*/ 1584176 w 1584176"/>
-              <a:gd name="connsiteY2" fmla="*/ 187449 h 1584176"/>
-              <a:gd name="connsiteX3" fmla="*/ 189611 w 1584176"/>
-              <a:gd name="connsiteY3" fmla="*/ 187449 h 1584176"/>
-              <a:gd name="connsiteX4" fmla="*/ 189611 w 1584176"/>
-              <a:gd name="connsiteY4" fmla="*/ 1584176 h 1584176"/>
-              <a:gd name="connsiteX5" fmla="*/ 0 w 1584176"/>
-              <a:gd name="connsiteY5" fmla="*/ 1584176 h 1584176"/>
-            </a:gdLst>
-            <a:ahLst/>
-            <a:cxnLst>
-              <a:cxn ang="0">
-                <a:pos x="connsiteX0" y="connsiteY0"/>
-              </a:cxn>
-              <a:cxn ang="0">
-                <a:pos x="connsiteX1" y="connsiteY1"/>
-              </a:cxn>
-              <a:cxn ang="0">
-                <a:pos x="connsiteX2" y="connsiteY2"/>
-              </a:cxn>
-              <a:cxn ang="0">
-                <a:pos x="connsiteX3" y="connsiteY3"/>
-              </a:cxn>
-              <a:cxn ang="0">
-                <a:pos x="connsiteX4" y="connsiteY4"/>
-              </a:cxn>
-              <a:cxn ang="0">
-                <a:pos x="connsiteX5" y="connsiteY5"/>
-              </a:cxn>
-            </a:cxnLst>
-            <a:rect l="l" t="t" r="r" b="b"/>
-            <a:pathLst>
-              <a:path w="1584176" h="1584176">
-                <a:moveTo>
-                  <a:pt x="0" y="0"/>
-                </a:moveTo>
-                <a:lnTo>
-                  <a:pt x="1584176" y="0"/>
-                </a:lnTo>
-                <a:lnTo>
-                  <a:pt x="1584176" y="187449"/>
-                </a:lnTo>
-                <a:lnTo>
-                  <a:pt x="189611" y="187449"/>
-                </a:lnTo>
-                <a:lnTo>
-                  <a:pt x="189611" y="1584176"/>
-                </a:lnTo>
-                <a:lnTo>
-                  <a:pt x="0" y="1584176"/>
-                </a:lnTo>
-                <a:close/>
-              </a:path>
-            </a:pathLst>
-          </a:custGeom>
-          <a:solidFill>
-            <a:srgbClr val="FFC000"/>
-          </a:solidFill>
-          <a:ln>
-            <a:noFill/>
-          </a:ln>
-        </p:spPr>
-        <p:style>
-          <a:lnRef idx="2">
-            <a:schemeClr val="accent1">
-              <a:shade val="50000"/>
-            </a:schemeClr>
-          </a:lnRef>
-          <a:fillRef idx="1">
-            <a:schemeClr val="accent1"/>
-          </a:fillRef>
-          <a:effectRef idx="0">
-            <a:schemeClr val="accent1"/>
-          </a:effectRef>
-          <a:fontRef idx="minor">
-            <a:schemeClr val="lt1"/>
-          </a:fontRef>
-        </p:style>
-        <p:txBody>
-          <a:bodyPr anchor="ctr">
-            <a:scene3d>
-              <a:camera prst="orthographicFront"/>
-              <a:lightRig rig="threePt" dir="t"/>
-            </a:scene3d>
-            <a:sp3d>
-              <a:contourClr>
-                <a:srgbClr val="FFFFFF"/>
-              </a:contourClr>
-            </a:sp3d>
-          </a:bodyPr>
-          <a:lstStyle>
-            <a:defPPr>
-              <a:defRPr lang="zh-CN"/>
-            </a:defPPr>
-            <a:lvl1pPr algn="l" rtl="0" eaLnBrk="0" fontAlgn="base" hangingPunct="0">
-              <a:spcBef>
-                <a:spcPct val="0"/>
-              </a:spcBef>
-              <a:spcAft>
-                <a:spcPct val="0"/>
-              </a:spcAft>
-              <a:defRPr kern="1200">
-                <a:solidFill>
-                  <a:schemeClr val="lt1"/>
-                </a:solidFill>
-                <a:latin typeface="+mn-lt"/>
-                <a:ea typeface="+mn-ea"/>
-                <a:cs typeface="+mn-cs"/>
-              </a:defRPr>
-            </a:lvl1pPr>
-            <a:lvl2pPr marL="457200" algn="l" rtl="0" eaLnBrk="0" fontAlgn="base" hangingPunct="0">
-              <a:spcBef>
-                <a:spcPct val="0"/>
-              </a:spcBef>
-              <a:spcAft>
-                <a:spcPct val="0"/>
-              </a:spcAft>
-              <a:defRPr kern="1200">
-                <a:solidFill>
-                  <a:schemeClr val="lt1"/>
-                </a:solidFill>
-                <a:latin typeface="+mn-lt"/>
-                <a:ea typeface="+mn-ea"/>
-                <a:cs typeface="+mn-cs"/>
-              </a:defRPr>
-            </a:lvl2pPr>
-            <a:lvl3pPr marL="914400" algn="l" rtl="0" eaLnBrk="0" fontAlgn="base" hangingPunct="0">
-              <a:spcBef>
-                <a:spcPct val="0"/>
-              </a:spcBef>
-              <a:spcAft>
-                <a:spcPct val="0"/>
-              </a:spcAft>
-              <a:defRPr kern="1200">
-                <a:solidFill>
-                  <a:schemeClr val="lt1"/>
-                </a:solidFill>
-                <a:latin typeface="+mn-lt"/>
-                <a:ea typeface="+mn-ea"/>
-                <a:cs typeface="+mn-cs"/>
-              </a:defRPr>
-            </a:lvl3pPr>
-            <a:lvl4pPr marL="1371600" algn="l" rtl="0" eaLnBrk="0" fontAlgn="base" hangingPunct="0">
-              <a:spcBef>
-                <a:spcPct val="0"/>
-              </a:spcBef>
-              <a:spcAft>
-                <a:spcPct val="0"/>
-              </a:spcAft>
-              <a:defRPr kern="1200">
-                <a:solidFill>
-                  <a:schemeClr val="lt1"/>
-                </a:solidFill>
-                <a:latin typeface="+mn-lt"/>
-                <a:ea typeface="+mn-ea"/>
-                <a:cs typeface="+mn-cs"/>
-              </a:defRPr>
-            </a:lvl4pPr>
-            <a:lvl5pPr marL="1828800" algn="l" rtl="0" eaLnBrk="0" fontAlgn="base" hangingPunct="0">
-              <a:spcBef>
-                <a:spcPct val="0"/>
-              </a:spcBef>
-              <a:spcAft>
-                <a:spcPct val="0"/>
-              </a:spcAft>
-              <a:defRPr kern="1200">
-                <a:solidFill>
-                  <a:schemeClr val="lt1"/>
-                </a:solidFill>
-                <a:latin typeface="+mn-lt"/>
-                <a:ea typeface="+mn-ea"/>
-                <a:cs typeface="+mn-cs"/>
-              </a:defRPr>
-            </a:lvl5pPr>
-            <a:lvl6pPr marL="2286000" algn="l" defTabSz="914400" rtl="0" eaLnBrk="1" latinLnBrk="0" hangingPunct="1">
-              <a:defRPr kern="1200">
-                <a:solidFill>
-                  <a:schemeClr val="lt1"/>
-                </a:solidFill>
-                <a:latin typeface="+mn-lt"/>
-                <a:ea typeface="+mn-ea"/>
-                <a:cs typeface="+mn-cs"/>
-              </a:defRPr>
-            </a:lvl6pPr>
-            <a:lvl7pPr marL="2743200" algn="l" defTabSz="914400" rtl="0" eaLnBrk="1" latinLnBrk="0" hangingPunct="1">
-              <a:defRPr kern="1200">
-                <a:solidFill>
-                  <a:schemeClr val="lt1"/>
-                </a:solidFill>
-                <a:latin typeface="+mn-lt"/>
-                <a:ea typeface="+mn-ea"/>
-                <a:cs typeface="+mn-cs"/>
-              </a:defRPr>
-            </a:lvl7pPr>
-            <a:lvl8pPr marL="3200400" algn="l" defTabSz="914400" rtl="0" eaLnBrk="1" latinLnBrk="0" hangingPunct="1">
-              <a:defRPr kern="1200">
-                <a:solidFill>
-                  <a:schemeClr val="lt1"/>
-                </a:solidFill>
-                <a:latin typeface="+mn-lt"/>
-                <a:ea typeface="+mn-ea"/>
-                <a:cs typeface="+mn-cs"/>
-              </a:defRPr>
-            </a:lvl8pPr>
-            <a:lvl9pPr marL="3657600" algn="l" defTabSz="914400" rtl="0" eaLnBrk="1" latinLnBrk="0" hangingPunct="1">
-              <a:defRPr kern="1200">
-                <a:solidFill>
-                  <a:schemeClr val="lt1"/>
-                </a:solidFill>
-                <a:latin typeface="+mn-lt"/>
-                <a:ea typeface="+mn-ea"/>
-                <a:cs typeface="+mn-cs"/>
-              </a:defRPr>
-            </a:lvl9pPr>
-          </a:lstStyle>
-          <a:p>
-            <a:pPr algn="ctr" eaLnBrk="1" fontAlgn="auto" hangingPunct="1">
-              <a:spcBef>
-                <a:spcPts val="0"/>
-              </a:spcBef>
-              <a:spcAft>
-                <a:spcPts val="0"/>
-              </a:spcAft>
-              <a:defRPr/>
-            </a:pPr>
-            <a:endParaRPr lang="zh-CN" altLang="en-US">
-              <a:solidFill>
-                <a:srgbClr val="FFFFFF"/>
-              </a:solidFill>
-            </a:endParaRPr>
-          </a:p>
-        </p:txBody>
-      </p:sp>
-      <p:sp>
-        <p:nvSpPr>
-          <p:cNvPr id="2" name=" 202"/>
-          <p:cNvSpPr/>
-          <p:nvPr/>
-        </p:nvSpPr>
-        <p:spPr>
-          <a:xfrm rot="10800000">
-            <a:off x="10728079" y="5445015"/>
-            <a:ext cx="720005" cy="720005"/>
-          </a:xfrm>
-          <a:custGeom>
-            <a:avLst/>
-            <a:gdLst>
-              <a:gd name="connsiteX0" fmla="*/ 0 w 1584176"/>
-              <a:gd name="connsiteY0" fmla="*/ 0 h 1584176"/>
-              <a:gd name="connsiteX1" fmla="*/ 1584176 w 1584176"/>
-              <a:gd name="connsiteY1" fmla="*/ 0 h 1584176"/>
-              <a:gd name="connsiteX2" fmla="*/ 1584176 w 1584176"/>
-              <a:gd name="connsiteY2" fmla="*/ 187449 h 1584176"/>
-              <a:gd name="connsiteX3" fmla="*/ 189611 w 1584176"/>
-              <a:gd name="connsiteY3" fmla="*/ 187449 h 1584176"/>
-              <a:gd name="connsiteX4" fmla="*/ 189611 w 1584176"/>
-              <a:gd name="connsiteY4" fmla="*/ 1584176 h 1584176"/>
-              <a:gd name="connsiteX5" fmla="*/ 0 w 1584176"/>
-              <a:gd name="connsiteY5" fmla="*/ 1584176 h 1584176"/>
-            </a:gdLst>
-            <a:ahLst/>
-            <a:cxnLst>
-              <a:cxn ang="0">
-                <a:pos x="connsiteX0" y="connsiteY0"/>
-              </a:cxn>
-              <a:cxn ang="0">
-                <a:pos x="connsiteX1" y="connsiteY1"/>
-              </a:cxn>
-              <a:cxn ang="0">
-                <a:pos x="connsiteX2" y="connsiteY2"/>
-              </a:cxn>
-              <a:cxn ang="0">
-                <a:pos x="connsiteX3" y="connsiteY3"/>
-              </a:cxn>
-              <a:cxn ang="0">
-                <a:pos x="connsiteX4" y="connsiteY4"/>
-              </a:cxn>
-              <a:cxn ang="0">
-                <a:pos x="connsiteX5" y="connsiteY5"/>
-              </a:cxn>
-            </a:cxnLst>
-            <a:rect l="l" t="t" r="r" b="b"/>
-            <a:pathLst>
-              <a:path w="1584176" h="1584176">
-                <a:moveTo>
-                  <a:pt x="0" y="0"/>
-                </a:moveTo>
-                <a:lnTo>
-                  <a:pt x="1584176" y="0"/>
-                </a:lnTo>
-                <a:lnTo>
-                  <a:pt x="1584176" y="187449"/>
-                </a:lnTo>
-                <a:lnTo>
-                  <a:pt x="189611" y="187449"/>
-                </a:lnTo>
-                <a:lnTo>
-                  <a:pt x="189611" y="1584176"/>
-                </a:lnTo>
-                <a:lnTo>
-                  <a:pt x="0" y="1584176"/>
-                </a:lnTo>
-                <a:close/>
-              </a:path>
-            </a:pathLst>
-          </a:custGeom>
-          <a:solidFill>
-            <a:srgbClr val="FFC000"/>
-          </a:solidFill>
-          <a:ln>
-            <a:noFill/>
-          </a:ln>
-        </p:spPr>
-        <p:style>
-          <a:lnRef idx="2">
-            <a:schemeClr val="accent1">
-              <a:shade val="50000"/>
-            </a:schemeClr>
-          </a:lnRef>
-          <a:fillRef idx="1">
-            <a:schemeClr val="accent1"/>
-          </a:fillRef>
-          <a:effectRef idx="0">
-            <a:schemeClr val="accent1"/>
-          </a:effectRef>
-          <a:fontRef idx="minor">
-            <a:schemeClr val="lt1"/>
-          </a:fontRef>
-        </p:style>
-        <p:txBody>
-          <a:bodyPr anchor="ctr">
-            <a:scene3d>
-              <a:camera prst="orthographicFront"/>
-              <a:lightRig rig="threePt" dir="t"/>
-            </a:scene3d>
-            <a:sp3d>
-              <a:contourClr>
-                <a:srgbClr val="FFFFFF"/>
-              </a:contourClr>
-            </a:sp3d>
-          </a:bodyPr>
-          <a:lstStyle>
-            <a:defPPr>
-              <a:defRPr lang="zh-CN"/>
-            </a:defPPr>
-            <a:lvl1pPr algn="l" rtl="0" eaLnBrk="0" fontAlgn="base" hangingPunct="0">
-              <a:spcBef>
-                <a:spcPct val="0"/>
-              </a:spcBef>
-              <a:spcAft>
-                <a:spcPct val="0"/>
-              </a:spcAft>
-              <a:defRPr kern="1200">
-                <a:solidFill>
-                  <a:schemeClr val="lt1"/>
-                </a:solidFill>
-                <a:latin typeface="+mn-lt"/>
-                <a:ea typeface="+mn-ea"/>
-                <a:cs typeface="+mn-cs"/>
-              </a:defRPr>
-            </a:lvl1pPr>
-            <a:lvl2pPr marL="457200" algn="l" rtl="0" eaLnBrk="0" fontAlgn="base" hangingPunct="0">
-              <a:spcBef>
-                <a:spcPct val="0"/>
-              </a:spcBef>
-              <a:spcAft>
-                <a:spcPct val="0"/>
-              </a:spcAft>
-              <a:defRPr kern="1200">
-                <a:solidFill>
-                  <a:schemeClr val="lt1"/>
-                </a:solidFill>
-                <a:latin typeface="+mn-lt"/>
-                <a:ea typeface="+mn-ea"/>
-                <a:cs typeface="+mn-cs"/>
-              </a:defRPr>
-            </a:lvl2pPr>
-            <a:lvl3pPr marL="914400" algn="l" rtl="0" eaLnBrk="0" fontAlgn="base" hangingPunct="0">
-              <a:spcBef>
-                <a:spcPct val="0"/>
-              </a:spcBef>
-              <a:spcAft>
-                <a:spcPct val="0"/>
-              </a:spcAft>
-              <a:defRPr kern="1200">
-                <a:solidFill>
-                  <a:schemeClr val="lt1"/>
-                </a:solidFill>
-                <a:latin typeface="+mn-lt"/>
-                <a:ea typeface="+mn-ea"/>
-                <a:cs typeface="+mn-cs"/>
-              </a:defRPr>
-            </a:lvl3pPr>
-            <a:lvl4pPr marL="1371600" algn="l" rtl="0" eaLnBrk="0" fontAlgn="base" hangingPunct="0">
-              <a:spcBef>
-                <a:spcPct val="0"/>
-              </a:spcBef>
-              <a:spcAft>
-                <a:spcPct val="0"/>
-              </a:spcAft>
-              <a:defRPr kern="1200">
-                <a:solidFill>
-                  <a:schemeClr val="lt1"/>
-                </a:solidFill>
-                <a:latin typeface="+mn-lt"/>
-                <a:ea typeface="+mn-ea"/>
-                <a:cs typeface="+mn-cs"/>
-              </a:defRPr>
-            </a:lvl4pPr>
-            <a:lvl5pPr marL="1828800" algn="l" rtl="0" eaLnBrk="0" fontAlgn="base" hangingPunct="0">
-              <a:spcBef>
-                <a:spcPct val="0"/>
-              </a:spcBef>
-              <a:spcAft>
-                <a:spcPct val="0"/>
-              </a:spcAft>
-              <a:defRPr kern="1200">
-                <a:solidFill>
-                  <a:schemeClr val="lt1"/>
-                </a:solidFill>
-                <a:latin typeface="+mn-lt"/>
-                <a:ea typeface="+mn-ea"/>
-                <a:cs typeface="+mn-cs"/>
-              </a:defRPr>
-            </a:lvl5pPr>
-            <a:lvl6pPr marL="2286000" algn="l" defTabSz="914400" rtl="0" eaLnBrk="1" latinLnBrk="0" hangingPunct="1">
-              <a:defRPr kern="1200">
-                <a:solidFill>
-                  <a:schemeClr val="lt1"/>
-                </a:solidFill>
-                <a:latin typeface="+mn-lt"/>
-                <a:ea typeface="+mn-ea"/>
-                <a:cs typeface="+mn-cs"/>
-              </a:defRPr>
-            </a:lvl6pPr>
-            <a:lvl7pPr marL="2743200" algn="l" defTabSz="914400" rtl="0" eaLnBrk="1" latinLnBrk="0" hangingPunct="1">
-              <a:defRPr kern="1200">
-                <a:solidFill>
-                  <a:schemeClr val="lt1"/>
-                </a:solidFill>
-                <a:latin typeface="+mn-lt"/>
-                <a:ea typeface="+mn-ea"/>
-                <a:cs typeface="+mn-cs"/>
-              </a:defRPr>
-            </a:lvl7pPr>
-            <a:lvl8pPr marL="3200400" algn="l" defTabSz="914400" rtl="0" eaLnBrk="1" latinLnBrk="0" hangingPunct="1">
-              <a:defRPr kern="1200">
-                <a:solidFill>
-                  <a:schemeClr val="lt1"/>
-                </a:solidFill>
-                <a:latin typeface="+mn-lt"/>
-                <a:ea typeface="+mn-ea"/>
-                <a:cs typeface="+mn-cs"/>
-              </a:defRPr>
-            </a:lvl8pPr>
-            <a:lvl9pPr marL="3657600" algn="l" defTabSz="914400" rtl="0" eaLnBrk="1" latinLnBrk="0" hangingPunct="1">
-              <a:defRPr kern="1200">
-                <a:solidFill>
-                  <a:schemeClr val="lt1"/>
-                </a:solidFill>
-                <a:latin typeface="+mn-lt"/>
-                <a:ea typeface="+mn-ea"/>
-                <a:cs typeface="+mn-cs"/>
-              </a:defRPr>
-            </a:lvl9pPr>
-          </a:lstStyle>
-          <a:p>
-            <a:pPr algn="ctr" eaLnBrk="1" fontAlgn="auto" hangingPunct="1">
-              <a:spcBef>
-                <a:spcPts val="0"/>
-              </a:spcBef>
-              <a:spcAft>
-                <a:spcPts val="0"/>
-              </a:spcAft>
-              <a:defRPr/>
-            </a:pPr>
-            <a:endParaRPr lang="zh-CN" altLang="en-US">
-              <a:solidFill>
-                <a:srgbClr val="FFFFFF"/>
-              </a:solidFill>
-            </a:endParaRPr>
-          </a:p>
-        </p:txBody>
-      </p:sp>
-      <p:sp>
-        <p:nvSpPr>
-          <p:cNvPr id="4112" name="文本框 32"/>
+          <p:cNvPr id="7" name="文本框 6"/>
           <p:cNvSpPr txBox="1"/>
           <p:nvPr/>
         </p:nvSpPr>
         <p:spPr>
           <a:xfrm>
-            <a:off x="4520248" y="1412558"/>
-            <a:ext cx="3151187" cy="645160"/>
+            <a:off x="2148840" y="692785"/>
+            <a:ext cx="7894320" cy="583565"/>
           </a:xfrm>
           <a:prstGeom prst="rect">
             <a:avLst/>
           </a:prstGeom>
           <a:noFill/>
-          <a:ln w="9525">
-            <a:noFill/>
-          </a:ln>
         </p:spPr>
         <p:txBody>
-          <a:bodyPr>
+          <a:bodyPr wrap="square" rtlCol="0">
             <a:spAutoFit/>
           </a:bodyPr>
-          <a:lstStyle>
-            <a:lvl1pPr marL="228600" lvl="0" indent="-228600" algn="l" defTabSz="914400" eaLnBrk="0" fontAlgn="base" latinLnBrk="0" hangingPunct="0">
-              <a:lnSpc>
-                <a:spcPct val="90000"/>
-              </a:lnSpc>
-              <a:spcBef>
-                <a:spcPts val="1000"/>
-              </a:spcBef>
-              <a:spcAft>
-                <a:spcPct val="0"/>
-              </a:spcAft>
-              <a:buFont typeface="Arial" panose="020B0604020202020204" pitchFamily="34" charset="0"/>
-              <a:buChar char="•"/>
-              <a:defRPr sz="2800" u="none" kern="1200" baseline="0">
-                <a:solidFill>
-                  <a:schemeClr val="tx1"/>
-                </a:solidFill>
-                <a:latin typeface="Calibri" panose="020F0502020204030204" pitchFamily="2" charset="0"/>
-                <a:ea typeface="宋体" panose="02010600030101010101" pitchFamily="2" charset="-122"/>
-              </a:defRPr>
-            </a:lvl1pPr>
-            <a:lvl2pPr marL="685800" lvl="1" indent="-228600" algn="l" defTabSz="914400" eaLnBrk="0" fontAlgn="base" latinLnBrk="0" hangingPunct="0">
-              <a:lnSpc>
-                <a:spcPct val="90000"/>
-              </a:lnSpc>
-              <a:spcBef>
-                <a:spcPts val="500"/>
-              </a:spcBef>
-              <a:spcAft>
-                <a:spcPct val="0"/>
-              </a:spcAft>
-              <a:buFont typeface="Arial" panose="020B0604020202020204" pitchFamily="34" charset="0"/>
-              <a:buChar char="•"/>
-              <a:defRPr sz="2400" u="none" kern="1200" baseline="0">
-                <a:solidFill>
-                  <a:schemeClr val="tx1"/>
-                </a:solidFill>
-                <a:latin typeface="Calibri" panose="020F0502020204030204" pitchFamily="2" charset="0"/>
-                <a:ea typeface="宋体" panose="02010600030101010101" pitchFamily="2" charset="-122"/>
-              </a:defRPr>
-            </a:lvl2pPr>
-            <a:lvl3pPr marL="1143000" lvl="2" indent="-228600" algn="l" defTabSz="914400" eaLnBrk="0" fontAlgn="base" latinLnBrk="0" hangingPunct="0">
-              <a:lnSpc>
-                <a:spcPct val="90000"/>
-              </a:lnSpc>
-              <a:spcBef>
-                <a:spcPts val="500"/>
-              </a:spcBef>
-              <a:spcAft>
-                <a:spcPct val="0"/>
-              </a:spcAft>
-              <a:buFont typeface="Arial" panose="020B0604020202020204" pitchFamily="34" charset="0"/>
-              <a:buChar char="•"/>
-              <a:defRPr sz="2000" u="none" kern="1200" baseline="0">
-                <a:solidFill>
-                  <a:schemeClr val="tx1"/>
-                </a:solidFill>
-                <a:latin typeface="Calibri" panose="020F0502020204030204" pitchFamily="2" charset="0"/>
-                <a:ea typeface="宋体" panose="02010600030101010101" pitchFamily="2" charset="-122"/>
-              </a:defRPr>
-            </a:lvl3pPr>
-            <a:lvl4pPr marL="1600200" lvl="3" indent="-228600" algn="l" defTabSz="914400" eaLnBrk="0" fontAlgn="base" latinLnBrk="0" hangingPunct="0">
-              <a:lnSpc>
-                <a:spcPct val="90000"/>
-              </a:lnSpc>
-              <a:spcBef>
-                <a:spcPts val="500"/>
-              </a:spcBef>
-              <a:spcAft>
-                <a:spcPct val="0"/>
-              </a:spcAft>
-              <a:buFont typeface="Arial" panose="020B0604020202020204" pitchFamily="34" charset="0"/>
-              <a:buChar char="•"/>
-              <a:defRPr sz="1800" u="none" kern="1200" baseline="0">
-                <a:solidFill>
-                  <a:schemeClr val="tx1"/>
-                </a:solidFill>
-                <a:latin typeface="Calibri" panose="020F0502020204030204" pitchFamily="2" charset="0"/>
-                <a:ea typeface="宋体" panose="02010600030101010101" pitchFamily="2" charset="-122"/>
-              </a:defRPr>
-            </a:lvl4pPr>
-            <a:lvl5pPr marL="2057400" lvl="4" indent="-228600" algn="l" defTabSz="914400" eaLnBrk="0" fontAlgn="base" latinLnBrk="0" hangingPunct="0">
-              <a:lnSpc>
-                <a:spcPct val="90000"/>
-              </a:lnSpc>
-              <a:spcBef>
-                <a:spcPts val="500"/>
-              </a:spcBef>
-              <a:spcAft>
-                <a:spcPct val="0"/>
-              </a:spcAft>
-              <a:buFont typeface="Arial" panose="020B0604020202020204" pitchFamily="34" charset="0"/>
-              <a:buChar char="•"/>
-              <a:defRPr sz="1800" u="none" kern="1200" baseline="0">
-                <a:solidFill>
-                  <a:schemeClr val="tx1"/>
-                </a:solidFill>
-                <a:latin typeface="Calibri" panose="020F0502020204030204" pitchFamily="2" charset="0"/>
-                <a:ea typeface="宋体" panose="02010600030101010101" pitchFamily="2" charset="-122"/>
-              </a:defRPr>
-            </a:lvl5pPr>
-          </a:lstStyle>
-          <a:p>
-            <a:pPr marL="0" lvl="0" indent="0" algn="ctr" eaLnBrk="1" hangingPunct="1">
-              <a:lnSpc>
-                <a:spcPct val="100000"/>
-              </a:lnSpc>
-              <a:spcBef>
-                <a:spcPct val="0"/>
-              </a:spcBef>
-              <a:buNone/>
-            </a:pPr>
-            <a:r>
-              <a:rPr lang="zh-CN" sz="3600" dirty="0">
+          <a:lstStyle/>
+          <a:p>
+            <a:pPr algn="ctr"/>
+            <a:r>
+              <a:rPr lang="zh-CN" altLang="en-US" sz="3200" b="1">
                 <a:solidFill>
                   <a:schemeClr val="bg1"/>
                 </a:solidFill>
               </a:rPr>
-              <a:t>小组分工</a:t>
+              <a:t>精简表单内容</a:t>
             </a:r>
           </a:p>
         </p:txBody>
       </p:sp>
       <p:sp>
         <p:nvSpPr>
-          <p:cNvPr id="6" name="文本框 32"/>
+          <p:cNvPr id="8" name="文本框 7"/>
           <p:cNvSpPr txBox="1"/>
           <p:nvPr/>
         </p:nvSpPr>
         <p:spPr>
           <a:xfrm>
-            <a:off x="4226876" y="2686334"/>
-            <a:ext cx="4215787" cy="2554545"/>
+            <a:off x="637540" y="1399540"/>
+            <a:ext cx="10916285" cy="829945"/>
           </a:xfrm>
           <a:prstGeom prst="rect">
             <a:avLst/>
           </a:prstGeom>
           <a:noFill/>
-          <a:ln w="9525">
-            <a:noFill/>
-          </a:ln>
         </p:spPr>
         <p:txBody>
-          <a:bodyPr wrap="square">
+          <a:bodyPr wrap="square" rtlCol="0">
             <a:spAutoFit/>
           </a:bodyPr>
-          <a:lstStyle>
-            <a:lvl1pPr marL="228600" lvl="0" indent="-228600" algn="l" defTabSz="914400" eaLnBrk="0" fontAlgn="base" latinLnBrk="0" hangingPunct="0">
-              <a:lnSpc>
-                <a:spcPct val="90000"/>
-              </a:lnSpc>
-              <a:spcBef>
-                <a:spcPts val="1000"/>
-              </a:spcBef>
-              <a:spcAft>
-                <a:spcPct val="0"/>
-              </a:spcAft>
-              <a:buFont typeface="Arial" panose="020B0604020202020204" pitchFamily="34" charset="0"/>
-              <a:buChar char="•"/>
-              <a:defRPr sz="2800" u="none" kern="1200" baseline="0">
-                <a:solidFill>
-                  <a:schemeClr val="tx1"/>
-                </a:solidFill>
-                <a:latin typeface="Calibri" panose="020F0502020204030204" pitchFamily="2" charset="0"/>
-                <a:ea typeface="宋体" panose="02010600030101010101" pitchFamily="2" charset="-122"/>
-              </a:defRPr>
-            </a:lvl1pPr>
-            <a:lvl2pPr marL="685800" lvl="1" indent="-228600" algn="l" defTabSz="914400" eaLnBrk="0" fontAlgn="base" latinLnBrk="0" hangingPunct="0">
-              <a:lnSpc>
-                <a:spcPct val="90000"/>
-              </a:lnSpc>
-              <a:spcBef>
-                <a:spcPts val="500"/>
-              </a:spcBef>
-              <a:spcAft>
-                <a:spcPct val="0"/>
-              </a:spcAft>
-              <a:buFont typeface="Arial" panose="020B0604020202020204" pitchFamily="34" charset="0"/>
-              <a:buChar char="•"/>
-              <a:defRPr sz="2400" u="none" kern="1200" baseline="0">
-                <a:solidFill>
-                  <a:schemeClr val="tx1"/>
-                </a:solidFill>
-                <a:latin typeface="Calibri" panose="020F0502020204030204" pitchFamily="2" charset="0"/>
-                <a:ea typeface="宋体" panose="02010600030101010101" pitchFamily="2" charset="-122"/>
-              </a:defRPr>
-            </a:lvl2pPr>
-            <a:lvl3pPr marL="1143000" lvl="2" indent="-228600" algn="l" defTabSz="914400" eaLnBrk="0" fontAlgn="base" latinLnBrk="0" hangingPunct="0">
-              <a:lnSpc>
-                <a:spcPct val="90000"/>
-              </a:lnSpc>
-              <a:spcBef>
-                <a:spcPts val="500"/>
-              </a:spcBef>
-              <a:spcAft>
-                <a:spcPct val="0"/>
-              </a:spcAft>
-              <a:buFont typeface="Arial" panose="020B0604020202020204" pitchFamily="34" charset="0"/>
-              <a:buChar char="•"/>
-              <a:defRPr sz="2000" u="none" kern="1200" baseline="0">
-                <a:solidFill>
-                  <a:schemeClr val="tx1"/>
-                </a:solidFill>
-                <a:latin typeface="Calibri" panose="020F0502020204030204" pitchFamily="2" charset="0"/>
-                <a:ea typeface="宋体" panose="02010600030101010101" pitchFamily="2" charset="-122"/>
-              </a:defRPr>
-            </a:lvl3pPr>
-            <a:lvl4pPr marL="1600200" lvl="3" indent="-228600" algn="l" defTabSz="914400" eaLnBrk="0" fontAlgn="base" latinLnBrk="0" hangingPunct="0">
-              <a:lnSpc>
-                <a:spcPct val="90000"/>
-              </a:lnSpc>
-              <a:spcBef>
-                <a:spcPts val="500"/>
-              </a:spcBef>
-              <a:spcAft>
-                <a:spcPct val="0"/>
-              </a:spcAft>
-              <a:buFont typeface="Arial" panose="020B0604020202020204" pitchFamily="34" charset="0"/>
-              <a:buChar char="•"/>
-              <a:defRPr sz="1800" u="none" kern="1200" baseline="0">
-                <a:solidFill>
-                  <a:schemeClr val="tx1"/>
-                </a:solidFill>
-                <a:latin typeface="Calibri" panose="020F0502020204030204" pitchFamily="2" charset="0"/>
-                <a:ea typeface="宋体" panose="02010600030101010101" pitchFamily="2" charset="-122"/>
-              </a:defRPr>
-            </a:lvl4pPr>
-            <a:lvl5pPr marL="2057400" lvl="4" indent="-228600" algn="l" defTabSz="914400" eaLnBrk="0" fontAlgn="base" latinLnBrk="0" hangingPunct="0">
-              <a:lnSpc>
-                <a:spcPct val="90000"/>
-              </a:lnSpc>
-              <a:spcBef>
-                <a:spcPts val="500"/>
-              </a:spcBef>
-              <a:spcAft>
-                <a:spcPct val="0"/>
-              </a:spcAft>
-              <a:buFont typeface="Arial" panose="020B0604020202020204" pitchFamily="34" charset="0"/>
-              <a:buChar char="•"/>
-              <a:defRPr sz="1800" u="none" kern="1200" baseline="0">
-                <a:solidFill>
-                  <a:schemeClr val="tx1"/>
-                </a:solidFill>
-                <a:latin typeface="Calibri" panose="020F0502020204030204" pitchFamily="2" charset="0"/>
-                <a:ea typeface="宋体" panose="02010600030101010101" pitchFamily="2" charset="-122"/>
-              </a:defRPr>
-            </a:lvl5pPr>
-          </a:lstStyle>
-          <a:p>
-            <a:pPr marL="0" lvl="0" indent="0" eaLnBrk="1" hangingPunct="1">
-              <a:lnSpc>
-                <a:spcPct val="100000"/>
-              </a:lnSpc>
-              <a:spcBef>
-                <a:spcPct val="0"/>
-              </a:spcBef>
-              <a:buNone/>
-            </a:pPr>
-            <a:r>
-              <a:rPr lang="zh-CN" sz="3200" dirty="0" smtClean="0">
+          <a:lstStyle/>
+          <a:p>
+            <a:r>
+              <a:rPr lang="en-US" altLang="zh-CN" sz="2400">
                 <a:solidFill>
                   <a:schemeClr val="bg1"/>
                 </a:solidFill>
               </a:rPr>
-              <a:t>周雨璐</a:t>
-            </a:r>
-            <a:r>
-              <a:rPr lang="en-US" altLang="zh-CN" sz="3200" dirty="0" smtClean="0">
+              <a:t>	</a:t>
+            </a:r>
+            <a:r>
+              <a:rPr lang="zh-CN" altLang="en-US" sz="2400">
                 <a:solidFill>
                   <a:schemeClr val="bg1"/>
                 </a:solidFill>
               </a:rPr>
-              <a:t>93——</a:t>
-            </a:r>
-            <a:r>
-              <a:rPr lang="zh-CN" altLang="en-US" sz="3200" dirty="0">
-                <a:solidFill>
-                  <a:schemeClr val="bg1"/>
-                </a:solidFill>
-              </a:rPr>
-              <a:t>制作</a:t>
-            </a:r>
-            <a:r>
-              <a:rPr lang="en-US" altLang="zh-CN" sz="3200" dirty="0">
-                <a:solidFill>
-                  <a:schemeClr val="bg1"/>
-                </a:solidFill>
-              </a:rPr>
-              <a:t>PPT</a:t>
-            </a:r>
-          </a:p>
-          <a:p>
-            <a:pPr marL="0" lvl="0" indent="0" eaLnBrk="1" hangingPunct="1">
-              <a:lnSpc>
-                <a:spcPct val="100000"/>
-              </a:lnSpc>
-              <a:spcBef>
-                <a:spcPct val="0"/>
-              </a:spcBef>
-              <a:buNone/>
-            </a:pPr>
-            <a:r>
-              <a:rPr lang="zh-CN" altLang="en-US" sz="3200" dirty="0" smtClean="0">
-                <a:solidFill>
-                  <a:schemeClr val="bg1"/>
-                </a:solidFill>
-              </a:rPr>
-              <a:t>葛倍良</a:t>
-            </a:r>
-            <a:r>
-              <a:rPr lang="en-US" altLang="zh-CN" sz="3200" dirty="0" smtClean="0">
-                <a:solidFill>
-                  <a:schemeClr val="bg1"/>
-                </a:solidFill>
-              </a:rPr>
-              <a:t>90——</a:t>
-            </a:r>
-            <a:r>
-              <a:rPr lang="en-US" altLang="zh-CN" sz="3200" dirty="0" smtClean="0">
-                <a:solidFill>
-                  <a:schemeClr val="bg1"/>
-                </a:solidFill>
-              </a:rPr>
-              <a:t>PPT</a:t>
-            </a:r>
-            <a:r>
-              <a:rPr lang="zh-CN" altLang="en-US" sz="3200" dirty="0" smtClean="0">
-                <a:solidFill>
-                  <a:schemeClr val="bg1"/>
-                </a:solidFill>
-              </a:rPr>
-              <a:t>休整</a:t>
-            </a:r>
-            <a:endParaRPr lang="en-US" altLang="zh-CN" sz="3200" dirty="0" smtClean="0">
-              <a:solidFill>
-                <a:schemeClr val="bg1"/>
-              </a:solidFill>
-            </a:endParaRPr>
-          </a:p>
-          <a:p>
-            <a:pPr marL="0" lvl="0" indent="0" eaLnBrk="1" hangingPunct="1">
-              <a:lnSpc>
-                <a:spcPct val="100000"/>
-              </a:lnSpc>
-              <a:spcBef>
-                <a:spcPct val="0"/>
-              </a:spcBef>
-              <a:buNone/>
-            </a:pPr>
-            <a:r>
-              <a:rPr lang="zh-CN" altLang="en-US" sz="3200" dirty="0" smtClean="0">
-                <a:solidFill>
-                  <a:schemeClr val="bg1"/>
-                </a:solidFill>
-              </a:rPr>
-              <a:t>黄鹏羽</a:t>
-            </a:r>
-            <a:r>
-              <a:rPr lang="en-US" altLang="zh-CN" sz="3200" dirty="0" smtClean="0">
-                <a:solidFill>
-                  <a:schemeClr val="bg1"/>
-                </a:solidFill>
-              </a:rPr>
-              <a:t>89</a:t>
-            </a:r>
-            <a:r>
-              <a:rPr lang="en-US" altLang="zh-CN" sz="3200" dirty="0" smtClean="0">
-                <a:solidFill>
-                  <a:schemeClr val="bg1"/>
-                </a:solidFill>
-              </a:rPr>
-              <a:t>——</a:t>
-            </a:r>
-            <a:r>
-              <a:rPr lang="zh-CN" altLang="en-US" sz="3200" dirty="0" smtClean="0">
-                <a:solidFill>
-                  <a:schemeClr val="bg1"/>
-                </a:solidFill>
-              </a:rPr>
-              <a:t>资料搜查</a:t>
-            </a:r>
-            <a:endParaRPr lang="en-US" altLang="zh-CN" sz="3200" dirty="0" smtClean="0">
-              <a:solidFill>
-                <a:schemeClr val="bg1"/>
-              </a:solidFill>
-            </a:endParaRPr>
-          </a:p>
-          <a:p>
-            <a:pPr marL="0" lvl="0" indent="0" eaLnBrk="1" hangingPunct="1">
-              <a:lnSpc>
-                <a:spcPct val="100000"/>
-              </a:lnSpc>
-              <a:spcBef>
-                <a:spcPct val="0"/>
-              </a:spcBef>
-              <a:buNone/>
-            </a:pPr>
-            <a:r>
-              <a:rPr lang="zh-CN" altLang="en-US" sz="3200" dirty="0" smtClean="0">
-                <a:solidFill>
-                  <a:schemeClr val="bg1"/>
-                </a:solidFill>
-              </a:rPr>
-              <a:t>金浩楠</a:t>
-            </a:r>
-            <a:r>
-              <a:rPr lang="en-US" altLang="zh-CN" sz="3200" dirty="0" smtClean="0">
-                <a:solidFill>
-                  <a:schemeClr val="bg1"/>
-                </a:solidFill>
-              </a:rPr>
-              <a:t>86</a:t>
-            </a:r>
-            <a:r>
-              <a:rPr lang="en-US" altLang="zh-CN" sz="3200" dirty="0" smtClean="0">
-                <a:solidFill>
-                  <a:schemeClr val="bg1"/>
-                </a:solidFill>
-              </a:rPr>
-              <a:t>——</a:t>
-            </a:r>
-            <a:r>
-              <a:rPr lang="zh-CN" altLang="en-US" sz="3200" dirty="0" smtClean="0">
-                <a:solidFill>
-                  <a:schemeClr val="bg1"/>
-                </a:solidFill>
-              </a:rPr>
-              <a:t>最终审查</a:t>
-            </a:r>
-            <a:endParaRPr lang="en-US" altLang="zh-CN" sz="3200" dirty="0" smtClean="0">
-              <a:solidFill>
-                <a:schemeClr val="bg1"/>
-              </a:solidFill>
-            </a:endParaRPr>
-          </a:p>
-          <a:p>
-            <a:pPr marL="0" lvl="0" indent="0" eaLnBrk="1" hangingPunct="1">
-              <a:lnSpc>
-                <a:spcPct val="100000"/>
-              </a:lnSpc>
-              <a:spcBef>
-                <a:spcPct val="0"/>
-              </a:spcBef>
-              <a:buNone/>
-            </a:pPr>
-            <a:r>
-              <a:rPr lang="zh-CN" altLang="en-US" sz="3200" dirty="0" smtClean="0">
-                <a:solidFill>
-                  <a:schemeClr val="bg1"/>
-                </a:solidFill>
-              </a:rPr>
-              <a:t>余倩</a:t>
-            </a:r>
-            <a:r>
-              <a:rPr lang="en-US" altLang="zh-CN" sz="3200" dirty="0" smtClean="0">
-                <a:solidFill>
-                  <a:schemeClr val="bg1"/>
-                </a:solidFill>
-              </a:rPr>
-              <a:t>88</a:t>
-            </a:r>
-            <a:r>
-              <a:rPr lang="en-US" altLang="zh-CN" sz="3200" dirty="0" smtClean="0">
-                <a:solidFill>
-                  <a:schemeClr val="bg1"/>
-                </a:solidFill>
-              </a:rPr>
-              <a:t>——</a:t>
-            </a:r>
-            <a:r>
-              <a:rPr lang="zh-CN" altLang="en-US" sz="3200" dirty="0" smtClean="0">
-                <a:solidFill>
-                  <a:schemeClr val="bg1"/>
-                </a:solidFill>
-              </a:rPr>
-              <a:t>辅助制作</a:t>
-            </a:r>
-            <a:endParaRPr lang="zh-CN" altLang="en-US" sz="3200" dirty="0">
-              <a:solidFill>
-                <a:schemeClr val="bg1"/>
-              </a:solidFill>
-            </a:endParaRPr>
+              <a:t>没人愿意填写一大堆表单字段。问下自己表单中是不是每个字段都必需，然后尽量减少表单中的字段。</a:t>
+            </a:r>
           </a:p>
         </p:txBody>
       </p:sp>
+      <p:pic>
+        <p:nvPicPr>
+          <p:cNvPr id="2" name="图片 1"/>
+          <p:cNvPicPr>
+            <a:picLocks noChangeAspect="1"/>
+          </p:cNvPicPr>
+          <p:nvPr/>
+        </p:nvPicPr>
+        <p:blipFill>
+          <a:blip r:embed="rId3"/>
+          <a:stretch>
+            <a:fillRect/>
+          </a:stretch>
+        </p:blipFill>
+        <p:spPr>
+          <a:xfrm>
+            <a:off x="556895" y="2366645"/>
+            <a:ext cx="11078210" cy="4022090"/>
+          </a:xfrm>
+          <a:prstGeom prst="rect">
+            <a:avLst/>
+          </a:prstGeom>
+        </p:spPr>
+      </p:pic>
+    </p:spTree>
+  </p:cSld>
+  <p:clrMapOvr>
+    <a:masterClrMapping/>
+  </p:clrMapOvr>
+  <p:timing>
+    <p:tnLst>
+      <p:par>
+        <p:cTn id="1" dur="indefinite" restart="never" nodeType="tmRoot"/>
+      </p:par>
+    </p:tnLst>
+  </p:timing>
+</p:sld>
+</file>
+
+<file path=ppt/slides/slide17.xml><?xml version="1.0" encoding="utf-8"?>
+<p:sld xmlns:a="http://schemas.openxmlformats.org/drawingml/2006/main" xmlns:r="http://schemas.openxmlformats.org/officeDocument/2006/relationships" xmlns:p="http://schemas.openxmlformats.org/presentationml/2006/main">
+  <p:cSld>
+    <p:spTree>
+      <p:nvGrpSpPr>
+        <p:cNvPr id="1" name=""/>
+        <p:cNvGrpSpPr/>
+        <p:nvPr/>
+      </p:nvGrpSpPr>
+      <p:grpSpPr>
+        <a:xfrm>
+          <a:off x="0" y="0"/>
+          <a:ext cx="0" cy="0"/>
+          <a:chOff x="0" y="0"/>
+          <a:chExt cx="0" cy="0"/>
+        </a:xfrm>
+      </p:grpSpPr>
+      <p:sp>
+        <p:nvSpPr>
+          <p:cNvPr id="3" name="文本框 2"/>
+          <p:cNvSpPr txBox="1"/>
+          <p:nvPr/>
+        </p:nvSpPr>
+        <p:spPr>
+          <a:xfrm>
+            <a:off x="756285" y="692785"/>
+            <a:ext cx="1325880" cy="706755"/>
+          </a:xfrm>
+          <a:prstGeom prst="rect">
+            <a:avLst/>
+          </a:prstGeom>
+          <a:noFill/>
+        </p:spPr>
+        <p:txBody>
+          <a:bodyPr wrap="square" rtlCol="0">
+            <a:spAutoFit/>
+          </a:bodyPr>
+          <a:lstStyle/>
+          <a:p>
+            <a:pPr algn="ctr"/>
+            <a:r>
+              <a:rPr lang="zh-CN" altLang="en-US" sz="4000" b="1" u="sng">
+                <a:solidFill>
+                  <a:srgbClr val="FFC000"/>
+                </a:solidFill>
+              </a:rPr>
+              <a:t>分享</a:t>
+            </a:r>
+          </a:p>
+        </p:txBody>
+      </p:sp>
+      <p:sp>
+        <p:nvSpPr>
+          <p:cNvPr id="7" name="文本框 6"/>
+          <p:cNvSpPr txBox="1"/>
+          <p:nvPr/>
+        </p:nvSpPr>
+        <p:spPr>
+          <a:xfrm>
+            <a:off x="2148840" y="692785"/>
+            <a:ext cx="7894320" cy="583565"/>
+          </a:xfrm>
+          <a:prstGeom prst="rect">
+            <a:avLst/>
+          </a:prstGeom>
+          <a:noFill/>
+        </p:spPr>
+        <p:txBody>
+          <a:bodyPr wrap="square" rtlCol="0">
+            <a:spAutoFit/>
+          </a:bodyPr>
+          <a:lstStyle/>
+          <a:p>
+            <a:pPr algn="ctr"/>
+            <a:r>
+              <a:rPr lang="zh-CN" altLang="en-US" sz="3200" b="1">
+                <a:solidFill>
+                  <a:schemeClr val="bg1"/>
+                </a:solidFill>
+              </a:rPr>
+              <a:t>将操作的状态或者进度呈现出来</a:t>
+            </a:r>
+          </a:p>
+        </p:txBody>
+      </p:sp>
+      <p:sp>
+        <p:nvSpPr>
+          <p:cNvPr id="8" name="文本框 7"/>
+          <p:cNvSpPr txBox="1"/>
+          <p:nvPr/>
+        </p:nvSpPr>
+        <p:spPr>
+          <a:xfrm>
+            <a:off x="637540" y="1399540"/>
+            <a:ext cx="10916285" cy="829945"/>
+          </a:xfrm>
+          <a:prstGeom prst="rect">
+            <a:avLst/>
+          </a:prstGeom>
+          <a:noFill/>
+        </p:spPr>
+        <p:txBody>
+          <a:bodyPr wrap="square" rtlCol="0">
+            <a:spAutoFit/>
+          </a:bodyPr>
+          <a:lstStyle/>
+          <a:p>
+            <a:r>
+              <a:rPr lang="en-US" altLang="zh-CN" sz="2400">
+                <a:solidFill>
+                  <a:schemeClr val="bg1"/>
+                </a:solidFill>
+              </a:rPr>
+              <a:t>	</a:t>
+            </a:r>
+            <a:r>
+              <a:rPr lang="zh-CN" altLang="en-US" sz="2400">
+                <a:solidFill>
+                  <a:schemeClr val="bg1"/>
+                </a:solidFill>
+              </a:rPr>
+              <a:t>在界面上呈现这样的状态对于用户来说是很有必要的。这样用户就可以知道某些操作是否成功，接下来准备进行怎样的操作。</a:t>
+            </a:r>
+          </a:p>
+        </p:txBody>
+      </p:sp>
+      <p:pic>
+        <p:nvPicPr>
+          <p:cNvPr id="4" name="图片 3"/>
+          <p:cNvPicPr>
+            <a:picLocks noChangeAspect="1"/>
+          </p:cNvPicPr>
+          <p:nvPr/>
+        </p:nvPicPr>
+        <p:blipFill>
+          <a:blip r:embed="rId3"/>
+          <a:stretch>
+            <a:fillRect/>
+          </a:stretch>
+        </p:blipFill>
+        <p:spPr>
+          <a:xfrm>
+            <a:off x="485140" y="2351405"/>
+            <a:ext cx="11220450" cy="4022090"/>
+          </a:xfrm>
+          <a:prstGeom prst="rect">
+            <a:avLst/>
+          </a:prstGeom>
+        </p:spPr>
+      </p:pic>
+    </p:spTree>
+  </p:cSld>
+  <p:clrMapOvr>
+    <a:masterClrMapping/>
+  </p:clrMapOvr>
+  <p:timing>
+    <p:tnLst>
+      <p:par>
+        <p:cTn id="1" dur="indefinite" restart="never" nodeType="tmRoot"/>
+      </p:par>
+    </p:tnLst>
+  </p:timing>
+</p:sld>
+</file>
+
+<file path=ppt/slides/slide18.xml><?xml version="1.0" encoding="utf-8"?>
+<p:sld xmlns:a="http://schemas.openxmlformats.org/drawingml/2006/main" xmlns:r="http://schemas.openxmlformats.org/officeDocument/2006/relationships" xmlns:p="http://schemas.openxmlformats.org/presentationml/2006/main">
+  <p:cSld>
+    <p:spTree>
+      <p:nvGrpSpPr>
+        <p:cNvPr id="1" name=""/>
+        <p:cNvGrpSpPr/>
+        <p:nvPr/>
+      </p:nvGrpSpPr>
+      <p:grpSpPr>
+        <a:xfrm>
+          <a:off x="0" y="0"/>
+          <a:ext cx="0" cy="0"/>
+          <a:chOff x="0" y="0"/>
+          <a:chExt cx="0" cy="0"/>
+        </a:xfrm>
+      </p:grpSpPr>
+      <p:sp>
+        <p:nvSpPr>
+          <p:cNvPr id="3" name="文本框 2"/>
+          <p:cNvSpPr txBox="1"/>
+          <p:nvPr/>
+        </p:nvSpPr>
+        <p:spPr>
+          <a:xfrm>
+            <a:off x="756285" y="692785"/>
+            <a:ext cx="1325880" cy="706755"/>
+          </a:xfrm>
+          <a:prstGeom prst="rect">
+            <a:avLst/>
+          </a:prstGeom>
+          <a:noFill/>
+        </p:spPr>
+        <p:txBody>
+          <a:bodyPr wrap="square" rtlCol="0">
+            <a:spAutoFit/>
+          </a:bodyPr>
+          <a:lstStyle/>
+          <a:p>
+            <a:pPr algn="ctr"/>
+            <a:r>
+              <a:rPr lang="zh-CN" altLang="en-US" sz="4000" b="1" u="sng">
+                <a:solidFill>
+                  <a:srgbClr val="FFC000"/>
+                </a:solidFill>
+              </a:rPr>
+              <a:t>分享</a:t>
+            </a:r>
+          </a:p>
+        </p:txBody>
+      </p:sp>
+      <p:sp>
+        <p:nvSpPr>
+          <p:cNvPr id="7" name="文本框 6"/>
+          <p:cNvSpPr txBox="1"/>
+          <p:nvPr/>
+        </p:nvSpPr>
+        <p:spPr>
+          <a:xfrm>
+            <a:off x="2148840" y="692785"/>
+            <a:ext cx="7894320" cy="583565"/>
+          </a:xfrm>
+          <a:prstGeom prst="rect">
+            <a:avLst/>
+          </a:prstGeom>
+          <a:noFill/>
+        </p:spPr>
+        <p:txBody>
+          <a:bodyPr wrap="square" rtlCol="0">
+            <a:spAutoFit/>
+          </a:bodyPr>
+          <a:lstStyle/>
+          <a:p>
+            <a:pPr algn="ctr"/>
+            <a:r>
+              <a:rPr lang="zh-CN" altLang="en-US" sz="3200" b="1">
+                <a:solidFill>
+                  <a:schemeClr val="bg1"/>
+                </a:solidFill>
+              </a:rPr>
+              <a:t>让界面平滑显示而不要死板地呈现</a:t>
+            </a:r>
+          </a:p>
+        </p:txBody>
+      </p:sp>
+      <p:sp>
+        <p:nvSpPr>
+          <p:cNvPr id="8" name="文本框 7"/>
+          <p:cNvSpPr txBox="1"/>
+          <p:nvPr/>
+        </p:nvSpPr>
+        <p:spPr>
+          <a:xfrm>
+            <a:off x="637540" y="1399540"/>
+            <a:ext cx="10916285" cy="829945"/>
+          </a:xfrm>
+          <a:prstGeom prst="rect">
+            <a:avLst/>
+          </a:prstGeom>
+          <a:noFill/>
+        </p:spPr>
+        <p:txBody>
+          <a:bodyPr wrap="square" rtlCol="0">
+            <a:spAutoFit/>
+          </a:bodyPr>
+          <a:lstStyle/>
+          <a:p>
+            <a:r>
+              <a:rPr lang="en-US" altLang="zh-CN" sz="2400">
+                <a:solidFill>
+                  <a:schemeClr val="bg1"/>
+                </a:solidFill>
+              </a:rPr>
+              <a:t>	</a:t>
+            </a:r>
+            <a:r>
+              <a:rPr lang="zh-CN" altLang="en-US" sz="2400">
+                <a:solidFill>
+                  <a:schemeClr val="bg1"/>
+                </a:solidFill>
+              </a:rPr>
+              <a:t>给元素增加些自然的动画时，淡入淡出效果不但美观，也更符合实际。但要注意动画时间不要设置过长，那样会让想尽快完成操作的用户不耐烦。</a:t>
+            </a:r>
+          </a:p>
+        </p:txBody>
+      </p:sp>
+      <p:pic>
+        <p:nvPicPr>
+          <p:cNvPr id="4" name="图片 3"/>
+          <p:cNvPicPr>
+            <a:picLocks noChangeAspect="1"/>
+          </p:cNvPicPr>
+          <p:nvPr/>
+        </p:nvPicPr>
+        <p:blipFill>
+          <a:blip r:embed="rId3"/>
+          <a:stretch>
+            <a:fillRect/>
+          </a:stretch>
+        </p:blipFill>
+        <p:spPr>
+          <a:xfrm>
+            <a:off x="882015" y="2366645"/>
+            <a:ext cx="10426700" cy="4022090"/>
+          </a:xfrm>
+          <a:prstGeom prst="rect">
+            <a:avLst/>
+          </a:prstGeom>
+        </p:spPr>
+      </p:pic>
+    </p:spTree>
+  </p:cSld>
+  <p:clrMapOvr>
+    <a:masterClrMapping/>
+  </p:clrMapOvr>
+  <p:timing>
+    <p:tnLst>
+      <p:par>
+        <p:cTn id="1" dur="indefinite" restart="never" nodeType="tmRoot"/>
+      </p:par>
+    </p:tnLst>
+  </p:timing>
+</p:sld>
+</file>
+
+<file path=ppt/slides/slide19.xml><?xml version="1.0" encoding="utf-8"?>
+<p:sld xmlns:a="http://schemas.openxmlformats.org/drawingml/2006/main" xmlns:r="http://schemas.openxmlformats.org/officeDocument/2006/relationships" xmlns:p="http://schemas.openxmlformats.org/presentationml/2006/main">
+  <p:cSld>
+    <p:spTree>
+      <p:nvGrpSpPr>
+        <p:cNvPr id="1" name=""/>
+        <p:cNvGrpSpPr/>
+        <p:nvPr/>
+      </p:nvGrpSpPr>
+      <p:grpSpPr>
+        <a:xfrm>
+          <a:off x="0" y="0"/>
+          <a:ext cx="0" cy="0"/>
+          <a:chOff x="0" y="0"/>
+          <a:chExt cx="0" cy="0"/>
+        </a:xfrm>
+      </p:grpSpPr>
+      <p:sp>
+        <p:nvSpPr>
+          <p:cNvPr id="3" name="文本框 2"/>
+          <p:cNvSpPr txBox="1"/>
+          <p:nvPr/>
+        </p:nvSpPr>
+        <p:spPr>
+          <a:xfrm>
+            <a:off x="756285" y="692785"/>
+            <a:ext cx="1325880" cy="706755"/>
+          </a:xfrm>
+          <a:prstGeom prst="rect">
+            <a:avLst/>
+          </a:prstGeom>
+          <a:noFill/>
+        </p:spPr>
+        <p:txBody>
+          <a:bodyPr wrap="square" rtlCol="0">
+            <a:spAutoFit/>
+          </a:bodyPr>
+          <a:lstStyle/>
+          <a:p>
+            <a:pPr algn="ctr"/>
+            <a:r>
+              <a:rPr lang="zh-CN" altLang="en-US" sz="4000" b="1" u="sng">
+                <a:solidFill>
+                  <a:srgbClr val="FFC000"/>
+                </a:solidFill>
+              </a:rPr>
+              <a:t>分享</a:t>
+            </a:r>
+          </a:p>
+        </p:txBody>
+      </p:sp>
+      <p:sp>
+        <p:nvSpPr>
+          <p:cNvPr id="7" name="文本框 6"/>
+          <p:cNvSpPr txBox="1"/>
+          <p:nvPr/>
+        </p:nvSpPr>
+        <p:spPr>
+          <a:xfrm>
+            <a:off x="2148840" y="692785"/>
+            <a:ext cx="7894320" cy="583565"/>
+          </a:xfrm>
+          <a:prstGeom prst="rect">
+            <a:avLst/>
+          </a:prstGeom>
+          <a:noFill/>
+        </p:spPr>
+        <p:txBody>
+          <a:bodyPr wrap="square" rtlCol="0">
+            <a:spAutoFit/>
+          </a:bodyPr>
+          <a:lstStyle/>
+          <a:p>
+            <a:pPr algn="ctr"/>
+            <a:r>
+              <a:rPr lang="zh-CN" altLang="en-US" sz="3200" b="1">
+                <a:solidFill>
+                  <a:schemeClr val="bg1"/>
+                </a:solidFill>
+              </a:rPr>
+              <a:t>使用内联的验证消息而不是提交后再验证</a:t>
+            </a:r>
+          </a:p>
+        </p:txBody>
+      </p:sp>
+      <p:sp>
+        <p:nvSpPr>
+          <p:cNvPr id="8" name="文本框 7"/>
+          <p:cNvSpPr txBox="1"/>
+          <p:nvPr/>
+        </p:nvSpPr>
+        <p:spPr>
+          <a:xfrm>
+            <a:off x="637540" y="1399540"/>
+            <a:ext cx="10916285" cy="829945"/>
+          </a:xfrm>
+          <a:prstGeom prst="rect">
+            <a:avLst/>
+          </a:prstGeom>
+          <a:noFill/>
+        </p:spPr>
+        <p:txBody>
+          <a:bodyPr wrap="square" rtlCol="0">
+            <a:spAutoFit/>
+          </a:bodyPr>
+          <a:lstStyle/>
+          <a:p>
+            <a:r>
+              <a:rPr lang="en-US" altLang="zh-CN" sz="2400">
+                <a:solidFill>
+                  <a:schemeClr val="bg1"/>
+                </a:solidFill>
+              </a:rPr>
+              <a:t>	</a:t>
+            </a:r>
+            <a:r>
+              <a:rPr lang="zh-CN" altLang="en-US" sz="2400">
+                <a:solidFill>
+                  <a:schemeClr val="bg1"/>
+                </a:solidFill>
+              </a:rPr>
+              <a:t>在处理表单时，最好立即检测出用户所填写内容是否符合要求然后给出验证消息。这样错误一出现能就能得到改正。</a:t>
+            </a:r>
+          </a:p>
+        </p:txBody>
+      </p:sp>
+      <p:pic>
+        <p:nvPicPr>
+          <p:cNvPr id="4" name="图片 3"/>
+          <p:cNvPicPr>
+            <a:picLocks noChangeAspect="1"/>
+          </p:cNvPicPr>
+          <p:nvPr/>
+        </p:nvPicPr>
+        <p:blipFill>
+          <a:blip r:embed="rId3"/>
+          <a:stretch>
+            <a:fillRect/>
+          </a:stretch>
+        </p:blipFill>
+        <p:spPr>
+          <a:xfrm>
+            <a:off x="513715" y="2366645"/>
+            <a:ext cx="11165205" cy="4022090"/>
+          </a:xfrm>
+          <a:prstGeom prst="rect">
+            <a:avLst/>
+          </a:prstGeom>
+        </p:spPr>
+      </p:pic>
     </p:spTree>
   </p:cSld>
   <p:clrMapOvr>
@@ -14797,6 +14321,2914 @@
   <p:clrMapOvr>
     <a:masterClrMapping/>
   </p:clrMapOvr>
+</p:sld>
+</file>
+
+<file path=ppt/slides/slide20.xml><?xml version="1.0" encoding="utf-8"?>
+<p:sld xmlns:a="http://schemas.openxmlformats.org/drawingml/2006/main" xmlns:r="http://schemas.openxmlformats.org/officeDocument/2006/relationships" xmlns:p="http://schemas.openxmlformats.org/presentationml/2006/main">
+  <p:cSld>
+    <p:spTree>
+      <p:nvGrpSpPr>
+        <p:cNvPr id="1" name=""/>
+        <p:cNvGrpSpPr/>
+        <p:nvPr/>
+      </p:nvGrpSpPr>
+      <p:grpSpPr>
+        <a:xfrm>
+          <a:off x="0" y="0"/>
+          <a:ext cx="0" cy="0"/>
+          <a:chOff x="0" y="0"/>
+          <a:chExt cx="0" cy="0"/>
+        </a:xfrm>
+      </p:grpSpPr>
+      <p:sp>
+        <p:nvSpPr>
+          <p:cNvPr id="3" name="文本框 2"/>
+          <p:cNvSpPr txBox="1"/>
+          <p:nvPr/>
+        </p:nvSpPr>
+        <p:spPr>
+          <a:xfrm>
+            <a:off x="756285" y="692785"/>
+            <a:ext cx="1325880" cy="706755"/>
+          </a:xfrm>
+          <a:prstGeom prst="rect">
+            <a:avLst/>
+          </a:prstGeom>
+          <a:noFill/>
+        </p:spPr>
+        <p:txBody>
+          <a:bodyPr wrap="square" rtlCol="0">
+            <a:spAutoFit/>
+          </a:bodyPr>
+          <a:lstStyle/>
+          <a:p>
+            <a:pPr algn="ctr"/>
+            <a:r>
+              <a:rPr lang="zh-CN" altLang="en-US" sz="4000" b="1" u="sng">
+                <a:solidFill>
+                  <a:srgbClr val="FFC000"/>
+                </a:solidFill>
+              </a:rPr>
+              <a:t>分享</a:t>
+            </a:r>
+          </a:p>
+        </p:txBody>
+      </p:sp>
+      <p:sp>
+        <p:nvSpPr>
+          <p:cNvPr id="7" name="文本框 6"/>
+          <p:cNvSpPr txBox="1"/>
+          <p:nvPr/>
+        </p:nvSpPr>
+        <p:spPr>
+          <a:xfrm>
+            <a:off x="2148840" y="692785"/>
+            <a:ext cx="7894320" cy="583565"/>
+          </a:xfrm>
+          <a:prstGeom prst="rect">
+            <a:avLst/>
+          </a:prstGeom>
+          <a:noFill/>
+        </p:spPr>
+        <p:txBody>
+          <a:bodyPr wrap="square" rtlCol="0">
+            <a:spAutoFit/>
+          </a:bodyPr>
+          <a:lstStyle/>
+          <a:p>
+            <a:pPr algn="ctr"/>
+            <a:r>
+              <a:rPr lang="zh-CN" altLang="en-US" sz="3200" b="1">
+                <a:solidFill>
+                  <a:schemeClr val="bg1"/>
+                </a:solidFill>
+              </a:rPr>
+              <a:t>让用户选择而不是重新填写</a:t>
+            </a:r>
+          </a:p>
+        </p:txBody>
+      </p:sp>
+      <p:sp>
+        <p:nvSpPr>
+          <p:cNvPr id="8" name="文本框 7"/>
+          <p:cNvSpPr txBox="1"/>
+          <p:nvPr/>
+        </p:nvSpPr>
+        <p:spPr>
+          <a:xfrm>
+            <a:off x="637540" y="1399540"/>
+            <a:ext cx="10916285" cy="829945"/>
+          </a:xfrm>
+          <a:prstGeom prst="rect">
+            <a:avLst/>
+          </a:prstGeom>
+          <a:noFill/>
+        </p:spPr>
+        <p:txBody>
+          <a:bodyPr wrap="square" rtlCol="0">
+            <a:spAutoFit/>
+          </a:bodyPr>
+          <a:lstStyle/>
+          <a:p>
+            <a:r>
+              <a:rPr lang="en-US" altLang="zh-CN" sz="2400">
+                <a:solidFill>
+                  <a:schemeClr val="bg1"/>
+                </a:solidFill>
+              </a:rPr>
+              <a:t>	</a:t>
+            </a:r>
+            <a:r>
+              <a:rPr lang="zh-CN" altLang="en-US" sz="2400">
+                <a:solidFill>
+                  <a:schemeClr val="bg1"/>
+                </a:solidFill>
+              </a:rPr>
+              <a:t>在界面上展示一些用户之前涉及到的信息让他们进行选择，而不是让他们想半天然后自己填写。</a:t>
+            </a:r>
+          </a:p>
+        </p:txBody>
+      </p:sp>
+      <p:pic>
+        <p:nvPicPr>
+          <p:cNvPr id="4" name="图片 3"/>
+          <p:cNvPicPr>
+            <a:picLocks noChangeAspect="1"/>
+          </p:cNvPicPr>
+          <p:nvPr/>
+        </p:nvPicPr>
+        <p:blipFill>
+          <a:blip r:embed="rId3"/>
+          <a:stretch>
+            <a:fillRect/>
+          </a:stretch>
+        </p:blipFill>
+        <p:spPr>
+          <a:xfrm>
+            <a:off x="499745" y="2351405"/>
+            <a:ext cx="11191875" cy="4022725"/>
+          </a:xfrm>
+          <a:prstGeom prst="rect">
+            <a:avLst/>
+          </a:prstGeom>
+        </p:spPr>
+      </p:pic>
+    </p:spTree>
+  </p:cSld>
+  <p:clrMapOvr>
+    <a:masterClrMapping/>
+  </p:clrMapOvr>
+  <p:timing>
+    <p:tnLst>
+      <p:par>
+        <p:cTn id="1" dur="indefinite" restart="never" nodeType="tmRoot"/>
+      </p:par>
+    </p:tnLst>
+  </p:timing>
+</p:sld>
+</file>
+
+<file path=ppt/slides/slide21.xml><?xml version="1.0" encoding="utf-8"?>
+<p:sld xmlns:a="http://schemas.openxmlformats.org/drawingml/2006/main" xmlns:r="http://schemas.openxmlformats.org/officeDocument/2006/relationships" xmlns:p="http://schemas.openxmlformats.org/presentationml/2006/main">
+  <p:cSld>
+    <p:spTree>
+      <p:nvGrpSpPr>
+        <p:cNvPr id="1" name=""/>
+        <p:cNvGrpSpPr/>
+        <p:nvPr/>
+      </p:nvGrpSpPr>
+      <p:grpSpPr>
+        <a:xfrm>
+          <a:off x="0" y="0"/>
+          <a:ext cx="0" cy="0"/>
+          <a:chOff x="0" y="0"/>
+          <a:chExt cx="0" cy="0"/>
+        </a:xfrm>
+      </p:grpSpPr>
+      <p:sp>
+        <p:nvSpPr>
+          <p:cNvPr id="3" name="文本框 2"/>
+          <p:cNvSpPr txBox="1"/>
+          <p:nvPr/>
+        </p:nvSpPr>
+        <p:spPr>
+          <a:xfrm>
+            <a:off x="756285" y="692785"/>
+            <a:ext cx="1325880" cy="706755"/>
+          </a:xfrm>
+          <a:prstGeom prst="rect">
+            <a:avLst/>
+          </a:prstGeom>
+          <a:noFill/>
+        </p:spPr>
+        <p:txBody>
+          <a:bodyPr wrap="square" rtlCol="0">
+            <a:spAutoFit/>
+          </a:bodyPr>
+          <a:lstStyle/>
+          <a:p>
+            <a:pPr algn="ctr"/>
+            <a:r>
+              <a:rPr lang="zh-CN" altLang="en-US" sz="4000" b="1" u="sng">
+                <a:solidFill>
+                  <a:srgbClr val="FFC000"/>
+                </a:solidFill>
+              </a:rPr>
+              <a:t>分享</a:t>
+            </a:r>
+          </a:p>
+        </p:txBody>
+      </p:sp>
+      <p:sp>
+        <p:nvSpPr>
+          <p:cNvPr id="7" name="文本框 6"/>
+          <p:cNvSpPr txBox="1"/>
+          <p:nvPr/>
+        </p:nvSpPr>
+        <p:spPr>
+          <a:xfrm>
+            <a:off x="2148840" y="692785"/>
+            <a:ext cx="7894320" cy="583565"/>
+          </a:xfrm>
+          <a:prstGeom prst="rect">
+            <a:avLst/>
+          </a:prstGeom>
+          <a:noFill/>
+        </p:spPr>
+        <p:txBody>
+          <a:bodyPr wrap="square" rtlCol="0">
+            <a:spAutoFit/>
+          </a:bodyPr>
+          <a:lstStyle/>
+          <a:p>
+            <a:pPr algn="ctr"/>
+            <a:r>
+              <a:rPr lang="zh-CN" altLang="en-US" sz="3200" b="1">
+                <a:solidFill>
+                  <a:schemeClr val="bg1"/>
+                </a:solidFill>
+              </a:rPr>
+              <a:t>让点击更轻松</a:t>
+            </a:r>
+          </a:p>
+        </p:txBody>
+      </p:sp>
+      <p:sp>
+        <p:nvSpPr>
+          <p:cNvPr id="8" name="文本框 7"/>
+          <p:cNvSpPr txBox="1"/>
+          <p:nvPr/>
+        </p:nvSpPr>
+        <p:spPr>
+          <a:xfrm>
+            <a:off x="637540" y="1399540"/>
+            <a:ext cx="10916285" cy="829945"/>
+          </a:xfrm>
+          <a:prstGeom prst="rect">
+            <a:avLst/>
+          </a:prstGeom>
+          <a:noFill/>
+        </p:spPr>
+        <p:txBody>
+          <a:bodyPr wrap="square" rtlCol="0">
+            <a:spAutoFit/>
+          </a:bodyPr>
+          <a:lstStyle/>
+          <a:p>
+            <a:r>
+              <a:rPr lang="en-US" altLang="zh-CN" sz="2400">
+                <a:solidFill>
+                  <a:schemeClr val="bg1"/>
+                </a:solidFill>
+              </a:rPr>
+              <a:t>	</a:t>
+            </a:r>
+            <a:r>
+              <a:rPr lang="zh-CN" altLang="en-US" sz="2400">
+                <a:solidFill>
+                  <a:schemeClr val="bg1"/>
+                </a:solidFill>
+              </a:rPr>
+              <a:t>像链接，表单的输入框还有按钮等，如果尺寸做得大一点则点击起来更方便容易些，或者也可以把元素的点击区域（也就是热区）增大。</a:t>
+            </a:r>
+          </a:p>
+        </p:txBody>
+      </p:sp>
+      <p:pic>
+        <p:nvPicPr>
+          <p:cNvPr id="4" name="图片 3"/>
+          <p:cNvPicPr>
+            <a:picLocks noChangeAspect="1"/>
+          </p:cNvPicPr>
+          <p:nvPr/>
+        </p:nvPicPr>
+        <p:blipFill>
+          <a:blip r:embed="rId3"/>
+          <a:stretch>
+            <a:fillRect/>
+          </a:stretch>
+        </p:blipFill>
+        <p:spPr>
+          <a:xfrm>
+            <a:off x="560070" y="2366645"/>
+            <a:ext cx="11071225" cy="3924300"/>
+          </a:xfrm>
+          <a:prstGeom prst="rect">
+            <a:avLst/>
+          </a:prstGeom>
+        </p:spPr>
+      </p:pic>
+    </p:spTree>
+  </p:cSld>
+  <p:clrMapOvr>
+    <a:masterClrMapping/>
+  </p:clrMapOvr>
+  <p:timing>
+    <p:tnLst>
+      <p:par>
+        <p:cTn id="1" dur="indefinite" restart="never" nodeType="tmRoot"/>
+      </p:par>
+    </p:tnLst>
+  </p:timing>
+</p:sld>
+</file>
+
+<file path=ppt/slides/slide22.xml><?xml version="1.0" encoding="utf-8"?>
+<p:sld xmlns:a="http://schemas.openxmlformats.org/drawingml/2006/main" xmlns:r="http://schemas.openxmlformats.org/officeDocument/2006/relationships" xmlns:p="http://schemas.openxmlformats.org/presentationml/2006/main">
+  <p:cSld>
+    <p:spTree>
+      <p:nvGrpSpPr>
+        <p:cNvPr id="1" name=""/>
+        <p:cNvGrpSpPr/>
+        <p:nvPr/>
+      </p:nvGrpSpPr>
+      <p:grpSpPr>
+        <a:xfrm>
+          <a:off x="0" y="0"/>
+          <a:ext cx="0" cy="0"/>
+          <a:chOff x="0" y="0"/>
+          <a:chExt cx="0" cy="0"/>
+        </a:xfrm>
+      </p:grpSpPr>
+      <p:sp>
+        <p:nvSpPr>
+          <p:cNvPr id="3" name="文本框 2"/>
+          <p:cNvSpPr txBox="1"/>
+          <p:nvPr/>
+        </p:nvSpPr>
+        <p:spPr>
+          <a:xfrm>
+            <a:off x="756285" y="692785"/>
+            <a:ext cx="1325880" cy="706755"/>
+          </a:xfrm>
+          <a:prstGeom prst="rect">
+            <a:avLst/>
+          </a:prstGeom>
+          <a:noFill/>
+        </p:spPr>
+        <p:txBody>
+          <a:bodyPr wrap="square" rtlCol="0">
+            <a:spAutoFit/>
+          </a:bodyPr>
+          <a:lstStyle/>
+          <a:p>
+            <a:pPr algn="ctr"/>
+            <a:r>
+              <a:rPr lang="zh-CN" altLang="en-US" sz="4000" b="1" u="sng">
+                <a:solidFill>
+                  <a:srgbClr val="FFC000"/>
+                </a:solidFill>
+              </a:rPr>
+              <a:t>分享</a:t>
+            </a:r>
+          </a:p>
+        </p:txBody>
+      </p:sp>
+      <p:sp>
+        <p:nvSpPr>
+          <p:cNvPr id="7" name="文本框 6"/>
+          <p:cNvSpPr txBox="1"/>
+          <p:nvPr/>
+        </p:nvSpPr>
+        <p:spPr>
+          <a:xfrm>
+            <a:off x="2148840" y="692785"/>
+            <a:ext cx="7894320" cy="583565"/>
+          </a:xfrm>
+          <a:prstGeom prst="rect">
+            <a:avLst/>
+          </a:prstGeom>
+          <a:noFill/>
+        </p:spPr>
+        <p:txBody>
+          <a:bodyPr wrap="square" rtlCol="0">
+            <a:spAutoFit/>
+          </a:bodyPr>
+          <a:lstStyle/>
+          <a:p>
+            <a:pPr algn="ctr"/>
+            <a:r>
+              <a:rPr lang="zh-CN" altLang="en-US" sz="3200" b="1">
+                <a:solidFill>
+                  <a:schemeClr val="bg1"/>
+                </a:solidFill>
+              </a:rPr>
+              <a:t>优化页面加载速度，不要让用户等太久</a:t>
+            </a:r>
+          </a:p>
+        </p:txBody>
+      </p:sp>
+      <p:sp>
+        <p:nvSpPr>
+          <p:cNvPr id="8" name="文本框 7"/>
+          <p:cNvSpPr txBox="1"/>
+          <p:nvPr/>
+        </p:nvSpPr>
+        <p:spPr>
+          <a:xfrm>
+            <a:off x="637540" y="1399540"/>
+            <a:ext cx="10916285" cy="829945"/>
+          </a:xfrm>
+          <a:prstGeom prst="rect">
+            <a:avLst/>
+          </a:prstGeom>
+          <a:noFill/>
+        </p:spPr>
+        <p:txBody>
+          <a:bodyPr wrap="square" rtlCol="0">
+            <a:spAutoFit/>
+          </a:bodyPr>
+          <a:lstStyle/>
+          <a:p>
+            <a:r>
+              <a:rPr lang="en-US" altLang="zh-CN" sz="2400">
+                <a:solidFill>
+                  <a:schemeClr val="bg1"/>
+                </a:solidFill>
+              </a:rPr>
+              <a:t>	</a:t>
+            </a:r>
+            <a:r>
+              <a:rPr lang="zh-CN" altLang="en-US" sz="2400">
+                <a:solidFill>
+                  <a:schemeClr val="bg1"/>
+                </a:solidFill>
+              </a:rPr>
+              <a:t>一个好的解决之道当然就是优化你的页面和图片，除此之外还可以有两种技巧：</a:t>
+            </a:r>
+            <a:r>
+              <a:rPr lang="en-US" altLang="zh-CN" sz="2400">
+                <a:solidFill>
+                  <a:schemeClr val="bg1"/>
+                </a:solidFill>
+              </a:rPr>
+              <a:t>1</a:t>
+            </a:r>
+            <a:r>
+              <a:rPr lang="zh-CN" altLang="en-US" sz="2400">
+                <a:solidFill>
+                  <a:schemeClr val="bg1"/>
+                </a:solidFill>
+              </a:rPr>
+              <a:t>、显示进度条；</a:t>
+            </a:r>
+            <a:r>
+              <a:rPr lang="en-US" altLang="zh-CN" sz="2400">
+                <a:solidFill>
+                  <a:schemeClr val="bg1"/>
+                </a:solidFill>
+              </a:rPr>
+              <a:t>2</a:t>
+            </a:r>
+            <a:r>
+              <a:rPr lang="zh-CN" altLang="en-US" sz="2400">
+                <a:solidFill>
+                  <a:schemeClr val="bg1"/>
+                </a:solidFill>
+              </a:rPr>
+              <a:t>、展示其他相关或有趣的东西来吸引用户的注意力。</a:t>
+            </a:r>
+          </a:p>
+        </p:txBody>
+      </p:sp>
+      <p:pic>
+        <p:nvPicPr>
+          <p:cNvPr id="4" name="图片 3"/>
+          <p:cNvPicPr>
+            <a:picLocks noChangeAspect="1"/>
+          </p:cNvPicPr>
+          <p:nvPr/>
+        </p:nvPicPr>
+        <p:blipFill>
+          <a:blip r:embed="rId3"/>
+          <a:stretch>
+            <a:fillRect/>
+          </a:stretch>
+        </p:blipFill>
+        <p:spPr>
+          <a:xfrm>
+            <a:off x="513080" y="2366645"/>
+            <a:ext cx="11165205" cy="4022090"/>
+          </a:xfrm>
+          <a:prstGeom prst="rect">
+            <a:avLst/>
+          </a:prstGeom>
+        </p:spPr>
+      </p:pic>
+    </p:spTree>
+  </p:cSld>
+  <p:clrMapOvr>
+    <a:masterClrMapping/>
+  </p:clrMapOvr>
+  <p:timing>
+    <p:tnLst>
+      <p:par>
+        <p:cTn id="1" dur="indefinite" restart="never" nodeType="tmRoot"/>
+      </p:par>
+    </p:tnLst>
+  </p:timing>
+</p:sld>
+</file>
+
+<file path=ppt/slides/slide23.xml><?xml version="1.0" encoding="utf-8"?>
+<p:sld xmlns:a="http://schemas.openxmlformats.org/drawingml/2006/main" xmlns:r="http://schemas.openxmlformats.org/officeDocument/2006/relationships" xmlns:p="http://schemas.openxmlformats.org/presentationml/2006/main">
+  <p:cSld>
+    <p:spTree>
+      <p:nvGrpSpPr>
+        <p:cNvPr id="1" name=""/>
+        <p:cNvGrpSpPr/>
+        <p:nvPr/>
+      </p:nvGrpSpPr>
+      <p:grpSpPr>
+        <a:xfrm>
+          <a:off x="0" y="0"/>
+          <a:ext cx="0" cy="0"/>
+          <a:chOff x="0" y="0"/>
+          <a:chExt cx="0" cy="0"/>
+        </a:xfrm>
+      </p:grpSpPr>
+      <p:sp>
+        <p:nvSpPr>
+          <p:cNvPr id="3" name="文本框 2"/>
+          <p:cNvSpPr txBox="1"/>
+          <p:nvPr/>
+        </p:nvSpPr>
+        <p:spPr>
+          <a:xfrm>
+            <a:off x="756285" y="692785"/>
+            <a:ext cx="1325880" cy="706755"/>
+          </a:xfrm>
+          <a:prstGeom prst="rect">
+            <a:avLst/>
+          </a:prstGeom>
+          <a:noFill/>
+        </p:spPr>
+        <p:txBody>
+          <a:bodyPr wrap="square" rtlCol="0">
+            <a:spAutoFit/>
+          </a:bodyPr>
+          <a:lstStyle/>
+          <a:p>
+            <a:pPr algn="ctr"/>
+            <a:r>
+              <a:rPr lang="zh-CN" altLang="en-US" sz="4000" b="1" u="sng">
+                <a:solidFill>
+                  <a:srgbClr val="FFC000"/>
+                </a:solidFill>
+              </a:rPr>
+              <a:t>分享</a:t>
+            </a:r>
+          </a:p>
+        </p:txBody>
+      </p:sp>
+      <p:sp>
+        <p:nvSpPr>
+          <p:cNvPr id="7" name="文本框 6"/>
+          <p:cNvSpPr txBox="1"/>
+          <p:nvPr/>
+        </p:nvSpPr>
+        <p:spPr>
+          <a:xfrm>
+            <a:off x="2148840" y="692785"/>
+            <a:ext cx="7894320" cy="583565"/>
+          </a:xfrm>
+          <a:prstGeom prst="rect">
+            <a:avLst/>
+          </a:prstGeom>
+          <a:noFill/>
+        </p:spPr>
+        <p:txBody>
+          <a:bodyPr wrap="square" rtlCol="0">
+            <a:spAutoFit/>
+          </a:bodyPr>
+          <a:lstStyle/>
+          <a:p>
+            <a:pPr algn="ctr"/>
+            <a:r>
+              <a:rPr lang="zh-CN" altLang="en-US" sz="3200" b="1">
+                <a:solidFill>
+                  <a:schemeClr val="bg1"/>
+                </a:solidFill>
+              </a:rPr>
+              <a:t>遵从一些约定而不要去重新设计</a:t>
+            </a:r>
+          </a:p>
+        </p:txBody>
+      </p:sp>
+      <p:sp>
+        <p:nvSpPr>
+          <p:cNvPr id="8" name="文本框 7"/>
+          <p:cNvSpPr txBox="1"/>
+          <p:nvPr/>
+        </p:nvSpPr>
+        <p:spPr>
+          <a:xfrm>
+            <a:off x="637540" y="1399540"/>
+            <a:ext cx="10916285" cy="829945"/>
+          </a:xfrm>
+          <a:prstGeom prst="rect">
+            <a:avLst/>
+          </a:prstGeom>
+          <a:noFill/>
+        </p:spPr>
+        <p:txBody>
+          <a:bodyPr wrap="square" rtlCol="0">
+            <a:spAutoFit/>
+          </a:bodyPr>
+          <a:lstStyle/>
+          <a:p>
+            <a:r>
+              <a:rPr lang="en-US" altLang="zh-CN" sz="2400">
+                <a:solidFill>
+                  <a:schemeClr val="bg1"/>
+                </a:solidFill>
+              </a:rPr>
+              <a:t>	</a:t>
+            </a:r>
+            <a:r>
+              <a:rPr lang="zh-CN" altLang="en-US" sz="2400">
+                <a:solidFill>
+                  <a:schemeClr val="bg1"/>
+                </a:solidFill>
+              </a:rPr>
+              <a:t>用户用起来会很方便。比如，我们知道界面右上角（大多数情况下）的叉叉是关闭程序用的，或者点击一个按钮后我们能预测到将会发生什么。</a:t>
+            </a:r>
+          </a:p>
+        </p:txBody>
+      </p:sp>
+      <p:pic>
+        <p:nvPicPr>
+          <p:cNvPr id="4" name="图片 3"/>
+          <p:cNvPicPr>
+            <a:picLocks noChangeAspect="1"/>
+          </p:cNvPicPr>
+          <p:nvPr/>
+        </p:nvPicPr>
+        <p:blipFill>
+          <a:blip r:embed="rId3"/>
+          <a:stretch>
+            <a:fillRect/>
+          </a:stretch>
+        </p:blipFill>
+        <p:spPr>
+          <a:xfrm>
+            <a:off x="603885" y="2366645"/>
+            <a:ext cx="10984865" cy="3912235"/>
+          </a:xfrm>
+          <a:prstGeom prst="rect">
+            <a:avLst/>
+          </a:prstGeom>
+        </p:spPr>
+      </p:pic>
+    </p:spTree>
+  </p:cSld>
+  <p:clrMapOvr>
+    <a:masterClrMapping/>
+  </p:clrMapOvr>
+  <p:timing>
+    <p:tnLst>
+      <p:par>
+        <p:cTn id="1" dur="indefinite" restart="never" nodeType="tmRoot"/>
+      </p:par>
+    </p:tnLst>
+  </p:timing>
+</p:sld>
+</file>
+
+<file path=ppt/slides/slide24.xml><?xml version="1.0" encoding="utf-8"?>
+<p:sld xmlns:a="http://schemas.openxmlformats.org/drawingml/2006/main" xmlns:r="http://schemas.openxmlformats.org/officeDocument/2006/relationships" xmlns:p="http://schemas.openxmlformats.org/presentationml/2006/main">
+  <p:cSld>
+    <p:spTree>
+      <p:nvGrpSpPr>
+        <p:cNvPr id="1" name=""/>
+        <p:cNvGrpSpPr/>
+        <p:nvPr/>
+      </p:nvGrpSpPr>
+      <p:grpSpPr>
+        <a:xfrm>
+          <a:off x="0" y="0"/>
+          <a:ext cx="0" cy="0"/>
+          <a:chOff x="0" y="0"/>
+          <a:chExt cx="0" cy="0"/>
+        </a:xfrm>
+      </p:grpSpPr>
+      <p:sp>
+        <p:nvSpPr>
+          <p:cNvPr id="10" name="文本框 9"/>
+          <p:cNvSpPr txBox="1"/>
+          <p:nvPr/>
+        </p:nvSpPr>
+        <p:spPr>
+          <a:xfrm>
+            <a:off x="1107440" y="1057910"/>
+            <a:ext cx="9976485" cy="4742815"/>
+          </a:xfrm>
+          <a:prstGeom prst="rect">
+            <a:avLst/>
+          </a:prstGeom>
+          <a:noFill/>
+          <a:ln w="25400">
+            <a:solidFill>
+              <a:srgbClr val="FFC000"/>
+            </a:solidFill>
+          </a:ln>
+        </p:spPr>
+        <p:txBody>
+          <a:bodyPr wrap="square" rtlCol="0">
+            <a:spAutoFit/>
+          </a:bodyPr>
+          <a:lstStyle/>
+          <a:p>
+            <a:pPr algn="ctr">
+              <a:lnSpc>
+                <a:spcPct val="120000"/>
+              </a:lnSpc>
+            </a:pPr>
+            <a:endParaRPr lang="zh-CN" altLang="en-US" sz="2800" b="1" dirty="0">
+              <a:solidFill>
+                <a:schemeClr val="bg1"/>
+              </a:solidFill>
+            </a:endParaRPr>
+          </a:p>
+          <a:p>
+            <a:pPr algn="ctr">
+              <a:lnSpc>
+                <a:spcPct val="120000"/>
+              </a:lnSpc>
+            </a:pPr>
+            <a:endParaRPr lang="zh-CN" altLang="en-US" sz="2800" b="1" dirty="0">
+              <a:solidFill>
+                <a:schemeClr val="bg1"/>
+              </a:solidFill>
+            </a:endParaRPr>
+          </a:p>
+          <a:p>
+            <a:pPr algn="ctr">
+              <a:lnSpc>
+                <a:spcPct val="120000"/>
+              </a:lnSpc>
+            </a:pPr>
+            <a:endParaRPr lang="zh-CN" altLang="en-US" sz="2800" b="1" dirty="0">
+              <a:solidFill>
+                <a:schemeClr val="bg1"/>
+              </a:solidFill>
+            </a:endParaRPr>
+          </a:p>
+          <a:p>
+            <a:pPr algn="ctr">
+              <a:lnSpc>
+                <a:spcPct val="120000"/>
+              </a:lnSpc>
+            </a:pPr>
+            <a:endParaRPr lang="zh-CN" altLang="en-US" sz="2800" b="1" dirty="0">
+              <a:solidFill>
+                <a:srgbClr val="FFC000"/>
+              </a:solidFill>
+            </a:endParaRPr>
+          </a:p>
+          <a:p>
+            <a:pPr algn="ctr">
+              <a:lnSpc>
+                <a:spcPct val="120000"/>
+              </a:lnSpc>
+            </a:pPr>
+            <a:endParaRPr lang="zh-CN" altLang="en-US" sz="2800" b="1" dirty="0">
+              <a:solidFill>
+                <a:srgbClr val="FFC000"/>
+              </a:solidFill>
+            </a:endParaRPr>
+          </a:p>
+          <a:p>
+            <a:pPr algn="ctr">
+              <a:lnSpc>
+                <a:spcPct val="120000"/>
+              </a:lnSpc>
+            </a:pPr>
+            <a:endParaRPr lang="zh-CN" altLang="en-US" sz="2800" b="1" dirty="0">
+              <a:solidFill>
+                <a:schemeClr val="bg1"/>
+              </a:solidFill>
+            </a:endParaRPr>
+          </a:p>
+          <a:p>
+            <a:pPr algn="ctr">
+              <a:lnSpc>
+                <a:spcPct val="120000"/>
+              </a:lnSpc>
+            </a:pPr>
+            <a:endParaRPr lang="zh-CN" altLang="en-US" sz="2800" b="1" dirty="0">
+              <a:solidFill>
+                <a:schemeClr val="bg1"/>
+              </a:solidFill>
+            </a:endParaRPr>
+          </a:p>
+          <a:p>
+            <a:pPr algn="ctr">
+              <a:lnSpc>
+                <a:spcPct val="120000"/>
+              </a:lnSpc>
+            </a:pPr>
+            <a:endParaRPr lang="zh-CN" altLang="en-US" sz="2800" b="1" dirty="0">
+              <a:solidFill>
+                <a:schemeClr val="bg1"/>
+              </a:solidFill>
+            </a:endParaRPr>
+          </a:p>
+          <a:p>
+            <a:pPr algn="ctr">
+              <a:lnSpc>
+                <a:spcPct val="120000"/>
+              </a:lnSpc>
+            </a:pPr>
+            <a:endParaRPr lang="zh-CN" altLang="en-US" sz="2800" b="1" dirty="0">
+              <a:solidFill>
+                <a:schemeClr val="bg1"/>
+              </a:solidFill>
+            </a:endParaRPr>
+          </a:p>
+        </p:txBody>
+      </p:sp>
+      <p:sp>
+        <p:nvSpPr>
+          <p:cNvPr id="202" name=" 202"/>
+          <p:cNvSpPr/>
+          <p:nvPr/>
+        </p:nvSpPr>
+        <p:spPr>
+          <a:xfrm>
+            <a:off x="756006" y="692980"/>
+            <a:ext cx="720005" cy="720005"/>
+          </a:xfrm>
+          <a:custGeom>
+            <a:avLst/>
+            <a:gdLst>
+              <a:gd name="connsiteX0" fmla="*/ 0 w 1584176"/>
+              <a:gd name="connsiteY0" fmla="*/ 0 h 1584176"/>
+              <a:gd name="connsiteX1" fmla="*/ 1584176 w 1584176"/>
+              <a:gd name="connsiteY1" fmla="*/ 0 h 1584176"/>
+              <a:gd name="connsiteX2" fmla="*/ 1584176 w 1584176"/>
+              <a:gd name="connsiteY2" fmla="*/ 187449 h 1584176"/>
+              <a:gd name="connsiteX3" fmla="*/ 189611 w 1584176"/>
+              <a:gd name="connsiteY3" fmla="*/ 187449 h 1584176"/>
+              <a:gd name="connsiteX4" fmla="*/ 189611 w 1584176"/>
+              <a:gd name="connsiteY4" fmla="*/ 1584176 h 1584176"/>
+              <a:gd name="connsiteX5" fmla="*/ 0 w 1584176"/>
+              <a:gd name="connsiteY5" fmla="*/ 1584176 h 1584176"/>
+            </a:gdLst>
+            <a:ahLst/>
+            <a:cxnLst>
+              <a:cxn ang="0">
+                <a:pos x="connsiteX0" y="connsiteY0"/>
+              </a:cxn>
+              <a:cxn ang="0">
+                <a:pos x="connsiteX1" y="connsiteY1"/>
+              </a:cxn>
+              <a:cxn ang="0">
+                <a:pos x="connsiteX2" y="connsiteY2"/>
+              </a:cxn>
+              <a:cxn ang="0">
+                <a:pos x="connsiteX3" y="connsiteY3"/>
+              </a:cxn>
+              <a:cxn ang="0">
+                <a:pos x="connsiteX4" y="connsiteY4"/>
+              </a:cxn>
+              <a:cxn ang="0">
+                <a:pos x="connsiteX5" y="connsiteY5"/>
+              </a:cxn>
+            </a:cxnLst>
+            <a:rect l="l" t="t" r="r" b="b"/>
+            <a:pathLst>
+              <a:path w="1584176" h="1584176">
+                <a:moveTo>
+                  <a:pt x="0" y="0"/>
+                </a:moveTo>
+                <a:lnTo>
+                  <a:pt x="1584176" y="0"/>
+                </a:lnTo>
+                <a:lnTo>
+                  <a:pt x="1584176" y="187449"/>
+                </a:lnTo>
+                <a:lnTo>
+                  <a:pt x="189611" y="187449"/>
+                </a:lnTo>
+                <a:lnTo>
+                  <a:pt x="189611" y="1584176"/>
+                </a:lnTo>
+                <a:lnTo>
+                  <a:pt x="0" y="1584176"/>
+                </a:lnTo>
+                <a:close/>
+              </a:path>
+            </a:pathLst>
+          </a:custGeom>
+          <a:solidFill>
+            <a:srgbClr val="FFC000"/>
+          </a:solidFill>
+          <a:ln>
+            <a:noFill/>
+          </a:ln>
+        </p:spPr>
+        <p:style>
+          <a:lnRef idx="2">
+            <a:schemeClr val="accent1">
+              <a:shade val="50000"/>
+            </a:schemeClr>
+          </a:lnRef>
+          <a:fillRef idx="1">
+            <a:schemeClr val="accent1"/>
+          </a:fillRef>
+          <a:effectRef idx="0">
+            <a:schemeClr val="accent1"/>
+          </a:effectRef>
+          <a:fontRef idx="minor">
+            <a:schemeClr val="lt1"/>
+          </a:fontRef>
+        </p:style>
+        <p:txBody>
+          <a:bodyPr anchor="ctr">
+            <a:scene3d>
+              <a:camera prst="orthographicFront"/>
+              <a:lightRig rig="threePt" dir="t"/>
+            </a:scene3d>
+            <a:sp3d>
+              <a:contourClr>
+                <a:srgbClr val="FFFFFF"/>
+              </a:contourClr>
+            </a:sp3d>
+          </a:bodyPr>
+          <a:lstStyle>
+            <a:defPPr>
+              <a:defRPr lang="zh-CN"/>
+            </a:defPPr>
+            <a:lvl1pPr algn="l" rtl="0" eaLnBrk="0" fontAlgn="base" hangingPunct="0">
+              <a:spcBef>
+                <a:spcPct val="0"/>
+              </a:spcBef>
+              <a:spcAft>
+                <a:spcPct val="0"/>
+              </a:spcAft>
+              <a:defRPr kern="1200">
+                <a:solidFill>
+                  <a:schemeClr val="lt1"/>
+                </a:solidFill>
+                <a:latin typeface="+mn-lt"/>
+                <a:ea typeface="+mn-ea"/>
+                <a:cs typeface="+mn-cs"/>
+              </a:defRPr>
+            </a:lvl1pPr>
+            <a:lvl2pPr marL="457200" algn="l" rtl="0" eaLnBrk="0" fontAlgn="base" hangingPunct="0">
+              <a:spcBef>
+                <a:spcPct val="0"/>
+              </a:spcBef>
+              <a:spcAft>
+                <a:spcPct val="0"/>
+              </a:spcAft>
+              <a:defRPr kern="1200">
+                <a:solidFill>
+                  <a:schemeClr val="lt1"/>
+                </a:solidFill>
+                <a:latin typeface="+mn-lt"/>
+                <a:ea typeface="+mn-ea"/>
+                <a:cs typeface="+mn-cs"/>
+              </a:defRPr>
+            </a:lvl2pPr>
+            <a:lvl3pPr marL="914400" algn="l" rtl="0" eaLnBrk="0" fontAlgn="base" hangingPunct="0">
+              <a:spcBef>
+                <a:spcPct val="0"/>
+              </a:spcBef>
+              <a:spcAft>
+                <a:spcPct val="0"/>
+              </a:spcAft>
+              <a:defRPr kern="1200">
+                <a:solidFill>
+                  <a:schemeClr val="lt1"/>
+                </a:solidFill>
+                <a:latin typeface="+mn-lt"/>
+                <a:ea typeface="+mn-ea"/>
+                <a:cs typeface="+mn-cs"/>
+              </a:defRPr>
+            </a:lvl3pPr>
+            <a:lvl4pPr marL="1371600" algn="l" rtl="0" eaLnBrk="0" fontAlgn="base" hangingPunct="0">
+              <a:spcBef>
+                <a:spcPct val="0"/>
+              </a:spcBef>
+              <a:spcAft>
+                <a:spcPct val="0"/>
+              </a:spcAft>
+              <a:defRPr kern="1200">
+                <a:solidFill>
+                  <a:schemeClr val="lt1"/>
+                </a:solidFill>
+                <a:latin typeface="+mn-lt"/>
+                <a:ea typeface="+mn-ea"/>
+                <a:cs typeface="+mn-cs"/>
+              </a:defRPr>
+            </a:lvl4pPr>
+            <a:lvl5pPr marL="1828800" algn="l" rtl="0" eaLnBrk="0" fontAlgn="base" hangingPunct="0">
+              <a:spcBef>
+                <a:spcPct val="0"/>
+              </a:spcBef>
+              <a:spcAft>
+                <a:spcPct val="0"/>
+              </a:spcAft>
+              <a:defRPr kern="1200">
+                <a:solidFill>
+                  <a:schemeClr val="lt1"/>
+                </a:solidFill>
+                <a:latin typeface="+mn-lt"/>
+                <a:ea typeface="+mn-ea"/>
+                <a:cs typeface="+mn-cs"/>
+              </a:defRPr>
+            </a:lvl5pPr>
+            <a:lvl6pPr marL="2286000" algn="l" defTabSz="914400" rtl="0" eaLnBrk="1" latinLnBrk="0" hangingPunct="1">
+              <a:defRPr kern="1200">
+                <a:solidFill>
+                  <a:schemeClr val="lt1"/>
+                </a:solidFill>
+                <a:latin typeface="+mn-lt"/>
+                <a:ea typeface="+mn-ea"/>
+                <a:cs typeface="+mn-cs"/>
+              </a:defRPr>
+            </a:lvl6pPr>
+            <a:lvl7pPr marL="2743200" algn="l" defTabSz="914400" rtl="0" eaLnBrk="1" latinLnBrk="0" hangingPunct="1">
+              <a:defRPr kern="1200">
+                <a:solidFill>
+                  <a:schemeClr val="lt1"/>
+                </a:solidFill>
+                <a:latin typeface="+mn-lt"/>
+                <a:ea typeface="+mn-ea"/>
+                <a:cs typeface="+mn-cs"/>
+              </a:defRPr>
+            </a:lvl7pPr>
+            <a:lvl8pPr marL="3200400" algn="l" defTabSz="914400" rtl="0" eaLnBrk="1" latinLnBrk="0" hangingPunct="1">
+              <a:defRPr kern="1200">
+                <a:solidFill>
+                  <a:schemeClr val="lt1"/>
+                </a:solidFill>
+                <a:latin typeface="+mn-lt"/>
+                <a:ea typeface="+mn-ea"/>
+                <a:cs typeface="+mn-cs"/>
+              </a:defRPr>
+            </a:lvl8pPr>
+            <a:lvl9pPr marL="3657600" algn="l" defTabSz="914400" rtl="0" eaLnBrk="1" latinLnBrk="0" hangingPunct="1">
+              <a:defRPr kern="1200">
+                <a:solidFill>
+                  <a:schemeClr val="lt1"/>
+                </a:solidFill>
+                <a:latin typeface="+mn-lt"/>
+                <a:ea typeface="+mn-ea"/>
+                <a:cs typeface="+mn-cs"/>
+              </a:defRPr>
+            </a:lvl9pPr>
+          </a:lstStyle>
+          <a:p>
+            <a:pPr algn="ctr" eaLnBrk="1" fontAlgn="auto" hangingPunct="1">
+              <a:spcBef>
+                <a:spcPts val="0"/>
+              </a:spcBef>
+              <a:spcAft>
+                <a:spcPts val="0"/>
+              </a:spcAft>
+              <a:defRPr/>
+            </a:pPr>
+            <a:endParaRPr lang="zh-CN" altLang="en-US">
+              <a:solidFill>
+                <a:srgbClr val="FFFFFF"/>
+              </a:solidFill>
+            </a:endParaRPr>
+          </a:p>
+        </p:txBody>
+      </p:sp>
+      <p:sp>
+        <p:nvSpPr>
+          <p:cNvPr id="2" name=" 202"/>
+          <p:cNvSpPr/>
+          <p:nvPr/>
+        </p:nvSpPr>
+        <p:spPr>
+          <a:xfrm rot="10800000">
+            <a:off x="10728079" y="5445015"/>
+            <a:ext cx="720005" cy="720005"/>
+          </a:xfrm>
+          <a:custGeom>
+            <a:avLst/>
+            <a:gdLst>
+              <a:gd name="connsiteX0" fmla="*/ 0 w 1584176"/>
+              <a:gd name="connsiteY0" fmla="*/ 0 h 1584176"/>
+              <a:gd name="connsiteX1" fmla="*/ 1584176 w 1584176"/>
+              <a:gd name="connsiteY1" fmla="*/ 0 h 1584176"/>
+              <a:gd name="connsiteX2" fmla="*/ 1584176 w 1584176"/>
+              <a:gd name="connsiteY2" fmla="*/ 187449 h 1584176"/>
+              <a:gd name="connsiteX3" fmla="*/ 189611 w 1584176"/>
+              <a:gd name="connsiteY3" fmla="*/ 187449 h 1584176"/>
+              <a:gd name="connsiteX4" fmla="*/ 189611 w 1584176"/>
+              <a:gd name="connsiteY4" fmla="*/ 1584176 h 1584176"/>
+              <a:gd name="connsiteX5" fmla="*/ 0 w 1584176"/>
+              <a:gd name="connsiteY5" fmla="*/ 1584176 h 1584176"/>
+            </a:gdLst>
+            <a:ahLst/>
+            <a:cxnLst>
+              <a:cxn ang="0">
+                <a:pos x="connsiteX0" y="connsiteY0"/>
+              </a:cxn>
+              <a:cxn ang="0">
+                <a:pos x="connsiteX1" y="connsiteY1"/>
+              </a:cxn>
+              <a:cxn ang="0">
+                <a:pos x="connsiteX2" y="connsiteY2"/>
+              </a:cxn>
+              <a:cxn ang="0">
+                <a:pos x="connsiteX3" y="connsiteY3"/>
+              </a:cxn>
+              <a:cxn ang="0">
+                <a:pos x="connsiteX4" y="connsiteY4"/>
+              </a:cxn>
+              <a:cxn ang="0">
+                <a:pos x="connsiteX5" y="connsiteY5"/>
+              </a:cxn>
+            </a:cxnLst>
+            <a:rect l="l" t="t" r="r" b="b"/>
+            <a:pathLst>
+              <a:path w="1584176" h="1584176">
+                <a:moveTo>
+                  <a:pt x="0" y="0"/>
+                </a:moveTo>
+                <a:lnTo>
+                  <a:pt x="1584176" y="0"/>
+                </a:lnTo>
+                <a:lnTo>
+                  <a:pt x="1584176" y="187449"/>
+                </a:lnTo>
+                <a:lnTo>
+                  <a:pt x="189611" y="187449"/>
+                </a:lnTo>
+                <a:lnTo>
+                  <a:pt x="189611" y="1584176"/>
+                </a:lnTo>
+                <a:lnTo>
+                  <a:pt x="0" y="1584176"/>
+                </a:lnTo>
+                <a:close/>
+              </a:path>
+            </a:pathLst>
+          </a:custGeom>
+          <a:solidFill>
+            <a:srgbClr val="FFC000"/>
+          </a:solidFill>
+          <a:ln>
+            <a:noFill/>
+          </a:ln>
+        </p:spPr>
+        <p:style>
+          <a:lnRef idx="2">
+            <a:schemeClr val="accent1">
+              <a:shade val="50000"/>
+            </a:schemeClr>
+          </a:lnRef>
+          <a:fillRef idx="1">
+            <a:schemeClr val="accent1"/>
+          </a:fillRef>
+          <a:effectRef idx="0">
+            <a:schemeClr val="accent1"/>
+          </a:effectRef>
+          <a:fontRef idx="minor">
+            <a:schemeClr val="lt1"/>
+          </a:fontRef>
+        </p:style>
+        <p:txBody>
+          <a:bodyPr anchor="ctr">
+            <a:scene3d>
+              <a:camera prst="orthographicFront"/>
+              <a:lightRig rig="threePt" dir="t"/>
+            </a:scene3d>
+            <a:sp3d>
+              <a:contourClr>
+                <a:srgbClr val="FFFFFF"/>
+              </a:contourClr>
+            </a:sp3d>
+          </a:bodyPr>
+          <a:lstStyle>
+            <a:defPPr>
+              <a:defRPr lang="zh-CN"/>
+            </a:defPPr>
+            <a:lvl1pPr algn="l" rtl="0" eaLnBrk="0" fontAlgn="base" hangingPunct="0">
+              <a:spcBef>
+                <a:spcPct val="0"/>
+              </a:spcBef>
+              <a:spcAft>
+                <a:spcPct val="0"/>
+              </a:spcAft>
+              <a:defRPr kern="1200">
+                <a:solidFill>
+                  <a:schemeClr val="lt1"/>
+                </a:solidFill>
+                <a:latin typeface="+mn-lt"/>
+                <a:ea typeface="+mn-ea"/>
+                <a:cs typeface="+mn-cs"/>
+              </a:defRPr>
+            </a:lvl1pPr>
+            <a:lvl2pPr marL="457200" algn="l" rtl="0" eaLnBrk="0" fontAlgn="base" hangingPunct="0">
+              <a:spcBef>
+                <a:spcPct val="0"/>
+              </a:spcBef>
+              <a:spcAft>
+                <a:spcPct val="0"/>
+              </a:spcAft>
+              <a:defRPr kern="1200">
+                <a:solidFill>
+                  <a:schemeClr val="lt1"/>
+                </a:solidFill>
+                <a:latin typeface="+mn-lt"/>
+                <a:ea typeface="+mn-ea"/>
+                <a:cs typeface="+mn-cs"/>
+              </a:defRPr>
+            </a:lvl2pPr>
+            <a:lvl3pPr marL="914400" algn="l" rtl="0" eaLnBrk="0" fontAlgn="base" hangingPunct="0">
+              <a:spcBef>
+                <a:spcPct val="0"/>
+              </a:spcBef>
+              <a:spcAft>
+                <a:spcPct val="0"/>
+              </a:spcAft>
+              <a:defRPr kern="1200">
+                <a:solidFill>
+                  <a:schemeClr val="lt1"/>
+                </a:solidFill>
+                <a:latin typeface="+mn-lt"/>
+                <a:ea typeface="+mn-ea"/>
+                <a:cs typeface="+mn-cs"/>
+              </a:defRPr>
+            </a:lvl3pPr>
+            <a:lvl4pPr marL="1371600" algn="l" rtl="0" eaLnBrk="0" fontAlgn="base" hangingPunct="0">
+              <a:spcBef>
+                <a:spcPct val="0"/>
+              </a:spcBef>
+              <a:spcAft>
+                <a:spcPct val="0"/>
+              </a:spcAft>
+              <a:defRPr kern="1200">
+                <a:solidFill>
+                  <a:schemeClr val="lt1"/>
+                </a:solidFill>
+                <a:latin typeface="+mn-lt"/>
+                <a:ea typeface="+mn-ea"/>
+                <a:cs typeface="+mn-cs"/>
+              </a:defRPr>
+            </a:lvl4pPr>
+            <a:lvl5pPr marL="1828800" algn="l" rtl="0" eaLnBrk="0" fontAlgn="base" hangingPunct="0">
+              <a:spcBef>
+                <a:spcPct val="0"/>
+              </a:spcBef>
+              <a:spcAft>
+                <a:spcPct val="0"/>
+              </a:spcAft>
+              <a:defRPr kern="1200">
+                <a:solidFill>
+                  <a:schemeClr val="lt1"/>
+                </a:solidFill>
+                <a:latin typeface="+mn-lt"/>
+                <a:ea typeface="+mn-ea"/>
+                <a:cs typeface="+mn-cs"/>
+              </a:defRPr>
+            </a:lvl5pPr>
+            <a:lvl6pPr marL="2286000" algn="l" defTabSz="914400" rtl="0" eaLnBrk="1" latinLnBrk="0" hangingPunct="1">
+              <a:defRPr kern="1200">
+                <a:solidFill>
+                  <a:schemeClr val="lt1"/>
+                </a:solidFill>
+                <a:latin typeface="+mn-lt"/>
+                <a:ea typeface="+mn-ea"/>
+                <a:cs typeface="+mn-cs"/>
+              </a:defRPr>
+            </a:lvl6pPr>
+            <a:lvl7pPr marL="2743200" algn="l" defTabSz="914400" rtl="0" eaLnBrk="1" latinLnBrk="0" hangingPunct="1">
+              <a:defRPr kern="1200">
+                <a:solidFill>
+                  <a:schemeClr val="lt1"/>
+                </a:solidFill>
+                <a:latin typeface="+mn-lt"/>
+                <a:ea typeface="+mn-ea"/>
+                <a:cs typeface="+mn-cs"/>
+              </a:defRPr>
+            </a:lvl7pPr>
+            <a:lvl8pPr marL="3200400" algn="l" defTabSz="914400" rtl="0" eaLnBrk="1" latinLnBrk="0" hangingPunct="1">
+              <a:defRPr kern="1200">
+                <a:solidFill>
+                  <a:schemeClr val="lt1"/>
+                </a:solidFill>
+                <a:latin typeface="+mn-lt"/>
+                <a:ea typeface="+mn-ea"/>
+                <a:cs typeface="+mn-cs"/>
+              </a:defRPr>
+            </a:lvl8pPr>
+            <a:lvl9pPr marL="3657600" algn="l" defTabSz="914400" rtl="0" eaLnBrk="1" latinLnBrk="0" hangingPunct="1">
+              <a:defRPr kern="1200">
+                <a:solidFill>
+                  <a:schemeClr val="lt1"/>
+                </a:solidFill>
+                <a:latin typeface="+mn-lt"/>
+                <a:ea typeface="+mn-ea"/>
+                <a:cs typeface="+mn-cs"/>
+              </a:defRPr>
+            </a:lvl9pPr>
+          </a:lstStyle>
+          <a:p>
+            <a:pPr algn="ctr" eaLnBrk="1" fontAlgn="auto" hangingPunct="1">
+              <a:spcBef>
+                <a:spcPts val="0"/>
+              </a:spcBef>
+              <a:spcAft>
+                <a:spcPts val="0"/>
+              </a:spcAft>
+              <a:defRPr/>
+            </a:pPr>
+            <a:endParaRPr lang="zh-CN" altLang="en-US">
+              <a:solidFill>
+                <a:srgbClr val="FFFFFF"/>
+              </a:solidFill>
+            </a:endParaRPr>
+          </a:p>
+        </p:txBody>
+      </p:sp>
+      <p:sp>
+        <p:nvSpPr>
+          <p:cNvPr id="4112" name="文本框 32"/>
+          <p:cNvSpPr txBox="1"/>
+          <p:nvPr/>
+        </p:nvSpPr>
+        <p:spPr>
+          <a:xfrm>
+            <a:off x="4520248" y="1412558"/>
+            <a:ext cx="3151187" cy="645160"/>
+          </a:xfrm>
+          <a:prstGeom prst="rect">
+            <a:avLst/>
+          </a:prstGeom>
+          <a:noFill/>
+          <a:ln w="9525">
+            <a:noFill/>
+          </a:ln>
+        </p:spPr>
+        <p:txBody>
+          <a:bodyPr>
+            <a:spAutoFit/>
+          </a:bodyPr>
+          <a:lstStyle>
+            <a:lvl1pPr marL="228600" lvl="0" indent="-228600" algn="l" defTabSz="914400" eaLnBrk="0" fontAlgn="base" latinLnBrk="0" hangingPunct="0">
+              <a:lnSpc>
+                <a:spcPct val="90000"/>
+              </a:lnSpc>
+              <a:spcBef>
+                <a:spcPts val="1000"/>
+              </a:spcBef>
+              <a:spcAft>
+                <a:spcPct val="0"/>
+              </a:spcAft>
+              <a:buFont typeface="Arial" panose="020B0604020202020204" pitchFamily="34" charset="0"/>
+              <a:buChar char="•"/>
+              <a:defRPr sz="2800" u="none" kern="1200" baseline="0">
+                <a:solidFill>
+                  <a:schemeClr val="tx1"/>
+                </a:solidFill>
+                <a:latin typeface="Calibri" panose="020F0502020204030204" pitchFamily="2" charset="0"/>
+                <a:ea typeface="宋体" panose="02010600030101010101" pitchFamily="2" charset="-122"/>
+              </a:defRPr>
+            </a:lvl1pPr>
+            <a:lvl2pPr marL="685800" lvl="1" indent="-228600" algn="l" defTabSz="914400" eaLnBrk="0" fontAlgn="base" latinLnBrk="0" hangingPunct="0">
+              <a:lnSpc>
+                <a:spcPct val="90000"/>
+              </a:lnSpc>
+              <a:spcBef>
+                <a:spcPts val="500"/>
+              </a:spcBef>
+              <a:spcAft>
+                <a:spcPct val="0"/>
+              </a:spcAft>
+              <a:buFont typeface="Arial" panose="020B0604020202020204" pitchFamily="34" charset="0"/>
+              <a:buChar char="•"/>
+              <a:defRPr sz="2400" u="none" kern="1200" baseline="0">
+                <a:solidFill>
+                  <a:schemeClr val="tx1"/>
+                </a:solidFill>
+                <a:latin typeface="Calibri" panose="020F0502020204030204" pitchFamily="2" charset="0"/>
+                <a:ea typeface="宋体" panose="02010600030101010101" pitchFamily="2" charset="-122"/>
+              </a:defRPr>
+            </a:lvl2pPr>
+            <a:lvl3pPr marL="1143000" lvl="2" indent="-228600" algn="l" defTabSz="914400" eaLnBrk="0" fontAlgn="base" latinLnBrk="0" hangingPunct="0">
+              <a:lnSpc>
+                <a:spcPct val="90000"/>
+              </a:lnSpc>
+              <a:spcBef>
+                <a:spcPts val="500"/>
+              </a:spcBef>
+              <a:spcAft>
+                <a:spcPct val="0"/>
+              </a:spcAft>
+              <a:buFont typeface="Arial" panose="020B0604020202020204" pitchFamily="34" charset="0"/>
+              <a:buChar char="•"/>
+              <a:defRPr sz="2000" u="none" kern="1200" baseline="0">
+                <a:solidFill>
+                  <a:schemeClr val="tx1"/>
+                </a:solidFill>
+                <a:latin typeface="Calibri" panose="020F0502020204030204" pitchFamily="2" charset="0"/>
+                <a:ea typeface="宋体" panose="02010600030101010101" pitchFamily="2" charset="-122"/>
+              </a:defRPr>
+            </a:lvl3pPr>
+            <a:lvl4pPr marL="1600200" lvl="3" indent="-228600" algn="l" defTabSz="914400" eaLnBrk="0" fontAlgn="base" latinLnBrk="0" hangingPunct="0">
+              <a:lnSpc>
+                <a:spcPct val="90000"/>
+              </a:lnSpc>
+              <a:spcBef>
+                <a:spcPts val="500"/>
+              </a:spcBef>
+              <a:spcAft>
+                <a:spcPct val="0"/>
+              </a:spcAft>
+              <a:buFont typeface="Arial" panose="020B0604020202020204" pitchFamily="34" charset="0"/>
+              <a:buChar char="•"/>
+              <a:defRPr sz="1800" u="none" kern="1200" baseline="0">
+                <a:solidFill>
+                  <a:schemeClr val="tx1"/>
+                </a:solidFill>
+                <a:latin typeface="Calibri" panose="020F0502020204030204" pitchFamily="2" charset="0"/>
+                <a:ea typeface="宋体" panose="02010600030101010101" pitchFamily="2" charset="-122"/>
+              </a:defRPr>
+            </a:lvl4pPr>
+            <a:lvl5pPr marL="2057400" lvl="4" indent="-228600" algn="l" defTabSz="914400" eaLnBrk="0" fontAlgn="base" latinLnBrk="0" hangingPunct="0">
+              <a:lnSpc>
+                <a:spcPct val="90000"/>
+              </a:lnSpc>
+              <a:spcBef>
+                <a:spcPts val="500"/>
+              </a:spcBef>
+              <a:spcAft>
+                <a:spcPct val="0"/>
+              </a:spcAft>
+              <a:buFont typeface="Arial" panose="020B0604020202020204" pitchFamily="34" charset="0"/>
+              <a:buChar char="•"/>
+              <a:defRPr sz="1800" u="none" kern="1200" baseline="0">
+                <a:solidFill>
+                  <a:schemeClr val="tx1"/>
+                </a:solidFill>
+                <a:latin typeface="Calibri" panose="020F0502020204030204" pitchFamily="2" charset="0"/>
+                <a:ea typeface="宋体" panose="02010600030101010101" pitchFamily="2" charset="-122"/>
+              </a:defRPr>
+            </a:lvl5pPr>
+          </a:lstStyle>
+          <a:p>
+            <a:pPr marL="0" lvl="0" indent="0" algn="ctr" eaLnBrk="1" hangingPunct="1">
+              <a:lnSpc>
+                <a:spcPct val="100000"/>
+              </a:lnSpc>
+              <a:spcBef>
+                <a:spcPct val="0"/>
+              </a:spcBef>
+              <a:buNone/>
+            </a:pPr>
+            <a:r>
+              <a:rPr lang="zh-CN" sz="3600" dirty="0">
+                <a:solidFill>
+                  <a:schemeClr val="bg1"/>
+                </a:solidFill>
+                <a:sym typeface="+mn-ea"/>
+              </a:rPr>
+              <a:t>参考文献</a:t>
+            </a:r>
+            <a:endParaRPr lang="zh-CN" sz="3600" dirty="0">
+              <a:solidFill>
+                <a:schemeClr val="bg1"/>
+              </a:solidFill>
+            </a:endParaRPr>
+          </a:p>
+        </p:txBody>
+      </p:sp>
+      <p:sp>
+        <p:nvSpPr>
+          <p:cNvPr id="6" name="文本框 32"/>
+          <p:cNvSpPr txBox="1"/>
+          <p:nvPr/>
+        </p:nvSpPr>
+        <p:spPr>
+          <a:xfrm>
+            <a:off x="1476375" y="2644775"/>
+            <a:ext cx="9251950" cy="1568450"/>
+          </a:xfrm>
+          <a:prstGeom prst="rect">
+            <a:avLst/>
+          </a:prstGeom>
+          <a:noFill/>
+          <a:ln w="9525">
+            <a:noFill/>
+          </a:ln>
+        </p:spPr>
+        <p:txBody>
+          <a:bodyPr wrap="square">
+            <a:spAutoFit/>
+          </a:bodyPr>
+          <a:lstStyle>
+            <a:lvl1pPr marL="228600" lvl="0" indent="-228600" algn="l" defTabSz="914400" eaLnBrk="0" fontAlgn="base" latinLnBrk="0" hangingPunct="0">
+              <a:lnSpc>
+                <a:spcPct val="90000"/>
+              </a:lnSpc>
+              <a:spcBef>
+                <a:spcPts val="1000"/>
+              </a:spcBef>
+              <a:spcAft>
+                <a:spcPct val="0"/>
+              </a:spcAft>
+              <a:buFont typeface="Arial" panose="020B0604020202020204" pitchFamily="34" charset="0"/>
+              <a:buChar char="•"/>
+              <a:defRPr sz="2800" u="none" kern="1200" baseline="0">
+                <a:solidFill>
+                  <a:schemeClr val="tx1"/>
+                </a:solidFill>
+                <a:latin typeface="Calibri" panose="020F0502020204030204" pitchFamily="2" charset="0"/>
+                <a:ea typeface="宋体" panose="02010600030101010101" pitchFamily="2" charset="-122"/>
+              </a:defRPr>
+            </a:lvl1pPr>
+            <a:lvl2pPr marL="685800" lvl="1" indent="-228600" algn="l" defTabSz="914400" eaLnBrk="0" fontAlgn="base" latinLnBrk="0" hangingPunct="0">
+              <a:lnSpc>
+                <a:spcPct val="90000"/>
+              </a:lnSpc>
+              <a:spcBef>
+                <a:spcPts val="500"/>
+              </a:spcBef>
+              <a:spcAft>
+                <a:spcPct val="0"/>
+              </a:spcAft>
+              <a:buFont typeface="Arial" panose="020B0604020202020204" pitchFamily="34" charset="0"/>
+              <a:buChar char="•"/>
+              <a:defRPr sz="2400" u="none" kern="1200" baseline="0">
+                <a:solidFill>
+                  <a:schemeClr val="tx1"/>
+                </a:solidFill>
+                <a:latin typeface="Calibri" panose="020F0502020204030204" pitchFamily="2" charset="0"/>
+                <a:ea typeface="宋体" panose="02010600030101010101" pitchFamily="2" charset="-122"/>
+              </a:defRPr>
+            </a:lvl2pPr>
+            <a:lvl3pPr marL="1143000" lvl="2" indent="-228600" algn="l" defTabSz="914400" eaLnBrk="0" fontAlgn="base" latinLnBrk="0" hangingPunct="0">
+              <a:lnSpc>
+                <a:spcPct val="90000"/>
+              </a:lnSpc>
+              <a:spcBef>
+                <a:spcPts val="500"/>
+              </a:spcBef>
+              <a:spcAft>
+                <a:spcPct val="0"/>
+              </a:spcAft>
+              <a:buFont typeface="Arial" panose="020B0604020202020204" pitchFamily="34" charset="0"/>
+              <a:buChar char="•"/>
+              <a:defRPr sz="2000" u="none" kern="1200" baseline="0">
+                <a:solidFill>
+                  <a:schemeClr val="tx1"/>
+                </a:solidFill>
+                <a:latin typeface="Calibri" panose="020F0502020204030204" pitchFamily="2" charset="0"/>
+                <a:ea typeface="宋体" panose="02010600030101010101" pitchFamily="2" charset="-122"/>
+              </a:defRPr>
+            </a:lvl3pPr>
+            <a:lvl4pPr marL="1600200" lvl="3" indent="-228600" algn="l" defTabSz="914400" eaLnBrk="0" fontAlgn="base" latinLnBrk="0" hangingPunct="0">
+              <a:lnSpc>
+                <a:spcPct val="90000"/>
+              </a:lnSpc>
+              <a:spcBef>
+                <a:spcPts val="500"/>
+              </a:spcBef>
+              <a:spcAft>
+                <a:spcPct val="0"/>
+              </a:spcAft>
+              <a:buFont typeface="Arial" panose="020B0604020202020204" pitchFamily="34" charset="0"/>
+              <a:buChar char="•"/>
+              <a:defRPr sz="1800" u="none" kern="1200" baseline="0">
+                <a:solidFill>
+                  <a:schemeClr val="tx1"/>
+                </a:solidFill>
+                <a:latin typeface="Calibri" panose="020F0502020204030204" pitchFamily="2" charset="0"/>
+                <a:ea typeface="宋体" panose="02010600030101010101" pitchFamily="2" charset="-122"/>
+              </a:defRPr>
+            </a:lvl4pPr>
+            <a:lvl5pPr marL="2057400" lvl="4" indent="-228600" algn="l" defTabSz="914400" eaLnBrk="0" fontAlgn="base" latinLnBrk="0" hangingPunct="0">
+              <a:lnSpc>
+                <a:spcPct val="90000"/>
+              </a:lnSpc>
+              <a:spcBef>
+                <a:spcPts val="500"/>
+              </a:spcBef>
+              <a:spcAft>
+                <a:spcPct val="0"/>
+              </a:spcAft>
+              <a:buFont typeface="Arial" panose="020B0604020202020204" pitchFamily="34" charset="0"/>
+              <a:buChar char="•"/>
+              <a:defRPr sz="1800" u="none" kern="1200" baseline="0">
+                <a:solidFill>
+                  <a:schemeClr val="tx1"/>
+                </a:solidFill>
+                <a:latin typeface="Calibri" panose="020F0502020204030204" pitchFamily="2" charset="0"/>
+                <a:ea typeface="宋体" panose="02010600030101010101" pitchFamily="2" charset="-122"/>
+              </a:defRPr>
+            </a:lvl5pPr>
+          </a:lstStyle>
+          <a:p>
+            <a:pPr marL="0" lvl="0" indent="0" algn="ctr" eaLnBrk="1" hangingPunct="1">
+              <a:lnSpc>
+                <a:spcPct val="100000"/>
+              </a:lnSpc>
+              <a:spcBef>
+                <a:spcPct val="0"/>
+              </a:spcBef>
+              <a:buNone/>
+            </a:pPr>
+            <a:r>
+              <a:rPr lang="zh-CN" altLang="en-US" sz="3200" dirty="0">
+                <a:solidFill>
+                  <a:schemeClr val="bg1"/>
+                </a:solidFill>
+              </a:rPr>
+              <a:t>《</a:t>
+            </a:r>
+            <a:r>
+              <a:rPr lang="en-US" altLang="zh-CN" sz="3200" dirty="0">
+                <a:solidFill>
+                  <a:schemeClr val="bg1"/>
+                </a:solidFill>
+              </a:rPr>
+              <a:t>Axure RP8</a:t>
+            </a:r>
+            <a:r>
+              <a:rPr lang="zh-CN" altLang="en-US" sz="3200" dirty="0">
+                <a:solidFill>
+                  <a:schemeClr val="bg1"/>
+                </a:solidFill>
+              </a:rPr>
+              <a:t>网站与</a:t>
+            </a:r>
+            <a:r>
+              <a:rPr lang="en-US" altLang="zh-CN" sz="3200" dirty="0">
+                <a:solidFill>
+                  <a:schemeClr val="bg1"/>
+                </a:solidFill>
+              </a:rPr>
+              <a:t>App</a:t>
+            </a:r>
+            <a:r>
+              <a:rPr lang="zh-CN" altLang="en-US" sz="3200" dirty="0">
+                <a:solidFill>
+                  <a:schemeClr val="bg1"/>
+                </a:solidFill>
+              </a:rPr>
+              <a:t>原型设计》</a:t>
+            </a:r>
+          </a:p>
+          <a:p>
+            <a:pPr marL="0" lvl="0" indent="0" algn="ctr" eaLnBrk="1" hangingPunct="1">
+              <a:lnSpc>
+                <a:spcPct val="100000"/>
+              </a:lnSpc>
+              <a:spcBef>
+                <a:spcPct val="0"/>
+              </a:spcBef>
+              <a:buNone/>
+            </a:pPr>
+            <a:r>
+              <a:rPr lang="zh-CN" sz="3200" dirty="0">
+                <a:solidFill>
+                  <a:schemeClr val="bg1"/>
+                </a:solidFill>
+              </a:rPr>
+              <a:t>好的用户界面-界面设计的一些技巧</a:t>
+            </a:r>
+            <a:r>
+              <a:rPr lang="en-US" altLang="zh-CN" sz="3200" dirty="0">
+                <a:solidFill>
+                  <a:schemeClr val="bg1"/>
+                </a:solidFill>
+              </a:rPr>
+              <a:t>——</a:t>
+            </a:r>
+            <a:r>
+              <a:rPr lang="zh-CN" altLang="en-US" sz="3200" dirty="0">
+                <a:solidFill>
+                  <a:schemeClr val="bg1"/>
+                </a:solidFill>
+              </a:rPr>
+              <a:t>博客园</a:t>
+            </a:r>
+          </a:p>
+          <a:p>
+            <a:pPr marL="0" lvl="0" indent="0" algn="ctr" eaLnBrk="1" hangingPunct="1">
+              <a:lnSpc>
+                <a:spcPct val="100000"/>
+              </a:lnSpc>
+              <a:spcBef>
+                <a:spcPct val="0"/>
+              </a:spcBef>
+              <a:buNone/>
+            </a:pPr>
+            <a:r>
+              <a:rPr lang="zh-CN" sz="3200" dirty="0">
+                <a:solidFill>
+                  <a:schemeClr val="bg1"/>
+                </a:solidFill>
+              </a:rPr>
+              <a:t>界面设计包括哪些细节、如何深入？</a:t>
+            </a:r>
+            <a:r>
+              <a:rPr lang="en-US" altLang="zh-CN" sz="3200" dirty="0">
+                <a:solidFill>
+                  <a:schemeClr val="bg1"/>
+                </a:solidFill>
+              </a:rPr>
+              <a:t>——</a:t>
+            </a:r>
+            <a:r>
+              <a:rPr lang="zh-CN" altLang="en-US" sz="3200" dirty="0">
+                <a:solidFill>
+                  <a:schemeClr val="bg1"/>
+                </a:solidFill>
+              </a:rPr>
+              <a:t>知乎</a:t>
+            </a:r>
+          </a:p>
+        </p:txBody>
+      </p:sp>
+    </p:spTree>
+  </p:cSld>
+  <p:clrMapOvr>
+    <a:masterClrMapping/>
+  </p:clrMapOvr>
+  <p:timing>
+    <p:tnLst>
+      <p:par>
+        <p:cTn id="1" dur="indefinite" restart="never" nodeType="tmRoot"/>
+      </p:par>
+    </p:tnLst>
+  </p:timing>
+</p:sld>
+</file>
+
+<file path=ppt/slides/slide25.xml><?xml version="1.0" encoding="utf-8"?>
+<p:sld xmlns:a="http://schemas.openxmlformats.org/drawingml/2006/main" xmlns:r="http://schemas.openxmlformats.org/officeDocument/2006/relationships" xmlns:p="http://schemas.openxmlformats.org/presentationml/2006/main">
+  <p:cSld>
+    <p:spTree>
+      <p:nvGrpSpPr>
+        <p:cNvPr id="1" name=""/>
+        <p:cNvGrpSpPr/>
+        <p:nvPr/>
+      </p:nvGrpSpPr>
+      <p:grpSpPr>
+        <a:xfrm>
+          <a:off x="0" y="0"/>
+          <a:ext cx="0" cy="0"/>
+          <a:chOff x="0" y="0"/>
+          <a:chExt cx="0" cy="0"/>
+        </a:xfrm>
+      </p:grpSpPr>
+      <p:sp>
+        <p:nvSpPr>
+          <p:cNvPr id="10" name="文本框 9"/>
+          <p:cNvSpPr txBox="1"/>
+          <p:nvPr/>
+        </p:nvSpPr>
+        <p:spPr>
+          <a:xfrm>
+            <a:off x="1107440" y="1057910"/>
+            <a:ext cx="9976485" cy="4742815"/>
+          </a:xfrm>
+          <a:prstGeom prst="rect">
+            <a:avLst/>
+          </a:prstGeom>
+          <a:noFill/>
+          <a:ln w="25400">
+            <a:solidFill>
+              <a:srgbClr val="FFC000"/>
+            </a:solidFill>
+          </a:ln>
+        </p:spPr>
+        <p:txBody>
+          <a:bodyPr wrap="square" rtlCol="0">
+            <a:spAutoFit/>
+          </a:bodyPr>
+          <a:lstStyle/>
+          <a:p>
+            <a:pPr algn="ctr">
+              <a:lnSpc>
+                <a:spcPct val="120000"/>
+              </a:lnSpc>
+            </a:pPr>
+            <a:endParaRPr lang="zh-CN" altLang="en-US" sz="2800" b="1" dirty="0">
+              <a:solidFill>
+                <a:schemeClr val="bg1"/>
+              </a:solidFill>
+            </a:endParaRPr>
+          </a:p>
+          <a:p>
+            <a:pPr algn="ctr">
+              <a:lnSpc>
+                <a:spcPct val="120000"/>
+              </a:lnSpc>
+            </a:pPr>
+            <a:endParaRPr lang="zh-CN" altLang="en-US" sz="2800" b="1" dirty="0">
+              <a:solidFill>
+                <a:schemeClr val="bg1"/>
+              </a:solidFill>
+            </a:endParaRPr>
+          </a:p>
+          <a:p>
+            <a:pPr algn="ctr">
+              <a:lnSpc>
+                <a:spcPct val="120000"/>
+              </a:lnSpc>
+            </a:pPr>
+            <a:endParaRPr lang="zh-CN" altLang="en-US" sz="2800" b="1" dirty="0">
+              <a:solidFill>
+                <a:schemeClr val="bg1"/>
+              </a:solidFill>
+            </a:endParaRPr>
+          </a:p>
+          <a:p>
+            <a:pPr algn="ctr">
+              <a:lnSpc>
+                <a:spcPct val="120000"/>
+              </a:lnSpc>
+            </a:pPr>
+            <a:endParaRPr lang="zh-CN" altLang="en-US" sz="2800" b="1" dirty="0">
+              <a:solidFill>
+                <a:srgbClr val="FFC000"/>
+              </a:solidFill>
+            </a:endParaRPr>
+          </a:p>
+          <a:p>
+            <a:pPr algn="ctr">
+              <a:lnSpc>
+                <a:spcPct val="120000"/>
+              </a:lnSpc>
+            </a:pPr>
+            <a:endParaRPr lang="zh-CN" altLang="en-US" sz="2800" b="1" dirty="0">
+              <a:solidFill>
+                <a:srgbClr val="FFC000"/>
+              </a:solidFill>
+            </a:endParaRPr>
+          </a:p>
+          <a:p>
+            <a:pPr algn="ctr">
+              <a:lnSpc>
+                <a:spcPct val="120000"/>
+              </a:lnSpc>
+            </a:pPr>
+            <a:endParaRPr lang="zh-CN" altLang="en-US" sz="2800" b="1" dirty="0">
+              <a:solidFill>
+                <a:schemeClr val="bg1"/>
+              </a:solidFill>
+            </a:endParaRPr>
+          </a:p>
+          <a:p>
+            <a:pPr algn="ctr">
+              <a:lnSpc>
+                <a:spcPct val="120000"/>
+              </a:lnSpc>
+            </a:pPr>
+            <a:endParaRPr lang="zh-CN" altLang="en-US" sz="2800" b="1" dirty="0">
+              <a:solidFill>
+                <a:schemeClr val="bg1"/>
+              </a:solidFill>
+            </a:endParaRPr>
+          </a:p>
+          <a:p>
+            <a:pPr algn="ctr">
+              <a:lnSpc>
+                <a:spcPct val="120000"/>
+              </a:lnSpc>
+            </a:pPr>
+            <a:endParaRPr lang="zh-CN" altLang="en-US" sz="2800" b="1" dirty="0">
+              <a:solidFill>
+                <a:schemeClr val="bg1"/>
+              </a:solidFill>
+            </a:endParaRPr>
+          </a:p>
+          <a:p>
+            <a:pPr algn="ctr">
+              <a:lnSpc>
+                <a:spcPct val="120000"/>
+              </a:lnSpc>
+            </a:pPr>
+            <a:endParaRPr lang="zh-CN" altLang="en-US" sz="2800" b="1" dirty="0">
+              <a:solidFill>
+                <a:schemeClr val="bg1"/>
+              </a:solidFill>
+            </a:endParaRPr>
+          </a:p>
+        </p:txBody>
+      </p:sp>
+      <p:sp>
+        <p:nvSpPr>
+          <p:cNvPr id="202" name=" 202"/>
+          <p:cNvSpPr/>
+          <p:nvPr/>
+        </p:nvSpPr>
+        <p:spPr>
+          <a:xfrm>
+            <a:off x="756006" y="692980"/>
+            <a:ext cx="720005" cy="720005"/>
+          </a:xfrm>
+          <a:custGeom>
+            <a:avLst/>
+            <a:gdLst>
+              <a:gd name="connsiteX0" fmla="*/ 0 w 1584176"/>
+              <a:gd name="connsiteY0" fmla="*/ 0 h 1584176"/>
+              <a:gd name="connsiteX1" fmla="*/ 1584176 w 1584176"/>
+              <a:gd name="connsiteY1" fmla="*/ 0 h 1584176"/>
+              <a:gd name="connsiteX2" fmla="*/ 1584176 w 1584176"/>
+              <a:gd name="connsiteY2" fmla="*/ 187449 h 1584176"/>
+              <a:gd name="connsiteX3" fmla="*/ 189611 w 1584176"/>
+              <a:gd name="connsiteY3" fmla="*/ 187449 h 1584176"/>
+              <a:gd name="connsiteX4" fmla="*/ 189611 w 1584176"/>
+              <a:gd name="connsiteY4" fmla="*/ 1584176 h 1584176"/>
+              <a:gd name="connsiteX5" fmla="*/ 0 w 1584176"/>
+              <a:gd name="connsiteY5" fmla="*/ 1584176 h 1584176"/>
+            </a:gdLst>
+            <a:ahLst/>
+            <a:cxnLst>
+              <a:cxn ang="0">
+                <a:pos x="connsiteX0" y="connsiteY0"/>
+              </a:cxn>
+              <a:cxn ang="0">
+                <a:pos x="connsiteX1" y="connsiteY1"/>
+              </a:cxn>
+              <a:cxn ang="0">
+                <a:pos x="connsiteX2" y="connsiteY2"/>
+              </a:cxn>
+              <a:cxn ang="0">
+                <a:pos x="connsiteX3" y="connsiteY3"/>
+              </a:cxn>
+              <a:cxn ang="0">
+                <a:pos x="connsiteX4" y="connsiteY4"/>
+              </a:cxn>
+              <a:cxn ang="0">
+                <a:pos x="connsiteX5" y="connsiteY5"/>
+              </a:cxn>
+            </a:cxnLst>
+            <a:rect l="l" t="t" r="r" b="b"/>
+            <a:pathLst>
+              <a:path w="1584176" h="1584176">
+                <a:moveTo>
+                  <a:pt x="0" y="0"/>
+                </a:moveTo>
+                <a:lnTo>
+                  <a:pt x="1584176" y="0"/>
+                </a:lnTo>
+                <a:lnTo>
+                  <a:pt x="1584176" y="187449"/>
+                </a:lnTo>
+                <a:lnTo>
+                  <a:pt x="189611" y="187449"/>
+                </a:lnTo>
+                <a:lnTo>
+                  <a:pt x="189611" y="1584176"/>
+                </a:lnTo>
+                <a:lnTo>
+                  <a:pt x="0" y="1584176"/>
+                </a:lnTo>
+                <a:close/>
+              </a:path>
+            </a:pathLst>
+          </a:custGeom>
+          <a:solidFill>
+            <a:srgbClr val="FFC000"/>
+          </a:solidFill>
+          <a:ln>
+            <a:noFill/>
+          </a:ln>
+        </p:spPr>
+        <p:style>
+          <a:lnRef idx="2">
+            <a:schemeClr val="accent1">
+              <a:shade val="50000"/>
+            </a:schemeClr>
+          </a:lnRef>
+          <a:fillRef idx="1">
+            <a:schemeClr val="accent1"/>
+          </a:fillRef>
+          <a:effectRef idx="0">
+            <a:schemeClr val="accent1"/>
+          </a:effectRef>
+          <a:fontRef idx="minor">
+            <a:schemeClr val="lt1"/>
+          </a:fontRef>
+        </p:style>
+        <p:txBody>
+          <a:bodyPr anchor="ctr">
+            <a:scene3d>
+              <a:camera prst="orthographicFront"/>
+              <a:lightRig rig="threePt" dir="t"/>
+            </a:scene3d>
+            <a:sp3d>
+              <a:contourClr>
+                <a:srgbClr val="FFFFFF"/>
+              </a:contourClr>
+            </a:sp3d>
+          </a:bodyPr>
+          <a:lstStyle>
+            <a:defPPr>
+              <a:defRPr lang="zh-CN"/>
+            </a:defPPr>
+            <a:lvl1pPr algn="l" rtl="0" eaLnBrk="0" fontAlgn="base" hangingPunct="0">
+              <a:spcBef>
+                <a:spcPct val="0"/>
+              </a:spcBef>
+              <a:spcAft>
+                <a:spcPct val="0"/>
+              </a:spcAft>
+              <a:defRPr kern="1200">
+                <a:solidFill>
+                  <a:schemeClr val="lt1"/>
+                </a:solidFill>
+                <a:latin typeface="+mn-lt"/>
+                <a:ea typeface="+mn-ea"/>
+                <a:cs typeface="+mn-cs"/>
+              </a:defRPr>
+            </a:lvl1pPr>
+            <a:lvl2pPr marL="457200" algn="l" rtl="0" eaLnBrk="0" fontAlgn="base" hangingPunct="0">
+              <a:spcBef>
+                <a:spcPct val="0"/>
+              </a:spcBef>
+              <a:spcAft>
+                <a:spcPct val="0"/>
+              </a:spcAft>
+              <a:defRPr kern="1200">
+                <a:solidFill>
+                  <a:schemeClr val="lt1"/>
+                </a:solidFill>
+                <a:latin typeface="+mn-lt"/>
+                <a:ea typeface="+mn-ea"/>
+                <a:cs typeface="+mn-cs"/>
+              </a:defRPr>
+            </a:lvl2pPr>
+            <a:lvl3pPr marL="914400" algn="l" rtl="0" eaLnBrk="0" fontAlgn="base" hangingPunct="0">
+              <a:spcBef>
+                <a:spcPct val="0"/>
+              </a:spcBef>
+              <a:spcAft>
+                <a:spcPct val="0"/>
+              </a:spcAft>
+              <a:defRPr kern="1200">
+                <a:solidFill>
+                  <a:schemeClr val="lt1"/>
+                </a:solidFill>
+                <a:latin typeface="+mn-lt"/>
+                <a:ea typeface="+mn-ea"/>
+                <a:cs typeface="+mn-cs"/>
+              </a:defRPr>
+            </a:lvl3pPr>
+            <a:lvl4pPr marL="1371600" algn="l" rtl="0" eaLnBrk="0" fontAlgn="base" hangingPunct="0">
+              <a:spcBef>
+                <a:spcPct val="0"/>
+              </a:spcBef>
+              <a:spcAft>
+                <a:spcPct val="0"/>
+              </a:spcAft>
+              <a:defRPr kern="1200">
+                <a:solidFill>
+                  <a:schemeClr val="lt1"/>
+                </a:solidFill>
+                <a:latin typeface="+mn-lt"/>
+                <a:ea typeface="+mn-ea"/>
+                <a:cs typeface="+mn-cs"/>
+              </a:defRPr>
+            </a:lvl4pPr>
+            <a:lvl5pPr marL="1828800" algn="l" rtl="0" eaLnBrk="0" fontAlgn="base" hangingPunct="0">
+              <a:spcBef>
+                <a:spcPct val="0"/>
+              </a:spcBef>
+              <a:spcAft>
+                <a:spcPct val="0"/>
+              </a:spcAft>
+              <a:defRPr kern="1200">
+                <a:solidFill>
+                  <a:schemeClr val="lt1"/>
+                </a:solidFill>
+                <a:latin typeface="+mn-lt"/>
+                <a:ea typeface="+mn-ea"/>
+                <a:cs typeface="+mn-cs"/>
+              </a:defRPr>
+            </a:lvl5pPr>
+            <a:lvl6pPr marL="2286000" algn="l" defTabSz="914400" rtl="0" eaLnBrk="1" latinLnBrk="0" hangingPunct="1">
+              <a:defRPr kern="1200">
+                <a:solidFill>
+                  <a:schemeClr val="lt1"/>
+                </a:solidFill>
+                <a:latin typeface="+mn-lt"/>
+                <a:ea typeface="+mn-ea"/>
+                <a:cs typeface="+mn-cs"/>
+              </a:defRPr>
+            </a:lvl6pPr>
+            <a:lvl7pPr marL="2743200" algn="l" defTabSz="914400" rtl="0" eaLnBrk="1" latinLnBrk="0" hangingPunct="1">
+              <a:defRPr kern="1200">
+                <a:solidFill>
+                  <a:schemeClr val="lt1"/>
+                </a:solidFill>
+                <a:latin typeface="+mn-lt"/>
+                <a:ea typeface="+mn-ea"/>
+                <a:cs typeface="+mn-cs"/>
+              </a:defRPr>
+            </a:lvl7pPr>
+            <a:lvl8pPr marL="3200400" algn="l" defTabSz="914400" rtl="0" eaLnBrk="1" latinLnBrk="0" hangingPunct="1">
+              <a:defRPr kern="1200">
+                <a:solidFill>
+                  <a:schemeClr val="lt1"/>
+                </a:solidFill>
+                <a:latin typeface="+mn-lt"/>
+                <a:ea typeface="+mn-ea"/>
+                <a:cs typeface="+mn-cs"/>
+              </a:defRPr>
+            </a:lvl8pPr>
+            <a:lvl9pPr marL="3657600" algn="l" defTabSz="914400" rtl="0" eaLnBrk="1" latinLnBrk="0" hangingPunct="1">
+              <a:defRPr kern="1200">
+                <a:solidFill>
+                  <a:schemeClr val="lt1"/>
+                </a:solidFill>
+                <a:latin typeface="+mn-lt"/>
+                <a:ea typeface="+mn-ea"/>
+                <a:cs typeface="+mn-cs"/>
+              </a:defRPr>
+            </a:lvl9pPr>
+          </a:lstStyle>
+          <a:p>
+            <a:pPr algn="ctr" eaLnBrk="1" fontAlgn="auto" hangingPunct="1">
+              <a:spcBef>
+                <a:spcPts val="0"/>
+              </a:spcBef>
+              <a:spcAft>
+                <a:spcPts val="0"/>
+              </a:spcAft>
+              <a:defRPr/>
+            </a:pPr>
+            <a:endParaRPr lang="zh-CN" altLang="en-US">
+              <a:solidFill>
+                <a:srgbClr val="FFFFFF"/>
+              </a:solidFill>
+            </a:endParaRPr>
+          </a:p>
+        </p:txBody>
+      </p:sp>
+      <p:sp>
+        <p:nvSpPr>
+          <p:cNvPr id="2" name=" 202"/>
+          <p:cNvSpPr/>
+          <p:nvPr/>
+        </p:nvSpPr>
+        <p:spPr>
+          <a:xfrm rot="10800000">
+            <a:off x="10728079" y="5445015"/>
+            <a:ext cx="720005" cy="720005"/>
+          </a:xfrm>
+          <a:custGeom>
+            <a:avLst/>
+            <a:gdLst>
+              <a:gd name="connsiteX0" fmla="*/ 0 w 1584176"/>
+              <a:gd name="connsiteY0" fmla="*/ 0 h 1584176"/>
+              <a:gd name="connsiteX1" fmla="*/ 1584176 w 1584176"/>
+              <a:gd name="connsiteY1" fmla="*/ 0 h 1584176"/>
+              <a:gd name="connsiteX2" fmla="*/ 1584176 w 1584176"/>
+              <a:gd name="connsiteY2" fmla="*/ 187449 h 1584176"/>
+              <a:gd name="connsiteX3" fmla="*/ 189611 w 1584176"/>
+              <a:gd name="connsiteY3" fmla="*/ 187449 h 1584176"/>
+              <a:gd name="connsiteX4" fmla="*/ 189611 w 1584176"/>
+              <a:gd name="connsiteY4" fmla="*/ 1584176 h 1584176"/>
+              <a:gd name="connsiteX5" fmla="*/ 0 w 1584176"/>
+              <a:gd name="connsiteY5" fmla="*/ 1584176 h 1584176"/>
+            </a:gdLst>
+            <a:ahLst/>
+            <a:cxnLst>
+              <a:cxn ang="0">
+                <a:pos x="connsiteX0" y="connsiteY0"/>
+              </a:cxn>
+              <a:cxn ang="0">
+                <a:pos x="connsiteX1" y="connsiteY1"/>
+              </a:cxn>
+              <a:cxn ang="0">
+                <a:pos x="connsiteX2" y="connsiteY2"/>
+              </a:cxn>
+              <a:cxn ang="0">
+                <a:pos x="connsiteX3" y="connsiteY3"/>
+              </a:cxn>
+              <a:cxn ang="0">
+                <a:pos x="connsiteX4" y="connsiteY4"/>
+              </a:cxn>
+              <a:cxn ang="0">
+                <a:pos x="connsiteX5" y="connsiteY5"/>
+              </a:cxn>
+            </a:cxnLst>
+            <a:rect l="l" t="t" r="r" b="b"/>
+            <a:pathLst>
+              <a:path w="1584176" h="1584176">
+                <a:moveTo>
+                  <a:pt x="0" y="0"/>
+                </a:moveTo>
+                <a:lnTo>
+                  <a:pt x="1584176" y="0"/>
+                </a:lnTo>
+                <a:lnTo>
+                  <a:pt x="1584176" y="187449"/>
+                </a:lnTo>
+                <a:lnTo>
+                  <a:pt x="189611" y="187449"/>
+                </a:lnTo>
+                <a:lnTo>
+                  <a:pt x="189611" y="1584176"/>
+                </a:lnTo>
+                <a:lnTo>
+                  <a:pt x="0" y="1584176"/>
+                </a:lnTo>
+                <a:close/>
+              </a:path>
+            </a:pathLst>
+          </a:custGeom>
+          <a:solidFill>
+            <a:srgbClr val="FFC000"/>
+          </a:solidFill>
+          <a:ln>
+            <a:noFill/>
+          </a:ln>
+        </p:spPr>
+        <p:style>
+          <a:lnRef idx="2">
+            <a:schemeClr val="accent1">
+              <a:shade val="50000"/>
+            </a:schemeClr>
+          </a:lnRef>
+          <a:fillRef idx="1">
+            <a:schemeClr val="accent1"/>
+          </a:fillRef>
+          <a:effectRef idx="0">
+            <a:schemeClr val="accent1"/>
+          </a:effectRef>
+          <a:fontRef idx="minor">
+            <a:schemeClr val="lt1"/>
+          </a:fontRef>
+        </p:style>
+        <p:txBody>
+          <a:bodyPr anchor="ctr">
+            <a:scene3d>
+              <a:camera prst="orthographicFront"/>
+              <a:lightRig rig="threePt" dir="t"/>
+            </a:scene3d>
+            <a:sp3d>
+              <a:contourClr>
+                <a:srgbClr val="FFFFFF"/>
+              </a:contourClr>
+            </a:sp3d>
+          </a:bodyPr>
+          <a:lstStyle>
+            <a:defPPr>
+              <a:defRPr lang="zh-CN"/>
+            </a:defPPr>
+            <a:lvl1pPr algn="l" rtl="0" eaLnBrk="0" fontAlgn="base" hangingPunct="0">
+              <a:spcBef>
+                <a:spcPct val="0"/>
+              </a:spcBef>
+              <a:spcAft>
+                <a:spcPct val="0"/>
+              </a:spcAft>
+              <a:defRPr kern="1200">
+                <a:solidFill>
+                  <a:schemeClr val="lt1"/>
+                </a:solidFill>
+                <a:latin typeface="+mn-lt"/>
+                <a:ea typeface="+mn-ea"/>
+                <a:cs typeface="+mn-cs"/>
+              </a:defRPr>
+            </a:lvl1pPr>
+            <a:lvl2pPr marL="457200" algn="l" rtl="0" eaLnBrk="0" fontAlgn="base" hangingPunct="0">
+              <a:spcBef>
+                <a:spcPct val="0"/>
+              </a:spcBef>
+              <a:spcAft>
+                <a:spcPct val="0"/>
+              </a:spcAft>
+              <a:defRPr kern="1200">
+                <a:solidFill>
+                  <a:schemeClr val="lt1"/>
+                </a:solidFill>
+                <a:latin typeface="+mn-lt"/>
+                <a:ea typeface="+mn-ea"/>
+                <a:cs typeface="+mn-cs"/>
+              </a:defRPr>
+            </a:lvl2pPr>
+            <a:lvl3pPr marL="914400" algn="l" rtl="0" eaLnBrk="0" fontAlgn="base" hangingPunct="0">
+              <a:spcBef>
+                <a:spcPct val="0"/>
+              </a:spcBef>
+              <a:spcAft>
+                <a:spcPct val="0"/>
+              </a:spcAft>
+              <a:defRPr kern="1200">
+                <a:solidFill>
+                  <a:schemeClr val="lt1"/>
+                </a:solidFill>
+                <a:latin typeface="+mn-lt"/>
+                <a:ea typeface="+mn-ea"/>
+                <a:cs typeface="+mn-cs"/>
+              </a:defRPr>
+            </a:lvl3pPr>
+            <a:lvl4pPr marL="1371600" algn="l" rtl="0" eaLnBrk="0" fontAlgn="base" hangingPunct="0">
+              <a:spcBef>
+                <a:spcPct val="0"/>
+              </a:spcBef>
+              <a:spcAft>
+                <a:spcPct val="0"/>
+              </a:spcAft>
+              <a:defRPr kern="1200">
+                <a:solidFill>
+                  <a:schemeClr val="lt1"/>
+                </a:solidFill>
+                <a:latin typeface="+mn-lt"/>
+                <a:ea typeface="+mn-ea"/>
+                <a:cs typeface="+mn-cs"/>
+              </a:defRPr>
+            </a:lvl4pPr>
+            <a:lvl5pPr marL="1828800" algn="l" rtl="0" eaLnBrk="0" fontAlgn="base" hangingPunct="0">
+              <a:spcBef>
+                <a:spcPct val="0"/>
+              </a:spcBef>
+              <a:spcAft>
+                <a:spcPct val="0"/>
+              </a:spcAft>
+              <a:defRPr kern="1200">
+                <a:solidFill>
+                  <a:schemeClr val="lt1"/>
+                </a:solidFill>
+                <a:latin typeface="+mn-lt"/>
+                <a:ea typeface="+mn-ea"/>
+                <a:cs typeface="+mn-cs"/>
+              </a:defRPr>
+            </a:lvl5pPr>
+            <a:lvl6pPr marL="2286000" algn="l" defTabSz="914400" rtl="0" eaLnBrk="1" latinLnBrk="0" hangingPunct="1">
+              <a:defRPr kern="1200">
+                <a:solidFill>
+                  <a:schemeClr val="lt1"/>
+                </a:solidFill>
+                <a:latin typeface="+mn-lt"/>
+                <a:ea typeface="+mn-ea"/>
+                <a:cs typeface="+mn-cs"/>
+              </a:defRPr>
+            </a:lvl6pPr>
+            <a:lvl7pPr marL="2743200" algn="l" defTabSz="914400" rtl="0" eaLnBrk="1" latinLnBrk="0" hangingPunct="1">
+              <a:defRPr kern="1200">
+                <a:solidFill>
+                  <a:schemeClr val="lt1"/>
+                </a:solidFill>
+                <a:latin typeface="+mn-lt"/>
+                <a:ea typeface="+mn-ea"/>
+                <a:cs typeface="+mn-cs"/>
+              </a:defRPr>
+            </a:lvl7pPr>
+            <a:lvl8pPr marL="3200400" algn="l" defTabSz="914400" rtl="0" eaLnBrk="1" latinLnBrk="0" hangingPunct="1">
+              <a:defRPr kern="1200">
+                <a:solidFill>
+                  <a:schemeClr val="lt1"/>
+                </a:solidFill>
+                <a:latin typeface="+mn-lt"/>
+                <a:ea typeface="+mn-ea"/>
+                <a:cs typeface="+mn-cs"/>
+              </a:defRPr>
+            </a:lvl8pPr>
+            <a:lvl9pPr marL="3657600" algn="l" defTabSz="914400" rtl="0" eaLnBrk="1" latinLnBrk="0" hangingPunct="1">
+              <a:defRPr kern="1200">
+                <a:solidFill>
+                  <a:schemeClr val="lt1"/>
+                </a:solidFill>
+                <a:latin typeface="+mn-lt"/>
+                <a:ea typeface="+mn-ea"/>
+                <a:cs typeface="+mn-cs"/>
+              </a:defRPr>
+            </a:lvl9pPr>
+          </a:lstStyle>
+          <a:p>
+            <a:pPr algn="ctr" eaLnBrk="1" fontAlgn="auto" hangingPunct="1">
+              <a:spcBef>
+                <a:spcPts val="0"/>
+              </a:spcBef>
+              <a:spcAft>
+                <a:spcPts val="0"/>
+              </a:spcAft>
+              <a:defRPr/>
+            </a:pPr>
+            <a:endParaRPr lang="zh-CN" altLang="en-US">
+              <a:solidFill>
+                <a:srgbClr val="FFFFFF"/>
+              </a:solidFill>
+            </a:endParaRPr>
+          </a:p>
+        </p:txBody>
+      </p:sp>
+      <p:sp>
+        <p:nvSpPr>
+          <p:cNvPr id="4112" name="文本框 32"/>
+          <p:cNvSpPr txBox="1"/>
+          <p:nvPr/>
+        </p:nvSpPr>
+        <p:spPr>
+          <a:xfrm>
+            <a:off x="4520248" y="1412558"/>
+            <a:ext cx="3151187" cy="645160"/>
+          </a:xfrm>
+          <a:prstGeom prst="rect">
+            <a:avLst/>
+          </a:prstGeom>
+          <a:noFill/>
+          <a:ln w="9525">
+            <a:noFill/>
+          </a:ln>
+        </p:spPr>
+        <p:txBody>
+          <a:bodyPr>
+            <a:spAutoFit/>
+          </a:bodyPr>
+          <a:lstStyle>
+            <a:lvl1pPr marL="228600" lvl="0" indent="-228600" algn="l" defTabSz="914400" eaLnBrk="0" fontAlgn="base" latinLnBrk="0" hangingPunct="0">
+              <a:lnSpc>
+                <a:spcPct val="90000"/>
+              </a:lnSpc>
+              <a:spcBef>
+                <a:spcPts val="1000"/>
+              </a:spcBef>
+              <a:spcAft>
+                <a:spcPct val="0"/>
+              </a:spcAft>
+              <a:buFont typeface="Arial" panose="020B0604020202020204" pitchFamily="34" charset="0"/>
+              <a:buChar char="•"/>
+              <a:defRPr sz="2800" u="none" kern="1200" baseline="0">
+                <a:solidFill>
+                  <a:schemeClr val="tx1"/>
+                </a:solidFill>
+                <a:latin typeface="Calibri" panose="020F0502020204030204" pitchFamily="2" charset="0"/>
+                <a:ea typeface="宋体" panose="02010600030101010101" pitchFamily="2" charset="-122"/>
+              </a:defRPr>
+            </a:lvl1pPr>
+            <a:lvl2pPr marL="685800" lvl="1" indent="-228600" algn="l" defTabSz="914400" eaLnBrk="0" fontAlgn="base" latinLnBrk="0" hangingPunct="0">
+              <a:lnSpc>
+                <a:spcPct val="90000"/>
+              </a:lnSpc>
+              <a:spcBef>
+                <a:spcPts val="500"/>
+              </a:spcBef>
+              <a:spcAft>
+                <a:spcPct val="0"/>
+              </a:spcAft>
+              <a:buFont typeface="Arial" panose="020B0604020202020204" pitchFamily="34" charset="0"/>
+              <a:buChar char="•"/>
+              <a:defRPr sz="2400" u="none" kern="1200" baseline="0">
+                <a:solidFill>
+                  <a:schemeClr val="tx1"/>
+                </a:solidFill>
+                <a:latin typeface="Calibri" panose="020F0502020204030204" pitchFamily="2" charset="0"/>
+                <a:ea typeface="宋体" panose="02010600030101010101" pitchFamily="2" charset="-122"/>
+              </a:defRPr>
+            </a:lvl2pPr>
+            <a:lvl3pPr marL="1143000" lvl="2" indent="-228600" algn="l" defTabSz="914400" eaLnBrk="0" fontAlgn="base" latinLnBrk="0" hangingPunct="0">
+              <a:lnSpc>
+                <a:spcPct val="90000"/>
+              </a:lnSpc>
+              <a:spcBef>
+                <a:spcPts val="500"/>
+              </a:spcBef>
+              <a:spcAft>
+                <a:spcPct val="0"/>
+              </a:spcAft>
+              <a:buFont typeface="Arial" panose="020B0604020202020204" pitchFamily="34" charset="0"/>
+              <a:buChar char="•"/>
+              <a:defRPr sz="2000" u="none" kern="1200" baseline="0">
+                <a:solidFill>
+                  <a:schemeClr val="tx1"/>
+                </a:solidFill>
+                <a:latin typeface="Calibri" panose="020F0502020204030204" pitchFamily="2" charset="0"/>
+                <a:ea typeface="宋体" panose="02010600030101010101" pitchFamily="2" charset="-122"/>
+              </a:defRPr>
+            </a:lvl3pPr>
+            <a:lvl4pPr marL="1600200" lvl="3" indent="-228600" algn="l" defTabSz="914400" eaLnBrk="0" fontAlgn="base" latinLnBrk="0" hangingPunct="0">
+              <a:lnSpc>
+                <a:spcPct val="90000"/>
+              </a:lnSpc>
+              <a:spcBef>
+                <a:spcPts val="500"/>
+              </a:spcBef>
+              <a:spcAft>
+                <a:spcPct val="0"/>
+              </a:spcAft>
+              <a:buFont typeface="Arial" panose="020B0604020202020204" pitchFamily="34" charset="0"/>
+              <a:buChar char="•"/>
+              <a:defRPr sz="1800" u="none" kern="1200" baseline="0">
+                <a:solidFill>
+                  <a:schemeClr val="tx1"/>
+                </a:solidFill>
+                <a:latin typeface="Calibri" panose="020F0502020204030204" pitchFamily="2" charset="0"/>
+                <a:ea typeface="宋体" panose="02010600030101010101" pitchFamily="2" charset="-122"/>
+              </a:defRPr>
+            </a:lvl4pPr>
+            <a:lvl5pPr marL="2057400" lvl="4" indent="-228600" algn="l" defTabSz="914400" eaLnBrk="0" fontAlgn="base" latinLnBrk="0" hangingPunct="0">
+              <a:lnSpc>
+                <a:spcPct val="90000"/>
+              </a:lnSpc>
+              <a:spcBef>
+                <a:spcPts val="500"/>
+              </a:spcBef>
+              <a:spcAft>
+                <a:spcPct val="0"/>
+              </a:spcAft>
+              <a:buFont typeface="Arial" panose="020B0604020202020204" pitchFamily="34" charset="0"/>
+              <a:buChar char="•"/>
+              <a:defRPr sz="1800" u="none" kern="1200" baseline="0">
+                <a:solidFill>
+                  <a:schemeClr val="tx1"/>
+                </a:solidFill>
+                <a:latin typeface="Calibri" panose="020F0502020204030204" pitchFamily="2" charset="0"/>
+                <a:ea typeface="宋体" panose="02010600030101010101" pitchFamily="2" charset="-122"/>
+              </a:defRPr>
+            </a:lvl5pPr>
+          </a:lstStyle>
+          <a:p>
+            <a:pPr marL="0" lvl="0" indent="0" algn="ctr" eaLnBrk="1" hangingPunct="1">
+              <a:lnSpc>
+                <a:spcPct val="100000"/>
+              </a:lnSpc>
+              <a:spcBef>
+                <a:spcPct val="0"/>
+              </a:spcBef>
+              <a:buNone/>
+            </a:pPr>
+            <a:r>
+              <a:rPr lang="zh-CN" sz="3600" dirty="0">
+                <a:solidFill>
+                  <a:schemeClr val="bg1"/>
+                </a:solidFill>
+              </a:rPr>
+              <a:t>小组分工</a:t>
+            </a:r>
+          </a:p>
+        </p:txBody>
+      </p:sp>
+      <p:sp>
+        <p:nvSpPr>
+          <p:cNvPr id="8" name="文本框 32"/>
+          <p:cNvSpPr txBox="1"/>
+          <p:nvPr/>
+        </p:nvSpPr>
+        <p:spPr>
+          <a:xfrm>
+            <a:off x="4226876" y="2686334"/>
+            <a:ext cx="4215787" cy="2554545"/>
+          </a:xfrm>
+          <a:prstGeom prst="rect">
+            <a:avLst/>
+          </a:prstGeom>
+          <a:noFill/>
+          <a:ln w="9525">
+            <a:noFill/>
+          </a:ln>
+        </p:spPr>
+        <p:txBody>
+          <a:bodyPr wrap="square">
+            <a:spAutoFit/>
+          </a:bodyPr>
+          <a:lstStyle>
+            <a:lvl1pPr marL="228600" lvl="0" indent="-228600" algn="l" defTabSz="914400" eaLnBrk="0" fontAlgn="base" latinLnBrk="0" hangingPunct="0">
+              <a:lnSpc>
+                <a:spcPct val="90000"/>
+              </a:lnSpc>
+              <a:spcBef>
+                <a:spcPts val="1000"/>
+              </a:spcBef>
+              <a:spcAft>
+                <a:spcPct val="0"/>
+              </a:spcAft>
+              <a:buFont typeface="Arial" panose="020B0604020202020204" pitchFamily="34" charset="0"/>
+              <a:buChar char="•"/>
+              <a:defRPr sz="2800" u="none" kern="1200" baseline="0">
+                <a:solidFill>
+                  <a:schemeClr val="tx1"/>
+                </a:solidFill>
+                <a:latin typeface="Calibri" panose="020F0502020204030204" pitchFamily="2" charset="0"/>
+                <a:ea typeface="宋体" panose="02010600030101010101" pitchFamily="2" charset="-122"/>
+              </a:defRPr>
+            </a:lvl1pPr>
+            <a:lvl2pPr marL="685800" lvl="1" indent="-228600" algn="l" defTabSz="914400" eaLnBrk="0" fontAlgn="base" latinLnBrk="0" hangingPunct="0">
+              <a:lnSpc>
+                <a:spcPct val="90000"/>
+              </a:lnSpc>
+              <a:spcBef>
+                <a:spcPts val="500"/>
+              </a:spcBef>
+              <a:spcAft>
+                <a:spcPct val="0"/>
+              </a:spcAft>
+              <a:buFont typeface="Arial" panose="020B0604020202020204" pitchFamily="34" charset="0"/>
+              <a:buChar char="•"/>
+              <a:defRPr sz="2400" u="none" kern="1200" baseline="0">
+                <a:solidFill>
+                  <a:schemeClr val="tx1"/>
+                </a:solidFill>
+                <a:latin typeface="Calibri" panose="020F0502020204030204" pitchFamily="2" charset="0"/>
+                <a:ea typeface="宋体" panose="02010600030101010101" pitchFamily="2" charset="-122"/>
+              </a:defRPr>
+            </a:lvl2pPr>
+            <a:lvl3pPr marL="1143000" lvl="2" indent="-228600" algn="l" defTabSz="914400" eaLnBrk="0" fontAlgn="base" latinLnBrk="0" hangingPunct="0">
+              <a:lnSpc>
+                <a:spcPct val="90000"/>
+              </a:lnSpc>
+              <a:spcBef>
+                <a:spcPts val="500"/>
+              </a:spcBef>
+              <a:spcAft>
+                <a:spcPct val="0"/>
+              </a:spcAft>
+              <a:buFont typeface="Arial" panose="020B0604020202020204" pitchFamily="34" charset="0"/>
+              <a:buChar char="•"/>
+              <a:defRPr sz="2000" u="none" kern="1200" baseline="0">
+                <a:solidFill>
+                  <a:schemeClr val="tx1"/>
+                </a:solidFill>
+                <a:latin typeface="Calibri" panose="020F0502020204030204" pitchFamily="2" charset="0"/>
+                <a:ea typeface="宋体" panose="02010600030101010101" pitchFamily="2" charset="-122"/>
+              </a:defRPr>
+            </a:lvl3pPr>
+            <a:lvl4pPr marL="1600200" lvl="3" indent="-228600" algn="l" defTabSz="914400" eaLnBrk="0" fontAlgn="base" latinLnBrk="0" hangingPunct="0">
+              <a:lnSpc>
+                <a:spcPct val="90000"/>
+              </a:lnSpc>
+              <a:spcBef>
+                <a:spcPts val="500"/>
+              </a:spcBef>
+              <a:spcAft>
+                <a:spcPct val="0"/>
+              </a:spcAft>
+              <a:buFont typeface="Arial" panose="020B0604020202020204" pitchFamily="34" charset="0"/>
+              <a:buChar char="•"/>
+              <a:defRPr sz="1800" u="none" kern="1200" baseline="0">
+                <a:solidFill>
+                  <a:schemeClr val="tx1"/>
+                </a:solidFill>
+                <a:latin typeface="Calibri" panose="020F0502020204030204" pitchFamily="2" charset="0"/>
+                <a:ea typeface="宋体" panose="02010600030101010101" pitchFamily="2" charset="-122"/>
+              </a:defRPr>
+            </a:lvl4pPr>
+            <a:lvl5pPr marL="2057400" lvl="4" indent="-228600" algn="l" defTabSz="914400" eaLnBrk="0" fontAlgn="base" latinLnBrk="0" hangingPunct="0">
+              <a:lnSpc>
+                <a:spcPct val="90000"/>
+              </a:lnSpc>
+              <a:spcBef>
+                <a:spcPts val="500"/>
+              </a:spcBef>
+              <a:spcAft>
+                <a:spcPct val="0"/>
+              </a:spcAft>
+              <a:buFont typeface="Arial" panose="020B0604020202020204" pitchFamily="34" charset="0"/>
+              <a:buChar char="•"/>
+              <a:defRPr sz="1800" u="none" kern="1200" baseline="0">
+                <a:solidFill>
+                  <a:schemeClr val="tx1"/>
+                </a:solidFill>
+                <a:latin typeface="Calibri" panose="020F0502020204030204" pitchFamily="2" charset="0"/>
+                <a:ea typeface="宋体" panose="02010600030101010101" pitchFamily="2" charset="-122"/>
+              </a:defRPr>
+            </a:lvl5pPr>
+          </a:lstStyle>
+          <a:p>
+            <a:pPr marL="0" lvl="0" indent="0" eaLnBrk="1" hangingPunct="1">
+              <a:lnSpc>
+                <a:spcPct val="100000"/>
+              </a:lnSpc>
+              <a:spcBef>
+                <a:spcPct val="0"/>
+              </a:spcBef>
+              <a:buNone/>
+            </a:pPr>
+            <a:r>
+              <a:rPr lang="zh-CN" sz="3200" dirty="0" smtClean="0">
+                <a:solidFill>
+                  <a:schemeClr val="bg1"/>
+                </a:solidFill>
+              </a:rPr>
+              <a:t>周雨璐</a:t>
+            </a:r>
+            <a:r>
+              <a:rPr lang="en-US" altLang="zh-CN" sz="3200" dirty="0" smtClean="0">
+                <a:solidFill>
+                  <a:schemeClr val="bg1"/>
+                </a:solidFill>
+              </a:rPr>
+              <a:t>93——</a:t>
+            </a:r>
+            <a:r>
+              <a:rPr lang="zh-CN" altLang="en-US" sz="3200" dirty="0">
+                <a:solidFill>
+                  <a:schemeClr val="bg1"/>
+                </a:solidFill>
+              </a:rPr>
+              <a:t>制作</a:t>
+            </a:r>
+            <a:r>
+              <a:rPr lang="en-US" altLang="zh-CN" sz="3200" dirty="0">
+                <a:solidFill>
+                  <a:schemeClr val="bg1"/>
+                </a:solidFill>
+              </a:rPr>
+              <a:t>PPT</a:t>
+            </a:r>
+          </a:p>
+          <a:p>
+            <a:pPr marL="0" lvl="0" indent="0" eaLnBrk="1" hangingPunct="1">
+              <a:lnSpc>
+                <a:spcPct val="100000"/>
+              </a:lnSpc>
+              <a:spcBef>
+                <a:spcPct val="0"/>
+              </a:spcBef>
+              <a:buNone/>
+            </a:pPr>
+            <a:r>
+              <a:rPr lang="zh-CN" altLang="en-US" sz="3200" dirty="0" smtClean="0">
+                <a:solidFill>
+                  <a:schemeClr val="bg1"/>
+                </a:solidFill>
+              </a:rPr>
+              <a:t>葛倍良</a:t>
+            </a:r>
+            <a:r>
+              <a:rPr lang="en-US" altLang="zh-CN" sz="3200" dirty="0" smtClean="0">
+                <a:solidFill>
+                  <a:schemeClr val="bg1"/>
+                </a:solidFill>
+              </a:rPr>
+              <a:t>90——PPT</a:t>
+            </a:r>
+            <a:r>
+              <a:rPr lang="zh-CN" altLang="en-US" sz="3200" dirty="0" smtClean="0">
+                <a:solidFill>
+                  <a:schemeClr val="bg1"/>
+                </a:solidFill>
+              </a:rPr>
+              <a:t>休整</a:t>
+            </a:r>
+            <a:endParaRPr lang="en-US" altLang="zh-CN" sz="3200" dirty="0" smtClean="0">
+              <a:solidFill>
+                <a:schemeClr val="bg1"/>
+              </a:solidFill>
+            </a:endParaRPr>
+          </a:p>
+          <a:p>
+            <a:pPr marL="0" lvl="0" indent="0" eaLnBrk="1" hangingPunct="1">
+              <a:lnSpc>
+                <a:spcPct val="100000"/>
+              </a:lnSpc>
+              <a:spcBef>
+                <a:spcPct val="0"/>
+              </a:spcBef>
+              <a:buNone/>
+            </a:pPr>
+            <a:r>
+              <a:rPr lang="zh-CN" altLang="en-US" sz="3200" dirty="0" smtClean="0">
+                <a:solidFill>
+                  <a:schemeClr val="bg1"/>
+                </a:solidFill>
+              </a:rPr>
+              <a:t>黄鹏羽</a:t>
+            </a:r>
+            <a:r>
+              <a:rPr lang="en-US" altLang="zh-CN" sz="3200" dirty="0" smtClean="0">
+                <a:solidFill>
+                  <a:schemeClr val="bg1"/>
+                </a:solidFill>
+              </a:rPr>
+              <a:t>89——</a:t>
+            </a:r>
+            <a:r>
+              <a:rPr lang="zh-CN" altLang="en-US" sz="3200" dirty="0" smtClean="0">
+                <a:solidFill>
+                  <a:schemeClr val="bg1"/>
+                </a:solidFill>
+              </a:rPr>
+              <a:t>资料搜查</a:t>
+            </a:r>
+            <a:endParaRPr lang="en-US" altLang="zh-CN" sz="3200" dirty="0" smtClean="0">
+              <a:solidFill>
+                <a:schemeClr val="bg1"/>
+              </a:solidFill>
+            </a:endParaRPr>
+          </a:p>
+          <a:p>
+            <a:pPr marL="0" lvl="0" indent="0" eaLnBrk="1" hangingPunct="1">
+              <a:lnSpc>
+                <a:spcPct val="100000"/>
+              </a:lnSpc>
+              <a:spcBef>
+                <a:spcPct val="0"/>
+              </a:spcBef>
+              <a:buNone/>
+            </a:pPr>
+            <a:r>
+              <a:rPr lang="zh-CN" altLang="en-US" sz="3200" dirty="0" smtClean="0">
+                <a:solidFill>
+                  <a:schemeClr val="bg1"/>
+                </a:solidFill>
+              </a:rPr>
+              <a:t>金浩楠</a:t>
+            </a:r>
+            <a:r>
+              <a:rPr lang="en-US" altLang="zh-CN" sz="3200" dirty="0" smtClean="0">
+                <a:solidFill>
+                  <a:schemeClr val="bg1"/>
+                </a:solidFill>
+              </a:rPr>
+              <a:t>86——</a:t>
+            </a:r>
+            <a:r>
+              <a:rPr lang="zh-CN" altLang="en-US" sz="3200" dirty="0" smtClean="0">
+                <a:solidFill>
+                  <a:schemeClr val="bg1"/>
+                </a:solidFill>
+              </a:rPr>
+              <a:t>最终审查</a:t>
+            </a:r>
+            <a:endParaRPr lang="en-US" altLang="zh-CN" sz="3200" dirty="0" smtClean="0">
+              <a:solidFill>
+                <a:schemeClr val="bg1"/>
+              </a:solidFill>
+            </a:endParaRPr>
+          </a:p>
+          <a:p>
+            <a:pPr marL="0" lvl="0" indent="0" eaLnBrk="1" hangingPunct="1">
+              <a:lnSpc>
+                <a:spcPct val="100000"/>
+              </a:lnSpc>
+              <a:spcBef>
+                <a:spcPct val="0"/>
+              </a:spcBef>
+              <a:buNone/>
+            </a:pPr>
+            <a:r>
+              <a:rPr lang="zh-CN" altLang="en-US" sz="3200" dirty="0" smtClean="0">
+                <a:solidFill>
+                  <a:schemeClr val="bg1"/>
+                </a:solidFill>
+              </a:rPr>
+              <a:t>余倩</a:t>
+            </a:r>
+            <a:r>
+              <a:rPr lang="en-US" altLang="zh-CN" sz="3200" dirty="0" smtClean="0">
+                <a:solidFill>
+                  <a:schemeClr val="bg1"/>
+                </a:solidFill>
+              </a:rPr>
+              <a:t>88——</a:t>
+            </a:r>
+            <a:r>
+              <a:rPr lang="zh-CN" altLang="en-US" sz="3200" dirty="0" smtClean="0">
+                <a:solidFill>
+                  <a:schemeClr val="bg1"/>
+                </a:solidFill>
+              </a:rPr>
+              <a:t>辅助制作</a:t>
+            </a:r>
+            <a:endParaRPr lang="zh-CN" altLang="en-US" sz="3200" dirty="0">
+              <a:solidFill>
+                <a:schemeClr val="bg1"/>
+              </a:solidFill>
+            </a:endParaRPr>
+          </a:p>
+        </p:txBody>
+      </p:sp>
+    </p:spTree>
+  </p:cSld>
+  <p:clrMapOvr>
+    <a:masterClrMapping/>
+  </p:clrMapOvr>
+  <p:timing>
+    <p:tnLst>
+      <p:par>
+        <p:cTn id="1" dur="indefinite" restart="never" nodeType="tmRoot"/>
+      </p:par>
+    </p:tnLst>
+  </p:timing>
 </p:sld>
 </file>
 
@@ -19610,4 +22042,265 @@
     </a:ext>
   </a:extLst>
 </a:theme>
+</file>
+
+<file path=ppt/theme/theme2.xml><?xml version="1.0" encoding="utf-8"?>
+<a:theme xmlns:a="http://schemas.openxmlformats.org/drawingml/2006/main" name="Office 主题">
+  <a:themeElements>
+    <a:clrScheme name="Office">
+      <a:dk1>
+        <a:sysClr val="windowText" lastClr="000000"/>
+      </a:dk1>
+      <a:lt1>
+        <a:sysClr val="window" lastClr="FFFFFF"/>
+      </a:lt1>
+      <a:dk2>
+        <a:srgbClr val="44546A"/>
+      </a:dk2>
+      <a:lt2>
+        <a:srgbClr val="E7E6E6"/>
+      </a:lt2>
+      <a:accent1>
+        <a:srgbClr val="5B9BD5"/>
+      </a:accent1>
+      <a:accent2>
+        <a:srgbClr val="ED7D31"/>
+      </a:accent2>
+      <a:accent3>
+        <a:srgbClr val="A5A5A5"/>
+      </a:accent3>
+      <a:accent4>
+        <a:srgbClr val="FFC000"/>
+      </a:accent4>
+      <a:accent5>
+        <a:srgbClr val="4472C4"/>
+      </a:accent5>
+      <a:accent6>
+        <a:srgbClr val="70AD47"/>
+      </a:accent6>
+      <a:hlink>
+        <a:srgbClr val="0563C1"/>
+      </a:hlink>
+      <a:folHlink>
+        <a:srgbClr val="954F72"/>
+      </a:folHlink>
+    </a:clrScheme>
+    <a:fontScheme name="Office">
+      <a:majorFont>
+        <a:latin typeface="Calibri Light"/>
+        <a:ea typeface=""/>
+        <a:cs typeface=""/>
+        <a:font script="Jpan" typeface="ＭＳ Ｐゴシック"/>
+        <a:font script="Hang" typeface="맑은 고딕"/>
+        <a:font script="Hans" typeface="宋体"/>
+        <a:font script="Hant" typeface="新細明體"/>
+        <a:font script="Arab" typeface="Times New Roman"/>
+        <a:font script="Hebr" typeface="Times New Roman"/>
+        <a:font script="Thai" typeface="Angsana New"/>
+        <a:font script="Ethi" typeface="Nyala"/>
+        <a:font script="Beng" typeface="Vrinda"/>
+        <a:font script="Gujr" typeface="Shruti"/>
+        <a:font script="Khmr" typeface="MoolBoran"/>
+        <a:font script="Knda" typeface="Tunga"/>
+        <a:font script="Guru" typeface="Raavi"/>
+        <a:font script="Cans" typeface="Euphemia"/>
+        <a:font script="Cher" typeface="Plantagenet Cherokee"/>
+        <a:font script="Yiii" typeface="Microsoft Yi Baiti"/>
+        <a:font script="Tibt" typeface="Microsoft Himalaya"/>
+        <a:font script="Thaa" typeface="MV Boli"/>
+        <a:font script="Deva" typeface="Mangal"/>
+        <a:font script="Telu" typeface="Gautami"/>
+        <a:font script="Taml" typeface="Latha"/>
+        <a:font script="Syrc" typeface="Estrangelo Edessa"/>
+        <a:font script="Orya" typeface="Kalinga"/>
+        <a:font script="Mlym" typeface="Kartika"/>
+        <a:font script="Laoo" typeface="DokChampa"/>
+        <a:font script="Sinh" typeface="Iskoola Pota"/>
+        <a:font script="Mong" typeface="Mongolian Baiti"/>
+        <a:font script="Viet" typeface="Times New Roman"/>
+        <a:font script="Uigh" typeface="Microsoft Uighur"/>
+        <a:font script="Geor" typeface="Sylfaen"/>
+      </a:majorFont>
+      <a:minorFont>
+        <a:latin typeface="Calibri"/>
+        <a:ea typeface=""/>
+        <a:cs typeface=""/>
+        <a:font script="Jpan" typeface="ＭＳ Ｐゴシック"/>
+        <a:font script="Hang" typeface="맑은 고딕"/>
+        <a:font script="Hans" typeface="宋体"/>
+        <a:font script="Hant" typeface="新細明體"/>
+        <a:font script="Arab" typeface="Arial"/>
+        <a:font script="Hebr" typeface="Arial"/>
+        <a:font script="Thai" typeface="Cordia New"/>
+        <a:font script="Ethi" typeface="Nyala"/>
+        <a:font script="Beng" typeface="Vrinda"/>
+        <a:font script="Gujr" typeface="Shruti"/>
+        <a:font script="Khmr" typeface="DaunPenh"/>
+        <a:font script="Knda" typeface="Tunga"/>
+        <a:font script="Guru" typeface="Raavi"/>
+        <a:font script="Cans" typeface="Euphemia"/>
+        <a:font script="Cher" typeface="Plantagenet Cherokee"/>
+        <a:font script="Yiii" typeface="Microsoft Yi Baiti"/>
+        <a:font script="Tibt" typeface="Microsoft Himalaya"/>
+        <a:font script="Thaa" typeface="MV Boli"/>
+        <a:font script="Deva" typeface="Mangal"/>
+        <a:font script="Telu" typeface="Gautami"/>
+        <a:font script="Taml" typeface="Latha"/>
+        <a:font script="Syrc" typeface="Estrangelo Edessa"/>
+        <a:font script="Orya" typeface="Kalinga"/>
+        <a:font script="Mlym" typeface="Kartika"/>
+        <a:font script="Laoo" typeface="DokChampa"/>
+        <a:font script="Sinh" typeface="Iskoola Pota"/>
+        <a:font script="Mong" typeface="Mongolian Baiti"/>
+        <a:font script="Viet" typeface="Arial"/>
+        <a:font script="Uigh" typeface="Microsoft Uighur"/>
+        <a:font script="Geor" typeface="Sylfaen"/>
+      </a:minorFont>
+    </a:fontScheme>
+    <a:fmtScheme name="Office">
+      <a:fillStyleLst>
+        <a:solidFill>
+          <a:schemeClr val="phClr"/>
+        </a:solidFill>
+        <a:gradFill rotWithShape="1">
+          <a:gsLst>
+            <a:gs pos="0">
+              <a:schemeClr val="phClr">
+                <a:lumMod val="110000"/>
+                <a:satMod val="105000"/>
+                <a:tint val="67000"/>
+              </a:schemeClr>
+            </a:gs>
+            <a:gs pos="50000">
+              <a:schemeClr val="phClr">
+                <a:lumMod val="105000"/>
+                <a:satMod val="103000"/>
+                <a:tint val="73000"/>
+              </a:schemeClr>
+            </a:gs>
+            <a:gs pos="100000">
+              <a:schemeClr val="phClr">
+                <a:lumMod val="105000"/>
+                <a:satMod val="109000"/>
+                <a:tint val="81000"/>
+              </a:schemeClr>
+            </a:gs>
+          </a:gsLst>
+          <a:lin ang="5400000" scaled="0"/>
+        </a:gradFill>
+        <a:gradFill rotWithShape="1">
+          <a:gsLst>
+            <a:gs pos="0">
+              <a:schemeClr val="phClr">
+                <a:satMod val="103000"/>
+                <a:lumMod val="102000"/>
+                <a:tint val="94000"/>
+              </a:schemeClr>
+            </a:gs>
+            <a:gs pos="50000">
+              <a:schemeClr val="phClr">
+                <a:satMod val="110000"/>
+                <a:lumMod val="100000"/>
+                <a:shade val="100000"/>
+              </a:schemeClr>
+            </a:gs>
+            <a:gs pos="100000">
+              <a:schemeClr val="phClr">
+                <a:lumMod val="99000"/>
+                <a:satMod val="120000"/>
+                <a:shade val="78000"/>
+              </a:schemeClr>
+            </a:gs>
+          </a:gsLst>
+          <a:lin ang="5400000" scaled="0"/>
+        </a:gradFill>
+      </a:fillStyleLst>
+      <a:lnStyleLst>
+        <a:ln w="6350" cap="flat" cmpd="sng" algn="ctr">
+          <a:solidFill>
+            <a:schemeClr val="phClr"/>
+          </a:solidFill>
+          <a:prstDash val="solid"/>
+          <a:miter lim="800000"/>
+        </a:ln>
+        <a:ln w="12700" cap="flat" cmpd="sng" algn="ctr">
+          <a:solidFill>
+            <a:schemeClr val="phClr"/>
+          </a:solidFill>
+          <a:prstDash val="solid"/>
+          <a:miter lim="800000"/>
+        </a:ln>
+        <a:ln w="19050" cap="flat" cmpd="sng" algn="ctr">
+          <a:solidFill>
+            <a:schemeClr val="phClr"/>
+          </a:solidFill>
+          <a:prstDash val="solid"/>
+          <a:miter lim="800000"/>
+        </a:ln>
+      </a:lnStyleLst>
+      <a:effectStyleLst>
+        <a:effectStyle>
+          <a:effectLst/>
+        </a:effectStyle>
+        <a:effectStyle>
+          <a:effectLst/>
+        </a:effectStyle>
+        <a:effectStyle>
+          <a:effectLst>
+            <a:outerShdw blurRad="57150" dist="19050" dir="5400000" algn="ctr" rotWithShape="0">
+              <a:srgbClr val="000000">
+                <a:alpha val="63000"/>
+              </a:srgbClr>
+            </a:outerShdw>
+          </a:effectLst>
+        </a:effectStyle>
+      </a:effectStyleLst>
+      <a:bgFillStyleLst>
+        <a:solidFill>
+          <a:schemeClr val="phClr"/>
+        </a:solidFill>
+        <a:solidFill>
+          <a:schemeClr val="phClr">
+            <a:tint val="95000"/>
+            <a:satMod val="170000"/>
+          </a:schemeClr>
+        </a:solidFill>
+        <a:gradFill rotWithShape="1">
+          <a:gsLst>
+            <a:gs pos="0">
+              <a:schemeClr val="phClr">
+                <a:tint val="93000"/>
+                <a:satMod val="150000"/>
+                <a:shade val="98000"/>
+                <a:lumMod val="102000"/>
+              </a:schemeClr>
+            </a:gs>
+            <a:gs pos="50000">
+              <a:schemeClr val="phClr">
+                <a:tint val="98000"/>
+                <a:satMod val="130000"/>
+                <a:shade val="90000"/>
+                <a:lumMod val="103000"/>
+              </a:schemeClr>
+            </a:gs>
+            <a:gs pos="100000">
+              <a:schemeClr val="phClr">
+                <a:shade val="63000"/>
+                <a:satMod val="120000"/>
+              </a:schemeClr>
+            </a:gs>
+          </a:gsLst>
+          <a:lin ang="5400000" scaled="0"/>
+        </a:gradFill>
+      </a:bgFillStyleLst>
+    </a:fmtScheme>
+  </a:themeElements>
+  <a:objectDefaults/>
+  <a:extraClrSchemeLst/>
+  <a:extLst>
+    <a:ext uri="{05A4C25C-085E-4340-85A3-A5531E510DB2}">
+      <thm15:themeFamily xmlns:thm15="http://schemas.microsoft.com/office/thememl/2012/main" name="Office Theme" id="{62F939B6-93AF-4DB8-9C6B-D6C7DFDC589F}" vid="{4A3C46E8-61CC-4603-A589-7422A47A8E4A}"/>
+    </a:ext>
+  </a:extLst>
+</a:theme>
 </file>